--- a/presentation/Анализ проекта.pptx
+++ b/presentation/Анализ проекта.pptx
@@ -1,6 +1,6 @@
 
 <file path=ppt/presentation.xml><?xml version="1.0" encoding="utf-8"?>
-<p:presentation xmlns:a="http://schemas.openxmlformats.org/drawingml/2006/main" xmlns:r="http://schemas.openxmlformats.org/officeDocument/2006/relationships" xmlns:mc="http://schemas.openxmlformats.org/markup-compatibility/2006" xmlns:mv="urn:schemas-microsoft-com:mac:vml" xmlns:p="http://schemas.openxmlformats.org/presentationml/2006/main" xmlns:c="http://schemas.openxmlformats.org/drawingml/2006/chart" xmlns:dgm="http://schemas.openxmlformats.org/drawingml/2006/diagram" xmlns:o="urn:schemas-microsoft-com:office:office" xmlns:v="urn:schemas-microsoft-com:vml" xmlns:pvml="urn:schemas-microsoft-com:office:powerpoint" xmlns:com="http://schemas.openxmlformats.org/drawingml/2006/compatibility" xmlns:p14="http://schemas.microsoft.com/office/powerpoint/2010/main" xmlns:p15="http://schemas.microsoft.com/office/powerpoint/2012/main" xmlns:ahyp="http://schemas.microsoft.com/office/drawing/2018/hyperlinkcolor" autoCompressPictures="0" embedTrueTypeFonts="1" strictFirstAndLastChars="0" saveSubsetFonts="1">
+<p:presentation xmlns:a="http://schemas.openxmlformats.org/drawingml/2006/main" xmlns:r="http://schemas.openxmlformats.org/officeDocument/2006/relationships" xmlns:mc="http://schemas.openxmlformats.org/markup-compatibility/2006" xmlns:mv="urn:schemas-microsoft-com:mac:vml" xmlns:p="http://schemas.openxmlformats.org/presentationml/2006/main" xmlns:c="http://schemas.openxmlformats.org/drawingml/2006/chart" xmlns:dgm="http://schemas.openxmlformats.org/drawingml/2006/diagram" xmlns:o="urn:schemas-microsoft-com:office:office" xmlns:v="urn:schemas-microsoft-com:vml" xmlns:pvml="urn:schemas-microsoft-com:office:powerpoint" xmlns:com="http://schemas.openxmlformats.org/drawingml/2006/compatibility" xmlns:p14="http://schemas.microsoft.com/office/powerpoint/2010/main" xmlns:p15="http://schemas.microsoft.com/office/powerpoint/2012/main" xmlns:ahyp="http://schemas.microsoft.com/office/drawing/2018/hyperlinkcolor" autoCompressPictures="0" embedTrueTypeFonts="1" strictFirstAndLastChars="0" saveSubsetFonts="1" showSpecialPlsOnTitleSld="0">
   <p:sldMasterIdLst>
     <p:sldMasterId id="2147483659" r:id="rId5"/>
   </p:sldMasterIdLst>
@@ -805,7 +805,46 @@
               <a:buNone/>
             </a:pPr>
             <a:r>
-              <a:t/>
+              <a:rPr lang="ru"/>
+              <a:t>Здравствуйте. Я представляю команду №17. Тема проекта — анализ поведения пользователей и прогноз оттока в мобильном приложении ЖКХ. Покажу, какие закономерности нашел в событиях, как сегментировал пользователей по поведению и как построил модель прогноза оттока пользователей. Данные под NDA — поэтому буду показывать  только агрегаты и графики.</a:t>
+            </a:r>
+            <a:endParaRPr/>
+          </a:p>
+          <a:p>
+            <a:pPr indent="0" lvl="0" marL="0" rtl="0" algn="l">
+              <a:spcBef>
+                <a:spcPts val="0"/>
+              </a:spcBef>
+              <a:spcAft>
+                <a:spcPts val="0"/>
+              </a:spcAft>
+              <a:buClr>
+                <a:schemeClr val="dk1"/>
+              </a:buClr>
+              <a:buSzPts val="1100"/>
+              <a:buFont typeface="Arial"/>
+              <a:buNone/>
+            </a:pPr>
+            <a:r>
+              <a:rPr lang="ru" sz="900">
+                <a:solidFill>
+                  <a:srgbClr val="FFFFFF"/>
+                </a:solidFill>
+                <a:highlight>
+                  <a:srgbClr val="222224"/>
+                </a:highlight>
+                <a:uFill>
+                  <a:noFill/>
+                </a:uFill>
+                <a:hlinkClick r:id="rId2">
+                  <a:extLst>
+                    <a:ext uri="{A12FA001-AC4F-418D-AE19-62706E023703}">
+                      <ahyp:hlinkClr val="tx"/>
+                    </a:ext>
+                  </a:extLst>
+                </a:hlinkClick>
+              </a:rPr>
+              <a:t>И швец, и жнец, и на дуде игрец</a:t>
             </a:r>
             <a:endParaRPr/>
           </a:p>
@@ -824,7 +863,7 @@
   <p:cSld>
     <p:spTree>
       <p:nvGrpSpPr>
-        <p:cNvPr id="207" name="Shape 207"/>
+        <p:cNvPr id="216" name="Shape 216"/>
         <p:cNvGrpSpPr/>
         <p:nvPr/>
       </p:nvGrpSpPr>
@@ -838,7 +877,7 @@
       </p:grpSpPr>
       <p:sp>
         <p:nvSpPr>
-          <p:cNvPr id="208" name="Google Shape;208;g3b1262cb19f_0_322:notes"/>
+          <p:cNvPr id="217" name="Google Shape;217;g3b1262cb19f_0_322:notes"/>
           <p:cNvSpPr/>
           <p:nvPr>
             <p:ph idx="2" type="sldImg"/>
@@ -873,7 +912,7 @@
       </p:sp>
       <p:sp>
         <p:nvSpPr>
-          <p:cNvPr id="209" name="Google Shape;209;g3b1262cb19f_0_322:notes"/>
+          <p:cNvPr id="218" name="Google Shape;218;g3b1262cb19f_0_322:notes"/>
           <p:cNvSpPr txBox="1"/>
           <p:nvPr>
             <p:ph idx="1" type="body"/>
@@ -895,8 +934,11 @@
           <a:lstStyle/>
           <a:p>
             <a:pPr indent="0" lvl="0" marL="0" rtl="0" algn="l">
-              <a:spcBef>
-                <a:spcPts val="0"/>
+              <a:lnSpc>
+                <a:spcPct val="115000"/>
+              </a:lnSpc>
+              <a:spcBef>
+                <a:spcPts val="1200"/>
               </a:spcBef>
               <a:spcAft>
                 <a:spcPts val="0"/>
@@ -904,9 +946,317 @@
               <a:buNone/>
             </a:pPr>
             <a:r>
+              <a:rPr lang="ru">
+                <a:solidFill>
+                  <a:schemeClr val="dk1"/>
+                </a:solidFill>
+              </a:rPr>
+              <a:t>Я построил модель риска оттока и выбрал CatBoost как основную: по качеству ранжирования пользователей по риску она даёт ROC‑AUC ≈ 0.71.</a:t>
+            </a:r>
+            <a:endParaRPr>
+              <a:solidFill>
+                <a:schemeClr val="dk1"/>
+              </a:solidFill>
+            </a:endParaRPr>
+          </a:p>
+          <a:p>
+            <a:pPr indent="0" lvl="0" marL="0" rtl="0" algn="l">
+              <a:lnSpc>
+                <a:spcPct val="115000"/>
+              </a:lnSpc>
+              <a:spcBef>
+                <a:spcPts val="1200"/>
+              </a:spcBef>
+              <a:spcAft>
+                <a:spcPts val="0"/>
+              </a:spcAft>
+              <a:buClr>
+                <a:schemeClr val="dk1"/>
+              </a:buClr>
+              <a:buSzPts val="1100"/>
+              <a:buFont typeface="Arial"/>
+              <a:buNone/>
+            </a:pPr>
+            <a:r>
+              <a:rPr lang="ru">
+                <a:solidFill>
+                  <a:schemeClr val="dk1"/>
+                </a:solidFill>
+              </a:rPr>
+              <a:t>Дальше мы перевели «скор риска» в понятное бизнес‑действие: </a:t>
+            </a:r>
+            <a:r>
+              <a:rPr b="1" lang="ru">
+                <a:solidFill>
+                  <a:schemeClr val="dk1"/>
+                </a:solidFill>
+              </a:rPr>
+              <a:t>кого считать “в группе риска” и на кого запускать удерживающие коммуникации</a:t>
+            </a:r>
+            <a:r>
+              <a:rPr lang="ru">
+                <a:solidFill>
+                  <a:schemeClr val="dk1"/>
+                </a:solidFill>
+              </a:rPr>
+              <a:t>. Для этого сравнили несколько правил отсечки (порогов):</a:t>
+            </a:r>
+            <a:endParaRPr>
+              <a:solidFill>
+                <a:schemeClr val="dk1"/>
+              </a:solidFill>
+            </a:endParaRPr>
+          </a:p>
+          <a:p>
+            <a:pPr indent="-298450" lvl="0" marL="457200" rtl="0" algn="l">
+              <a:lnSpc>
+                <a:spcPct val="115000"/>
+              </a:lnSpc>
+              <a:spcBef>
+                <a:spcPts val="1200"/>
+              </a:spcBef>
+              <a:spcAft>
+                <a:spcPts val="0"/>
+              </a:spcAft>
+              <a:buClr>
+                <a:schemeClr val="dk1"/>
+              </a:buClr>
+              <a:buSzPts val="1100"/>
+              <a:buChar char="●"/>
+            </a:pPr>
+            <a:r>
+              <a:rPr b="1" lang="ru">
+                <a:solidFill>
+                  <a:schemeClr val="dk1"/>
+                </a:solidFill>
+              </a:rPr>
+              <a:t>Порог 0.5</a:t>
+            </a:r>
+            <a:r>
+              <a:rPr lang="ru">
+                <a:solidFill>
+                  <a:schemeClr val="dk1"/>
+                </a:solidFill>
+              </a:rPr>
+              <a:t> — базовый вариант “по умолчанию”.</a:t>
+            </a:r>
+            <a:br>
+              <a:rPr lang="ru">
+                <a:solidFill>
+                  <a:schemeClr val="dk1"/>
+                </a:solidFill>
+              </a:rPr>
+            </a:br>
+            <a:endParaRPr>
+              <a:solidFill>
+                <a:schemeClr val="dk1"/>
+              </a:solidFill>
+            </a:endParaRPr>
+          </a:p>
+          <a:p>
+            <a:pPr indent="-298450" lvl="0" marL="457200" rtl="0" algn="l">
+              <a:lnSpc>
+                <a:spcPct val="115000"/>
+              </a:lnSpc>
+              <a:spcBef>
+                <a:spcPts val="0"/>
+              </a:spcBef>
+              <a:spcAft>
+                <a:spcPts val="0"/>
+              </a:spcAft>
+              <a:buClr>
+                <a:schemeClr val="dk1"/>
+              </a:buClr>
+              <a:buSzPts val="1100"/>
+              <a:buChar char="●"/>
+            </a:pPr>
+            <a:r>
+              <a:rPr b="1" lang="ru">
+                <a:solidFill>
+                  <a:schemeClr val="dk1"/>
+                </a:solidFill>
+              </a:rPr>
+              <a:t>Единый оптимальный порог по F1 (≈0.37)</a:t>
+            </a:r>
+            <a:r>
+              <a:rPr lang="ru">
+                <a:solidFill>
+                  <a:schemeClr val="dk1"/>
+                </a:solidFill>
+              </a:rPr>
+              <a:t> — лучше балансирует два типа ошибок:</a:t>
+            </a:r>
+            <a:br>
+              <a:rPr lang="ru">
+                <a:solidFill>
+                  <a:schemeClr val="dk1"/>
+                </a:solidFill>
+              </a:rPr>
+            </a:br>
+            <a:r>
+              <a:rPr lang="ru">
+                <a:solidFill>
+                  <a:schemeClr val="dk1"/>
+                </a:solidFill>
+              </a:rPr>
+              <a:t> не пропускать уходящих (выше recall) и не перегружать коммуникации лишними срабатываниями (precision падает умеренно).</a:t>
+            </a:r>
+            <a:br>
+              <a:rPr lang="ru">
+                <a:solidFill>
+                  <a:schemeClr val="dk1"/>
+                </a:solidFill>
+              </a:rPr>
+            </a:br>
+            <a:endParaRPr>
+              <a:solidFill>
+                <a:schemeClr val="dk1"/>
+              </a:solidFill>
+            </a:endParaRPr>
+          </a:p>
+          <a:p>
+            <a:pPr indent="-298450" lvl="0" marL="457200" rtl="0" algn="l">
+              <a:lnSpc>
+                <a:spcPct val="115000"/>
+              </a:lnSpc>
+              <a:spcBef>
+                <a:spcPts val="0"/>
+              </a:spcBef>
+              <a:spcAft>
+                <a:spcPts val="0"/>
+              </a:spcAft>
+              <a:buClr>
+                <a:schemeClr val="dk1"/>
+              </a:buClr>
+              <a:buSzPts val="1100"/>
+              <a:buChar char="●"/>
+            </a:pPr>
+            <a:r>
+              <a:rPr b="1" lang="ru">
+                <a:solidFill>
+                  <a:schemeClr val="dk1"/>
+                </a:solidFill>
+              </a:rPr>
+              <a:t>Сегментные пороги</a:t>
+            </a:r>
+            <a:r>
+              <a:rPr lang="ru">
+                <a:solidFill>
+                  <a:schemeClr val="dk1"/>
+                </a:solidFill>
+              </a:rPr>
+              <a:t> — отдельные пороги для разных поведенческих сегментов (кластеры) и отдельно для “одноразовых” пользователей.</a:t>
+            </a:r>
+            <a:br>
+              <a:rPr lang="ru">
+                <a:solidFill>
+                  <a:schemeClr val="dk1"/>
+                </a:solidFill>
+              </a:rPr>
+            </a:br>
+            <a:endParaRPr>
+              <a:solidFill>
+                <a:schemeClr val="dk1"/>
+              </a:solidFill>
+            </a:endParaRPr>
+          </a:p>
+          <a:p>
+            <a:pPr indent="0" lvl="0" marL="0" rtl="0" algn="l">
+              <a:lnSpc>
+                <a:spcPct val="115000"/>
+              </a:lnSpc>
+              <a:spcBef>
+                <a:spcPts val="1200"/>
+              </a:spcBef>
+              <a:spcAft>
+                <a:spcPts val="0"/>
+              </a:spcAft>
+              <a:buClr>
+                <a:schemeClr val="dk1"/>
+              </a:buClr>
+              <a:buSzPts val="1100"/>
+              <a:buFont typeface="Arial"/>
+              <a:buNone/>
+            </a:pPr>
+            <a:r>
+              <a:rPr lang="ru">
+                <a:solidFill>
+                  <a:schemeClr val="dk1"/>
+                </a:solidFill>
+              </a:rPr>
+              <a:t>Результат: </a:t>
+            </a:r>
+            <a:r>
+              <a:rPr b="1" lang="ru">
+                <a:solidFill>
+                  <a:schemeClr val="dk1"/>
+                </a:solidFill>
+              </a:rPr>
+              <a:t>лучший общий баланс “точность ↔ охват” дал единый порог best‑F1</a:t>
+            </a:r>
+            <a:r>
+              <a:rPr lang="ru">
+                <a:solidFill>
+                  <a:schemeClr val="dk1"/>
+                </a:solidFill>
+              </a:rPr>
+              <a:t>.</a:t>
+            </a:r>
+            <a:br>
+              <a:rPr lang="ru">
+                <a:solidFill>
+                  <a:schemeClr val="dk1"/>
+                </a:solidFill>
+              </a:rPr>
+            </a:br>
+            <a:r>
+              <a:rPr lang="ru">
+                <a:solidFill>
+                  <a:schemeClr val="dk1"/>
+                </a:solidFill>
+              </a:rPr>
+              <a:t> Сегментные пороги полезны как аналитика (показывают, что в разных сегментах нужен разный подход), но </a:t>
+            </a:r>
+            <a:r>
+              <a:rPr b="1" lang="ru">
+                <a:solidFill>
+                  <a:schemeClr val="dk1"/>
+                </a:solidFill>
+              </a:rPr>
+              <a:t>как единая стратегия они не улучшают итоговый F1</a:t>
+            </a:r>
+            <a:r>
+              <a:rPr lang="ru">
+                <a:solidFill>
+                  <a:schemeClr val="dk1"/>
+                </a:solidFill>
+              </a:rPr>
+              <a:t> относительно глобального порога</a:t>
+            </a:r>
+            <a:endParaRPr>
+              <a:solidFill>
+                <a:schemeClr val="dk1"/>
+              </a:solidFill>
+            </a:endParaRPr>
+          </a:p>
+          <a:p>
+            <a:pPr indent="0" lvl="0" marL="0" rtl="0" algn="l">
+              <a:spcBef>
+                <a:spcPts val="1200"/>
+              </a:spcBef>
+              <a:spcAft>
+                <a:spcPts val="0"/>
+              </a:spcAft>
+              <a:buNone/>
+            </a:pPr>
+            <a:r>
               <a:t/>
             </a:r>
-            <a:endParaRPr/>
+            <a:endParaRPr>
+              <a:solidFill>
+                <a:schemeClr val="dk1"/>
+              </a:solidFill>
+            </a:endParaRPr>
           </a:p>
         </p:txBody>
       </p:sp>
@@ -923,7 +1273,7 @@
   <p:cSld>
     <p:spTree>
       <p:nvGrpSpPr>
-        <p:cNvPr id="214" name="Shape 214"/>
+        <p:cNvPr id="224" name="Shape 224"/>
         <p:cNvGrpSpPr/>
         <p:nvPr/>
       </p:nvGrpSpPr>
@@ -937,7 +1287,7 @@
       </p:grpSpPr>
       <p:sp>
         <p:nvSpPr>
-          <p:cNvPr id="215" name="Google Shape;215;g3b1262cb19f_0_333:notes"/>
+          <p:cNvPr id="225" name="Google Shape;225;g3b1262cb19f_0_333:notes"/>
           <p:cNvSpPr/>
           <p:nvPr>
             <p:ph idx="2" type="sldImg"/>
@@ -972,7 +1322,7 @@
       </p:sp>
       <p:sp>
         <p:nvSpPr>
-          <p:cNvPr id="216" name="Google Shape;216;g3b1262cb19f_0_333:notes"/>
+          <p:cNvPr id="226" name="Google Shape;226;g3b1262cb19f_0_333:notes"/>
           <p:cNvSpPr txBox="1"/>
           <p:nvPr>
             <p:ph idx="1" type="body"/>
@@ -994,17 +1344,15 @@
           <a:lstStyle/>
           <a:p>
             <a:pPr indent="0" lvl="0" marL="0" rtl="0" algn="l">
-              <a:spcBef>
-                <a:spcPts val="0"/>
-              </a:spcBef>
-              <a:spcAft>
-                <a:spcPts val="0"/>
-              </a:spcAft>
-              <a:buClr>
-                <a:schemeClr val="dk1"/>
-              </a:buClr>
-              <a:buSzPts val="1100"/>
-              <a:buFont typeface="Arial"/>
+              <a:lnSpc>
+                <a:spcPct val="115000"/>
+              </a:lnSpc>
+              <a:spcBef>
+                <a:spcPts val="1200"/>
+              </a:spcBef>
+              <a:spcAft>
+                <a:spcPts val="0"/>
+              </a:spcAft>
               <a:buNone/>
             </a:pPr>
             <a:r>
@@ -1013,23 +1361,7 @@
                   <a:schemeClr val="dk1"/>
                 </a:solidFill>
               </a:rPr>
-              <a:t>Самые рисковые сегменты: </a:t>
-            </a:r>
-            <a:r>
-              <a:rPr b="1" lang="ru">
-                <a:solidFill>
-                  <a:schemeClr val="dk1"/>
-                </a:solidFill>
-              </a:rPr>
-              <a:t>кластеры 0/3/6</a:t>
-            </a:r>
-            <a:r>
-              <a:rPr lang="ru">
-                <a:solidFill>
-                  <a:schemeClr val="dk1"/>
-                </a:solidFill>
-              </a:rPr>
-              <a:t> (высокий churn ≈ 58–60%) → основной приоритет для удержания.</a:t>
+              <a:t>На основе сегментов я сформировал  рекомендации по удержанию и росту вовлечённости.</a:t>
             </a:r>
             <a:endParaRPr>
               <a:solidFill>
@@ -1039,17 +1371,15 @@
           </a:p>
           <a:p>
             <a:pPr indent="0" lvl="0" marL="0" rtl="0" algn="l">
-              <a:spcBef>
-                <a:spcPts val="0"/>
-              </a:spcBef>
-              <a:spcAft>
-                <a:spcPts val="0"/>
-              </a:spcAft>
-              <a:buClr>
-                <a:schemeClr val="dk1"/>
-              </a:buClr>
-              <a:buSzPts val="1100"/>
-              <a:buFont typeface="Arial"/>
+              <a:lnSpc>
+                <a:spcPct val="115000"/>
+              </a:lnSpc>
+              <a:spcBef>
+                <a:spcPts val="1200"/>
+              </a:spcBef>
+              <a:spcAft>
+                <a:spcPts val="0"/>
+              </a:spcAft>
               <a:buNone/>
             </a:pPr>
             <a:r>
@@ -1058,7 +1388,7 @@
                   <a:schemeClr val="dk1"/>
                 </a:solidFill>
               </a:rPr>
-              <a:t>“Ядро” лояльных: </a:t>
+              <a:t>Главный приоритет — сегменты </a:t>
             </a:r>
             <a:r>
               <a:rPr b="1" lang="ru">
@@ -1066,7 +1396,7 @@
                   <a:schemeClr val="dk1"/>
                 </a:solidFill>
               </a:rPr>
-              <a:t>кластер 2</a:t>
+              <a:t>0/3/6</a:t>
             </a:r>
             <a:r>
               <a:rPr lang="ru">
@@ -1074,7 +1404,22 @@
                   <a:schemeClr val="dk1"/>
                 </a:solidFill>
               </a:rPr>
-              <a:t> (низкий churn ≈ 21%) → важно удерживать и расширять ценность.</a:t>
+              <a:t> с высоким churn: у них 1–2 дня активности, мало экранов и функций.</a:t>
+            </a:r>
+            <a:br>
+              <a:rPr lang="ru">
+                <a:solidFill>
+                  <a:schemeClr val="dk1"/>
+                </a:solidFill>
+              </a:rPr>
+            </a:br>
+            <a:r>
+              <a:rPr lang="ru">
+                <a:solidFill>
+                  <a:schemeClr val="dk1"/>
+                </a:solidFill>
+              </a:rPr>
+              <a:t> Для них важно ускорить “первую ценность”: вынести быстрые кнопки ключевых сценариев на главный экран и в “Ещё”, добавить короткий onboarding из 2–3 подсказок и упростить навигацию — избранное/поиск в “Ещё”. Коммуникации — триггерная цепочка после первого визита.</a:t>
             </a:r>
             <a:endParaRPr>
               <a:solidFill>
@@ -1084,11 +1429,14 @@
           </a:p>
           <a:p>
             <a:pPr indent="0" lvl="0" marL="0" rtl="0" algn="l">
-              <a:spcBef>
-                <a:spcPts val="0"/>
-              </a:spcBef>
-              <a:spcAft>
-                <a:spcPts val="0"/>
+              <a:lnSpc>
+                <a:spcPct val="115000"/>
+              </a:lnSpc>
+              <a:spcBef>
+                <a:spcPts val="1200"/>
+              </a:spcBef>
+              <a:spcAft>
+                <a:spcPts val="1200"/>
               </a:spcAft>
               <a:buNone/>
             </a:pPr>
@@ -1098,9 +1446,13 @@
                   <a:schemeClr val="dk1"/>
                 </a:solidFill>
               </a:rPr>
-              <a:t>Общая гипотеза UX: у churn-группы чуть выше “назад/блуждание” → нужны быстрые маршруты и упрощение навигации.</a:t>
-            </a:r>
-            <a:endParaRPr/>
+              <a:t>Сегмент 1 — “исследователи”: пробуют много функционала, но не закрепляют привычку. Здесь помогает guided tour по одному сценарию и блок “Рекомендовано” — чтобы довести пользователя до завершения полезного действия.</a:t>
+            </a:r>
+            <a:endParaRPr>
+              <a:solidFill>
+                <a:schemeClr val="dk1"/>
+              </a:solidFill>
+            </a:endParaRPr>
           </a:p>
         </p:txBody>
       </p:sp>
@@ -1117,7 +1469,7 @@
   <p:cSld>
     <p:spTree>
       <p:nvGrpSpPr>
-        <p:cNvPr id="220" name="Shape 220"/>
+        <p:cNvPr id="231" name="Shape 231"/>
         <p:cNvGrpSpPr/>
         <p:nvPr/>
       </p:nvGrpSpPr>
@@ -1131,7 +1483,7 @@
       </p:grpSpPr>
       <p:sp>
         <p:nvSpPr>
-          <p:cNvPr id="221" name="Google Shape;221;g3b1262cb19f_0_348:notes"/>
+          <p:cNvPr id="232" name="Google Shape;232;g3b1262cb19f_0_348:notes"/>
           <p:cNvSpPr/>
           <p:nvPr>
             <p:ph idx="2" type="sldImg"/>
@@ -1166,7 +1518,7 @@
       </p:sp>
       <p:sp>
         <p:nvSpPr>
-          <p:cNvPr id="222" name="Google Shape;222;g3b1262cb19f_0_348:notes"/>
+          <p:cNvPr id="233" name="Google Shape;233;g3b1262cb19f_0_348:notes"/>
           <p:cNvSpPr txBox="1"/>
           <p:nvPr>
             <p:ph idx="1" type="body"/>
@@ -1188,8 +1540,104 @@
           <a:lstStyle/>
           <a:p>
             <a:pPr indent="0" lvl="0" marL="0" rtl="0" algn="l">
-              <a:spcBef>
-                <a:spcPts val="0"/>
+              <a:lnSpc>
+                <a:spcPct val="115000"/>
+              </a:lnSpc>
+              <a:spcBef>
+                <a:spcPts val="1200"/>
+              </a:spcBef>
+              <a:spcAft>
+                <a:spcPts val="0"/>
+              </a:spcAft>
+              <a:buClr>
+                <a:schemeClr val="dk1"/>
+              </a:buClr>
+              <a:buSzPts val="1100"/>
+              <a:buFont typeface="Arial"/>
+              <a:buNone/>
+            </a:pPr>
+            <a:r>
+              <a:rPr lang="ru"/>
+              <a:t>Если бы проект продолжался, я бы усилил его в трёх направлениях.</a:t>
+            </a:r>
+            <a:endParaRPr/>
+          </a:p>
+          <a:p>
+            <a:pPr indent="0" lvl="0" marL="0" rtl="0" algn="l">
+              <a:lnSpc>
+                <a:spcPct val="115000"/>
+              </a:lnSpc>
+              <a:spcBef>
+                <a:spcPts val="1200"/>
+              </a:spcBef>
+              <a:spcAft>
+                <a:spcPts val="0"/>
+              </a:spcAft>
+              <a:buClr>
+                <a:schemeClr val="dk1"/>
+              </a:buClr>
+              <a:buSzPts val="1100"/>
+              <a:buFont typeface="Arial"/>
+              <a:buNone/>
+            </a:pPr>
+            <a:r>
+              <a:rPr lang="ru"/>
+              <a:t>Первое — data enrichment: подключили бы погодные данные через Yandex Weather API и проверили корреляции “погода ↔ всплески заявок/активности”. Это помогает объяснять пики и потенциально улучшает прогноз.</a:t>
+            </a:r>
+            <a:endParaRPr/>
+          </a:p>
+          <a:p>
+            <a:pPr indent="0" lvl="0" marL="0" rtl="0" algn="l">
+              <a:lnSpc>
+                <a:spcPct val="115000"/>
+              </a:lnSpc>
+              <a:spcBef>
+                <a:spcPts val="1200"/>
+              </a:spcBef>
+              <a:spcAft>
+                <a:spcPts val="0"/>
+              </a:spcAft>
+              <a:buClr>
+                <a:schemeClr val="dk1"/>
+              </a:buClr>
+              <a:buSzPts val="1100"/>
+              <a:buFont typeface="Arial"/>
+              <a:buNone/>
+            </a:pPr>
+            <a:r>
+              <a:rPr lang="ru"/>
+              <a:t>Второе — моделирование поведения: помимо агрегатов, использовать последовательности действий — HMM/LSTM/Transformer по цепочкам экранов. Это лучше ловит сценарии ухода. Для сегментации можно дополнительно попробовать GMM (Gaussian Mixture Modeling, даёт вероятности принадлежности) и spectral clustering для более сложной геометрии. SVM не является кластеризацией, но его можно использовать после обучения сегментов, чтобы быстро назначать кластер новым пользователям.</a:t>
+            </a:r>
+            <a:endParaRPr/>
+          </a:p>
+          <a:p>
+            <a:pPr indent="0" lvl="0" marL="0" rtl="0" algn="l">
+              <a:lnSpc>
+                <a:spcPct val="115000"/>
+              </a:lnSpc>
+              <a:spcBef>
+                <a:spcPts val="1200"/>
+              </a:spcBef>
+              <a:spcAft>
+                <a:spcPts val="0"/>
+              </a:spcAft>
+              <a:buClr>
+                <a:schemeClr val="dk1"/>
+              </a:buClr>
+              <a:buSzPts val="1100"/>
+              <a:buFont typeface="Arial"/>
+              <a:buNone/>
+            </a:pPr>
+            <a:r>
+              <a:rPr lang="ru"/>
+              <a:t>Третье — продуктовая валидация: рекомендации нужно подтвердить A/B-тестами на high-risk сегментах 0/3/6. Метрики: retention D7/D30, конверсии в ключевые сценарии и снижение “назад/блужданий”, но здесь нужны дополнительные данные.</a:t>
+            </a:r>
+            <a:endParaRPr/>
+          </a:p>
+          <a:p>
+            <a:pPr indent="0" lvl="0" marL="0" rtl="0" algn="l">
+              <a:spcBef>
+                <a:spcPts val="1200"/>
               </a:spcBef>
               <a:spcAft>
                 <a:spcPts val="0"/>
@@ -1293,10 +1741,118 @@
               <a:spcAft>
                 <a:spcPts val="0"/>
               </a:spcAft>
+              <a:buClr>
+                <a:schemeClr val="dk1"/>
+              </a:buClr>
+              <a:buSzPts val="1100"/>
+              <a:buFont typeface="Arial"/>
               <a:buNone/>
             </a:pPr>
             <a:r>
-              <a:t/>
+              <a:rPr lang="ru">
+                <a:solidFill>
+                  <a:schemeClr val="dk1"/>
+                </a:solidFill>
+              </a:rPr>
+              <a:t>Приложение покрывает ключевые сценарии ЖКХ: платежи, заявки, собрания, новости/чат и взаимодействие с управляющей компанией.</a:t>
+            </a:r>
+            <a:endParaRPr>
+              <a:solidFill>
+                <a:schemeClr val="dk1"/>
+              </a:solidFill>
+            </a:endParaRPr>
+          </a:p>
+          <a:p>
+            <a:pPr indent="0" lvl="0" marL="0" rtl="0" algn="l">
+              <a:spcBef>
+                <a:spcPts val="0"/>
+              </a:spcBef>
+              <a:spcAft>
+                <a:spcPts val="0"/>
+              </a:spcAft>
+              <a:buClr>
+                <a:schemeClr val="dk1"/>
+              </a:buClr>
+              <a:buSzPts val="1100"/>
+              <a:buFont typeface="Arial"/>
+              <a:buNone/>
+            </a:pPr>
+            <a:r>
+              <a:rPr lang="ru">
+                <a:solidFill>
+                  <a:schemeClr val="dk1"/>
+                </a:solidFill>
+              </a:rPr>
+              <a:t>Наша цель — выявить паттерны поведения, выделить сегменты пользователей и построить прогноз оттока.</a:t>
+            </a:r>
+            <a:endParaRPr>
+              <a:solidFill>
+                <a:schemeClr val="dk1"/>
+              </a:solidFill>
+            </a:endParaRPr>
+          </a:p>
+          <a:p>
+            <a:pPr indent="0" lvl="0" marL="0" rtl="0" algn="l">
+              <a:spcBef>
+                <a:spcPts val="0"/>
+              </a:spcBef>
+              <a:spcAft>
+                <a:spcPts val="0"/>
+              </a:spcAft>
+              <a:buClr>
+                <a:schemeClr val="dk1"/>
+              </a:buClr>
+              <a:buSzPts val="1100"/>
+              <a:buFont typeface="Arial"/>
+              <a:buNone/>
+            </a:pPr>
+            <a:r>
+              <a:rPr lang="ru">
+                <a:solidFill>
+                  <a:schemeClr val="dk1"/>
+                </a:solidFill>
+              </a:rPr>
+              <a:t>Отток мы определяем как </a:t>
+            </a:r>
+            <a:r>
+              <a:rPr b="1" lang="ru">
+                <a:solidFill>
+                  <a:schemeClr val="dk1"/>
+                </a:solidFill>
+              </a:rPr>
+              <a:t>отсутствие активности/событий больше 30 дней</a:t>
+            </a:r>
+            <a:r>
+              <a:rPr lang="ru">
+                <a:solidFill>
+                  <a:schemeClr val="dk1"/>
+                </a:solidFill>
+              </a:rPr>
+              <a:t> ( далее буду использовать термин churn_30d).</a:t>
+            </a:r>
+            <a:endParaRPr>
+              <a:solidFill>
+                <a:schemeClr val="dk1"/>
+              </a:solidFill>
+            </a:endParaRPr>
+          </a:p>
+          <a:p>
+            <a:pPr indent="0" lvl="0" marL="0" rtl="0" algn="l">
+              <a:spcBef>
+                <a:spcPts val="0"/>
+              </a:spcBef>
+              <a:spcAft>
+                <a:spcPts val="0"/>
+              </a:spcAft>
+              <a:buNone/>
+            </a:pPr>
+            <a:r>
+              <a:rPr lang="ru">
+                <a:solidFill>
+                  <a:schemeClr val="dk1"/>
+                </a:solidFill>
+              </a:rPr>
+              <a:t>Фокус проекта — исследовательский анализ данных  + сегментация + модель прогноза оттока. NLP не делали из‑за сроков и приоритета EDA.</a:t>
             </a:r>
             <a:endParaRPr/>
           </a:p>
@@ -1315,7 +1871,7 @@
   <p:cSld>
     <p:spTree>
       <p:nvGrpSpPr>
-        <p:cNvPr id="146" name="Shape 146"/>
+        <p:cNvPr id="147" name="Shape 147"/>
         <p:cNvGrpSpPr/>
         <p:nvPr/>
       </p:nvGrpSpPr>
@@ -1329,7 +1885,7 @@
       </p:grpSpPr>
       <p:sp>
         <p:nvSpPr>
-          <p:cNvPr id="147" name="Google Shape;147;gc6f9e470d_0_24:notes"/>
+          <p:cNvPr id="148" name="Google Shape;148;gc6f9e470d_0_24:notes"/>
           <p:cNvSpPr/>
           <p:nvPr>
             <p:ph idx="2" type="sldImg"/>
@@ -1364,7 +1920,7 @@
       </p:sp>
       <p:sp>
         <p:nvSpPr>
-          <p:cNvPr id="148" name="Google Shape;148;gc6f9e470d_0_24:notes"/>
+          <p:cNvPr id="149" name="Google Shape;149;gc6f9e470d_0_24:notes"/>
           <p:cNvSpPr txBox="1"/>
           <p:nvPr>
             <p:ph idx="1" type="body"/>
@@ -1392,10 +1948,99 @@
               <a:spcAft>
                 <a:spcPts val="0"/>
               </a:spcAft>
+              <a:buClr>
+                <a:schemeClr val="dk1"/>
+              </a:buClr>
+              <a:buSzPts val="1100"/>
+              <a:buFont typeface="Arial"/>
               <a:buNone/>
             </a:pPr>
             <a:r>
-              <a:t/>
+              <a:rPr lang="ru"/>
+              <a:t>Данные представляют собой логи активностей пользователей. </a:t>
+            </a:r>
+            <a:r>
+              <a:rPr lang="ru"/>
+              <a:t>В логах 6.27 млн событий за период 01.09–31.10, всего ~180 тысяч устройств. Устройств на Android ~62%, на iOS ~38%.</a:t>
+            </a:r>
+            <a:endParaRPr/>
+          </a:p>
+          <a:p>
+            <a:pPr indent="0" lvl="0" marL="0" rtl="0" algn="l">
+              <a:spcBef>
+                <a:spcPts val="0"/>
+              </a:spcBef>
+              <a:spcAft>
+                <a:spcPts val="0"/>
+              </a:spcAft>
+              <a:buClr>
+                <a:schemeClr val="dk1"/>
+              </a:buClr>
+              <a:buSzPts val="1100"/>
+              <a:buFont typeface="Arial"/>
+              <a:buNone/>
+            </a:pPr>
+            <a:r>
+              <a:rPr lang="ru"/>
+              <a:t>Стабильного user_id нет, поэтому пользователь = устройство. То есть не учтено что один пользователь мог использовать приложение с разных устройств.</a:t>
+            </a:r>
+            <a:endParaRPr/>
+          </a:p>
+          <a:p>
+            <a:pPr indent="0" lvl="0" marL="0" rtl="0" algn="l">
+              <a:spcBef>
+                <a:spcPts val="0"/>
+              </a:spcBef>
+              <a:spcAft>
+                <a:spcPts val="0"/>
+              </a:spcAft>
+              <a:buClr>
+                <a:schemeClr val="dk1"/>
+              </a:buClr>
+              <a:buSzPts val="1100"/>
+              <a:buFont typeface="Arial"/>
+              <a:buNone/>
+            </a:pPr>
+            <a:r>
+              <a:rPr lang="ru"/>
+              <a:t>В препроцессинге я распарсил время, добавили date/hour/weekday.</a:t>
+            </a:r>
+            <a:endParaRPr/>
+          </a:p>
+          <a:p>
+            <a:pPr indent="0" lvl="0" marL="0" rtl="0" algn="l">
+              <a:spcBef>
+                <a:spcPts val="0"/>
+              </a:spcBef>
+              <a:spcAft>
+                <a:spcPts val="0"/>
+              </a:spcAft>
+              <a:buClr>
+                <a:schemeClr val="dk1"/>
+              </a:buClr>
+              <a:buSzPts val="1100"/>
+              <a:buFont typeface="Arial"/>
+              <a:buNone/>
+            </a:pPr>
+            <a:r>
+              <a:rPr lang="ru"/>
+              <a:t>Собрали session_id как device_id + номер сессии, привели категориальные поля к category.</a:t>
+            </a:r>
+            <a:endParaRPr/>
+          </a:p>
+          <a:p>
+            <a:pPr indent="0" lvl="0" marL="0" rtl="0" algn="l">
+              <a:spcBef>
+                <a:spcPts val="0"/>
+              </a:spcBef>
+              <a:spcAft>
+                <a:spcPts val="0"/>
+              </a:spcAft>
+              <a:buNone/>
+            </a:pPr>
+            <a:r>
+              <a:rPr lang="ru"/>
+              <a:t>Отдельно важно: поле “Действие” заполнено примерно в половине событий — это не ошибка, а особенность логирования.</a:t>
             </a:r>
             <a:endParaRPr/>
           </a:p>
@@ -1414,7 +2059,7 @@
   <p:cSld>
     <p:spTree>
       <p:nvGrpSpPr>
-        <p:cNvPr id="153" name="Shape 153"/>
+        <p:cNvPr id="155" name="Shape 155"/>
         <p:cNvGrpSpPr/>
         <p:nvPr/>
       </p:nvGrpSpPr>
@@ -1428,7 +2073,7 @@
       </p:grpSpPr>
       <p:sp>
         <p:nvSpPr>
-          <p:cNvPr id="154" name="Google Shape;154;g3b1262cb19f_0_240:notes"/>
+          <p:cNvPr id="156" name="Google Shape;156;g3b1262cb19f_0_240:notes"/>
           <p:cNvSpPr/>
           <p:nvPr>
             <p:ph idx="2" type="sldImg"/>
@@ -1463,7 +2108,7 @@
       </p:sp>
       <p:sp>
         <p:nvSpPr>
-          <p:cNvPr id="155" name="Google Shape;155;g3b1262cb19f_0_240:notes"/>
+          <p:cNvPr id="157" name="Google Shape;157;g3b1262cb19f_0_240:notes"/>
           <p:cNvSpPr txBox="1"/>
           <p:nvPr>
             <p:ph idx="1" type="body"/>
@@ -1491,10 +2136,47 @@
               <a:spcAft>
                 <a:spcPts val="0"/>
               </a:spcAft>
+              <a:buClr>
+                <a:schemeClr val="dk1"/>
+              </a:buClr>
+              <a:buSzPts val="1100"/>
+              <a:buFont typeface="Arial"/>
               <a:buNone/>
             </a:pPr>
             <a:r>
-              <a:t/>
+              <a:rPr lang="ru"/>
+              <a:t>По динамике по дням видно волнообразные пики и спады. Это может быть связано с платежными циклами, сезонностью или внешними событиями.</a:t>
+            </a:r>
+            <a:endParaRPr/>
+          </a:p>
+          <a:p>
+            <a:pPr indent="0" lvl="0" marL="0" rtl="0" algn="l">
+              <a:spcBef>
+                <a:spcPts val="0"/>
+              </a:spcBef>
+              <a:spcAft>
+                <a:spcPts val="0"/>
+              </a:spcAft>
+              <a:buNone/>
+            </a:pPr>
+            <a:r>
+              <a:rPr lang="ru"/>
+              <a:t>По часам — пик в дневные/вечерние часы, ночью почти нет активности, </a:t>
+            </a:r>
+            <a:r>
+              <a:rPr lang="ru"/>
+              <a:t>удивительно</a:t>
+            </a:r>
+            <a:r>
+              <a:rPr lang="ru"/>
+              <a:t>, правда?)</a:t>
+            </a:r>
+            <a:br>
+              <a:rPr lang="ru"/>
+            </a:br>
+            <a:r>
+              <a:rPr lang="ru"/>
+              <a:t>Heatmap показывает различия будни/выходные: в выходные событий меньше. Это полезно для планирования коммуникаций и анализа аномалий</a:t>
             </a:r>
             <a:endParaRPr/>
           </a:p>
@@ -1513,7 +2195,7 @@
   <p:cSld>
     <p:spTree>
       <p:nvGrpSpPr>
-        <p:cNvPr id="162" name="Shape 162"/>
+        <p:cNvPr id="165" name="Shape 165"/>
         <p:cNvGrpSpPr/>
         <p:nvPr/>
       </p:nvGrpSpPr>
@@ -1527,7 +2209,7 @@
       </p:grpSpPr>
       <p:sp>
         <p:nvSpPr>
-          <p:cNvPr id="163" name="Google Shape;163;g3b1262cb19f_0_253:notes"/>
+          <p:cNvPr id="166" name="Google Shape;166;g3b2ea926ca8_0_1:notes"/>
           <p:cNvSpPr/>
           <p:nvPr>
             <p:ph idx="2" type="sldImg"/>
@@ -1562,7 +2244,7 @@
       </p:sp>
       <p:sp>
         <p:nvSpPr>
-          <p:cNvPr id="164" name="Google Shape;164;g3b1262cb19f_0_253:notes"/>
+          <p:cNvPr id="167" name="Google Shape;167;g3b2ea926ca8_0_1:notes"/>
           <p:cNvSpPr txBox="1"/>
           <p:nvPr>
             <p:ph idx="1" type="body"/>
@@ -1590,10 +2272,53 @@
               <a:spcAft>
                 <a:spcPts val="0"/>
               </a:spcAft>
+              <a:buClr>
+                <a:schemeClr val="dk1"/>
+              </a:buClr>
+              <a:buSzPts val="1100"/>
+              <a:buFont typeface="Arial"/>
               <a:buNone/>
             </a:pPr>
             <a:r>
-              <a:t/>
+              <a:rPr lang="ru"/>
+              <a:t>По экранам видно, что кнопка  “Ещё” — главный хаб навигации, откуда пользователи переходят в ключевые сценарии: “Новая заявка”, “Заявки”, “Мой дом” и т.д.</a:t>
+            </a:r>
+            <a:endParaRPr/>
+          </a:p>
+          <a:p>
+            <a:pPr indent="0" lvl="0" marL="0" rtl="0" algn="l">
+              <a:spcBef>
+                <a:spcPts val="0"/>
+              </a:spcBef>
+              <a:spcAft>
+                <a:spcPts val="0"/>
+              </a:spcAft>
+              <a:buClr>
+                <a:schemeClr val="dk1"/>
+              </a:buClr>
+              <a:buSzPts val="1100"/>
+              <a:buFont typeface="Arial"/>
+              <a:buNone/>
+            </a:pPr>
+            <a:r>
+              <a:rPr lang="ru"/>
+              <a:t>На пользовательском уровне распределении событий виден “длинный хвост”: много пользователей с очень небольшим числом действий и небольшой сегмент power users.</a:t>
+            </a:r>
+            <a:endParaRPr/>
+          </a:p>
+          <a:p>
+            <a:pPr indent="0" lvl="0" marL="0" rtl="0" algn="l">
+              <a:spcBef>
+                <a:spcPts val="0"/>
+              </a:spcBef>
+              <a:spcAft>
+                <a:spcPts val="0"/>
+              </a:spcAft>
+              <a:buNone/>
+            </a:pPr>
+            <a:r>
+              <a:rPr lang="ru"/>
+              <a:t>Это прямо мотивирует сегментацию: средние значения мало что объясняют, нужно делить пользователей на типы поведения</a:t>
             </a:r>
             <a:endParaRPr/>
           </a:p>
@@ -1612,7 +2337,7 @@
   <p:cSld>
     <p:spTree>
       <p:nvGrpSpPr>
-        <p:cNvPr id="171" name="Shape 171"/>
+        <p:cNvPr id="173" name="Shape 173"/>
         <p:cNvGrpSpPr/>
         <p:nvPr/>
       </p:nvGrpSpPr>
@@ -1626,7 +2351,7 @@
       </p:grpSpPr>
       <p:sp>
         <p:nvSpPr>
-          <p:cNvPr id="172" name="Google Shape;172;g3b1262cb19f_0_268:notes"/>
+          <p:cNvPr id="174" name="Google Shape;174;g3b1262cb19f_0_268:notes"/>
           <p:cNvSpPr/>
           <p:nvPr>
             <p:ph idx="2" type="sldImg"/>
@@ -1661,7 +2386,7 @@
       </p:sp>
       <p:sp>
         <p:nvSpPr>
-          <p:cNvPr id="173" name="Google Shape;173;g3b1262cb19f_0_268:notes"/>
+          <p:cNvPr id="175" name="Google Shape;175;g3b1262cb19f_0_268:notes"/>
           <p:cNvSpPr txBox="1"/>
           <p:nvPr>
             <p:ph idx="1" type="body"/>
@@ -1692,7 +2417,66 @@
               <a:buNone/>
             </a:pPr>
             <a:r>
-              <a:t/>
+              <a:rPr lang="ru"/>
+              <a:t>Долю churn  получил около 33% пользователей.</a:t>
+            </a:r>
+            <a:endParaRPr/>
+          </a:p>
+          <a:p>
+            <a:pPr indent="0" lvl="0" marL="0" rtl="0" algn="l">
+              <a:spcBef>
+                <a:spcPts val="0"/>
+              </a:spcBef>
+              <a:spcAft>
+                <a:spcPts val="0"/>
+              </a:spcAft>
+              <a:buClr>
+                <a:schemeClr val="dk1"/>
+              </a:buClr>
+              <a:buSzPts val="1100"/>
+              <a:buFont typeface="Arial"/>
+              <a:buNone/>
+            </a:pPr>
+            <a:r>
+              <a:rPr lang="ru"/>
+              <a:t>Сравнение распределений показывает: у ушедших в среднем меньше событий, меньше сессий и меньше активных дней.</a:t>
+            </a:r>
+            <a:endParaRPr/>
+          </a:p>
+          <a:p>
+            <a:pPr indent="0" lvl="0" marL="0" rtl="0" algn="l">
+              <a:spcBef>
+                <a:spcPts val="0"/>
+              </a:spcBef>
+              <a:spcAft>
+                <a:spcPts val="0"/>
+              </a:spcAft>
+              <a:buClr>
+                <a:schemeClr val="dk1"/>
+              </a:buClr>
+              <a:buSzPts val="1100"/>
+              <a:buFont typeface="Arial"/>
+              <a:buNone/>
+            </a:pPr>
+            <a:r>
+              <a:rPr lang="ru"/>
+              <a:t>Также есть различия по ОС: например, у iOS доля churn выше, при этом последний активный экран у активных пользователей различается, а у ушедших нет.</a:t>
+            </a:r>
+            <a:endParaRPr/>
+          </a:p>
+          <a:p>
+            <a:pPr indent="0" lvl="0" marL="0" rtl="0" algn="l">
+              <a:spcBef>
+                <a:spcPts val="0"/>
+              </a:spcBef>
+              <a:spcAft>
+                <a:spcPts val="0"/>
+              </a:spcAft>
+              <a:buNone/>
+            </a:pPr>
+            <a:r>
+              <a:rPr lang="ru"/>
+              <a:t>Эти наблюдения легли в основу признаков для модели.</a:t>
             </a:r>
             <a:endParaRPr/>
           </a:p>
@@ -1711,7 +2495,7 @@
   <p:cSld>
     <p:spTree>
       <p:nvGrpSpPr>
-        <p:cNvPr id="182" name="Shape 182"/>
+        <p:cNvPr id="186" name="Shape 186"/>
         <p:cNvGrpSpPr/>
         <p:nvPr/>
       </p:nvGrpSpPr>
@@ -1725,7 +2509,7 @@
       </p:grpSpPr>
       <p:sp>
         <p:nvSpPr>
-          <p:cNvPr id="183" name="Google Shape;183;g3b1262cb19f_0_282:notes"/>
+          <p:cNvPr id="187" name="Google Shape;187;g3b1262cb19f_0_282:notes"/>
           <p:cNvSpPr/>
           <p:nvPr>
             <p:ph idx="2" type="sldImg"/>
@@ -1760,7 +2544,7 @@
       </p:sp>
       <p:sp>
         <p:nvSpPr>
-          <p:cNvPr id="184" name="Google Shape;184;g3b1262cb19f_0_282:notes"/>
+          <p:cNvPr id="188" name="Google Shape;188;g3b1262cb19f_0_282:notes"/>
           <p:cNvSpPr txBox="1"/>
           <p:nvPr>
             <p:ph idx="1" type="body"/>
@@ -1788,10 +2572,57 @@
               <a:spcAft>
                 <a:spcPts val="0"/>
               </a:spcAft>
+              <a:buClr>
+                <a:schemeClr val="dk1"/>
+              </a:buClr>
+              <a:buSzPts val="1100"/>
+              <a:buFont typeface="Arial"/>
               <a:buNone/>
             </a:pPr>
             <a:r>
-              <a:t/>
+              <a:rPr lang="ru"/>
+              <a:t>Так же я </a:t>
+            </a:r>
+            <a:r>
+              <a:rPr lang="ru"/>
+              <a:t> посмотрел переходы экран→экран внутри сессии. В топе заметно, что “Ещё” выступает центром маршрутов.</a:t>
+            </a:r>
+            <a:endParaRPr/>
+          </a:p>
+          <a:p>
+            <a:pPr indent="0" lvl="0" marL="0" rtl="0" algn="l">
+              <a:spcBef>
+                <a:spcPts val="0"/>
+              </a:spcBef>
+              <a:spcAft>
+                <a:spcPts val="0"/>
+              </a:spcAft>
+              <a:buClr>
+                <a:schemeClr val="dk1"/>
+              </a:buClr>
+              <a:buSzPts val="1100"/>
+              <a:buFont typeface="Arial"/>
+              <a:buNone/>
+            </a:pPr>
+            <a:r>
+              <a:rPr lang="ru"/>
+              <a:t>Есть повторяющиеся переходы типа “Ещё → Ещё” — это навигационный хаб, из‑за чего он доминирует в логах.</a:t>
+            </a:r>
+            <a:endParaRPr/>
+          </a:p>
+          <a:p>
+            <a:pPr indent="0" lvl="0" marL="0" rtl="0" algn="l">
+              <a:spcBef>
+                <a:spcPts val="0"/>
+              </a:spcBef>
+              <a:spcAft>
+                <a:spcPts val="0"/>
+              </a:spcAft>
+              <a:buNone/>
+            </a:pPr>
+            <a:r>
+              <a:rPr lang="ru"/>
+              <a:t>Для UX-гипотезы важно: пользователи с высоким оттоком чуть чаще имеют “назад/возвраты” — это может быть индикатором фрикции и сложности найти нужное действие.</a:t>
             </a:r>
             <a:endParaRPr/>
           </a:p>
@@ -1810,7 +2641,7 @@
   <p:cSld>
     <p:spTree>
       <p:nvGrpSpPr>
-        <p:cNvPr id="189" name="Shape 189"/>
+        <p:cNvPr id="195" name="Shape 195"/>
         <p:cNvGrpSpPr/>
         <p:nvPr/>
       </p:nvGrpSpPr>
@@ -1824,7 +2655,7 @@
       </p:grpSpPr>
       <p:sp>
         <p:nvSpPr>
-          <p:cNvPr id="190" name="Google Shape;190;g3b1262cb19f_0_295:notes"/>
+          <p:cNvPr id="196" name="Google Shape;196;g3b1262cb19f_0_295:notes"/>
           <p:cNvSpPr/>
           <p:nvPr>
             <p:ph idx="2" type="sldImg"/>
@@ -1859,7 +2690,7 @@
       </p:sp>
       <p:sp>
         <p:nvSpPr>
-          <p:cNvPr id="191" name="Google Shape;191;g3b1262cb19f_0_295:notes"/>
+          <p:cNvPr id="197" name="Google Shape;197;g3b1262cb19f_0_295:notes"/>
           <p:cNvSpPr txBox="1"/>
           <p:nvPr>
             <p:ph idx="1" type="body"/>
@@ -1887,10 +2718,57 @@
               <a:spcAft>
                 <a:spcPts val="0"/>
               </a:spcAft>
+              <a:buClr>
+                <a:schemeClr val="dk1"/>
+              </a:buClr>
+              <a:buSzPts val="1100"/>
+              <a:buFont typeface="Arial"/>
               <a:buNone/>
             </a:pPr>
             <a:r>
-              <a:t/>
+              <a:rPr lang="ru"/>
+              <a:t>ЗАтем я</a:t>
+            </a:r>
+            <a:r>
+              <a:rPr lang="ru"/>
+              <a:t> кластеризовал пользователей по поведенческим агрегатам: активность, интенсивность, разнообразие (экраны/функционалы) и доли использования ключевых экранов.</a:t>
+            </a:r>
+            <a:endParaRPr/>
+          </a:p>
+          <a:p>
+            <a:pPr indent="0" lvl="0" marL="0" rtl="0" algn="l">
+              <a:spcBef>
+                <a:spcPts val="0"/>
+              </a:spcBef>
+              <a:spcAft>
+                <a:spcPts val="0"/>
+              </a:spcAft>
+              <a:buClr>
+                <a:schemeClr val="dk1"/>
+              </a:buClr>
+              <a:buSzPts val="1100"/>
+              <a:buFont typeface="Arial"/>
+              <a:buNone/>
+            </a:pPr>
+            <a:r>
+              <a:rPr lang="ru"/>
+              <a:t>Провел предобработку дыннх, использовал два разных метода KMeans и DBSCAN</a:t>
+            </a:r>
+            <a:endParaRPr/>
+          </a:p>
+          <a:p>
+            <a:pPr indent="0" lvl="0" marL="0" rtl="0" algn="l">
+              <a:spcBef>
+                <a:spcPts val="0"/>
+              </a:spcBef>
+              <a:spcAft>
+                <a:spcPts val="0"/>
+              </a:spcAft>
+              <a:buNone/>
+            </a:pPr>
+            <a:r>
+              <a:rPr lang="ru"/>
+              <a:t>Дальше анализируем профили и отток по кластерам</a:t>
             </a:r>
             <a:endParaRPr/>
           </a:p>
@@ -1909,7 +2787,7 @@
   <p:cSld>
     <p:spTree>
       <p:nvGrpSpPr>
-        <p:cNvPr id="199" name="Shape 199"/>
+        <p:cNvPr id="206" name="Shape 206"/>
         <p:cNvGrpSpPr/>
         <p:nvPr/>
       </p:nvGrpSpPr>
@@ -1923,7 +2801,7 @@
       </p:grpSpPr>
       <p:sp>
         <p:nvSpPr>
-          <p:cNvPr id="200" name="Google Shape;200;g3b1262cb19f_0_309:notes"/>
+          <p:cNvPr id="207" name="Google Shape;207;g3b1262cb19f_0_309:notes"/>
           <p:cNvSpPr/>
           <p:nvPr>
             <p:ph idx="2" type="sldImg"/>
@@ -1958,7 +2836,7 @@
       </p:sp>
       <p:sp>
         <p:nvSpPr>
-          <p:cNvPr id="201" name="Google Shape;201;g3b1262cb19f_0_309:notes"/>
+          <p:cNvPr id="208" name="Google Shape;208;g3b1262cb19f_0_309:notes"/>
           <p:cNvSpPr txBox="1"/>
           <p:nvPr>
             <p:ph idx="1" type="body"/>
@@ -1980,8 +2858,355 @@
           <a:lstStyle/>
           <a:p>
             <a:pPr indent="0" lvl="0" marL="0" rtl="0" algn="l">
-              <a:spcBef>
-                <a:spcPts val="0"/>
+              <a:lnSpc>
+                <a:spcPct val="115000"/>
+              </a:lnSpc>
+              <a:spcBef>
+                <a:spcPts val="1200"/>
+              </a:spcBef>
+              <a:spcAft>
+                <a:spcPts val="0"/>
+              </a:spcAft>
+              <a:buClr>
+                <a:schemeClr val="dk1"/>
+              </a:buClr>
+              <a:buSzPts val="1100"/>
+              <a:buFont typeface="Arial"/>
+              <a:buNone/>
+            </a:pPr>
+            <a:r>
+              <a:rPr lang="ru">
+                <a:solidFill>
+                  <a:schemeClr val="dk1"/>
+                </a:solidFill>
+              </a:rPr>
+              <a:t>Здесь я показал профили кластеров и их связь с оттоком.</a:t>
+            </a:r>
+            <a:br>
+              <a:rPr lang="ru">
+                <a:solidFill>
+                  <a:schemeClr val="dk1"/>
+                </a:solidFill>
+              </a:rPr>
+            </a:br>
+            <a:r>
+              <a:rPr lang="ru">
+                <a:solidFill>
+                  <a:schemeClr val="dk1"/>
+                </a:solidFill>
+              </a:rPr>
+              <a:t> Слева — средние значения ключевых метрик по кластерам: интенсивность событий, количество сессий, активные дни, разнообразие экранов и функционалов.</a:t>
+            </a:r>
+            <a:br>
+              <a:rPr lang="ru">
+                <a:solidFill>
+                  <a:schemeClr val="dk1"/>
+                </a:solidFill>
+              </a:rPr>
+            </a:br>
+            <a:r>
+              <a:rPr lang="ru">
+                <a:solidFill>
+                  <a:schemeClr val="dk1"/>
+                </a:solidFill>
+              </a:rPr>
+              <a:t> Справа — </a:t>
+            </a:r>
+            <a:r>
+              <a:rPr b="1" lang="ru">
+                <a:solidFill>
+                  <a:schemeClr val="dk1"/>
+                </a:solidFill>
+              </a:rPr>
+              <a:t>размер каждого кластера</a:t>
+            </a:r>
+            <a:r>
+              <a:rPr lang="ru">
+                <a:solidFill>
+                  <a:schemeClr val="dk1"/>
+                </a:solidFill>
+              </a:rPr>
+              <a:t> и </a:t>
+            </a:r>
+            <a:r>
+              <a:rPr b="1" lang="ru">
+                <a:solidFill>
+                  <a:schemeClr val="dk1"/>
+                </a:solidFill>
+              </a:rPr>
+              <a:t>доля оттока</a:t>
+            </a:r>
+            <a:r>
+              <a:rPr lang="ru">
+                <a:solidFill>
+                  <a:schemeClr val="dk1"/>
+                </a:solidFill>
+              </a:rPr>
+              <a:t> внутри него.</a:t>
+            </a:r>
+            <a:endParaRPr>
+              <a:solidFill>
+                <a:schemeClr val="dk1"/>
+              </a:solidFill>
+            </a:endParaRPr>
+          </a:p>
+          <a:p>
+            <a:pPr indent="0" lvl="0" marL="0" rtl="0" algn="l">
+              <a:lnSpc>
+                <a:spcPct val="115000"/>
+              </a:lnSpc>
+              <a:spcBef>
+                <a:spcPts val="1200"/>
+              </a:spcBef>
+              <a:spcAft>
+                <a:spcPts val="0"/>
+              </a:spcAft>
+              <a:buClr>
+                <a:schemeClr val="dk1"/>
+              </a:buClr>
+              <a:buSzPts val="1100"/>
+              <a:buFont typeface="Arial"/>
+              <a:buNone/>
+            </a:pPr>
+            <a:r>
+              <a:rPr lang="ru">
+                <a:solidFill>
+                  <a:schemeClr val="dk1"/>
+                </a:solidFill>
+              </a:rPr>
+              <a:t>Мы видим выраженную неоднородность:</a:t>
+            </a:r>
+            <a:endParaRPr>
+              <a:solidFill>
+                <a:schemeClr val="dk1"/>
+              </a:solidFill>
+            </a:endParaRPr>
+          </a:p>
+          <a:p>
+            <a:pPr indent="-298450" lvl="0" marL="457200" rtl="0" algn="l">
+              <a:lnSpc>
+                <a:spcPct val="115000"/>
+              </a:lnSpc>
+              <a:spcBef>
+                <a:spcPts val="1200"/>
+              </a:spcBef>
+              <a:spcAft>
+                <a:spcPts val="0"/>
+              </a:spcAft>
+              <a:buClr>
+                <a:schemeClr val="dk1"/>
+              </a:buClr>
+              <a:buSzPts val="1100"/>
+              <a:buChar char="●"/>
+            </a:pPr>
+            <a:r>
+              <a:rPr lang="ru">
+                <a:solidFill>
+                  <a:schemeClr val="dk1"/>
+                </a:solidFill>
+              </a:rPr>
+              <a:t>кластеры </a:t>
+            </a:r>
+            <a:r>
+              <a:rPr b="1" lang="ru">
+                <a:solidFill>
+                  <a:schemeClr val="dk1"/>
+                </a:solidFill>
+              </a:rPr>
+              <a:t>0/3/6</a:t>
+            </a:r>
+            <a:r>
+              <a:rPr lang="ru">
+                <a:solidFill>
+                  <a:schemeClr val="dk1"/>
+                </a:solidFill>
+              </a:rPr>
+              <a:t> — это сегменты с высоким churn около </a:t>
+            </a:r>
+            <a:r>
+              <a:rPr b="1" lang="ru">
+                <a:solidFill>
+                  <a:schemeClr val="dk1"/>
+                </a:solidFill>
+              </a:rPr>
+              <a:t>58–60%</a:t>
+            </a:r>
+            <a:r>
+              <a:rPr lang="ru">
+                <a:solidFill>
+                  <a:schemeClr val="dk1"/>
+                </a:solidFill>
+              </a:rPr>
+              <a:t>, похожие на “одноразовые или краткосрочные сценарии” (мало стабильной активности);</a:t>
+            </a:r>
+            <a:endParaRPr>
+              <a:solidFill>
+                <a:schemeClr val="dk1"/>
+              </a:solidFill>
+            </a:endParaRPr>
+          </a:p>
+          <a:p>
+            <a:pPr indent="-298450" lvl="0" marL="457200" rtl="0" algn="l">
+              <a:lnSpc>
+                <a:spcPct val="115000"/>
+              </a:lnSpc>
+              <a:spcBef>
+                <a:spcPts val="0"/>
+              </a:spcBef>
+              <a:spcAft>
+                <a:spcPts val="0"/>
+              </a:spcAft>
+              <a:buClr>
+                <a:schemeClr val="dk1"/>
+              </a:buClr>
+              <a:buSzPts val="1100"/>
+              <a:buChar char="●"/>
+            </a:pPr>
+            <a:r>
+              <a:rPr lang="ru">
+                <a:solidFill>
+                  <a:schemeClr val="dk1"/>
+                </a:solidFill>
+              </a:rPr>
+              <a:t>кластер </a:t>
+            </a:r>
+            <a:r>
+              <a:rPr b="1" lang="ru">
+                <a:solidFill>
+                  <a:schemeClr val="dk1"/>
+                </a:solidFill>
+              </a:rPr>
+              <a:t>2</a:t>
+            </a:r>
+            <a:r>
+              <a:rPr lang="ru">
+                <a:solidFill>
+                  <a:schemeClr val="dk1"/>
+                </a:solidFill>
+              </a:rPr>
+              <a:t> — “power users/ядро”: самый низкий churn около </a:t>
+            </a:r>
+            <a:r>
+              <a:rPr b="1" lang="ru">
+                <a:solidFill>
+                  <a:schemeClr val="dk1"/>
+                </a:solidFill>
+              </a:rPr>
+              <a:t>21%</a:t>
+            </a:r>
+            <a:r>
+              <a:rPr lang="ru">
+                <a:solidFill>
+                  <a:schemeClr val="dk1"/>
+                </a:solidFill>
+              </a:rPr>
+              <a:t>, высокая интенсивность и широкий функционал;</a:t>
+            </a:r>
+            <a:endParaRPr>
+              <a:solidFill>
+                <a:schemeClr val="dk1"/>
+              </a:solidFill>
+            </a:endParaRPr>
+          </a:p>
+          <a:p>
+            <a:pPr indent="-298450" lvl="0" marL="457200" rtl="0" algn="l">
+              <a:lnSpc>
+                <a:spcPct val="115000"/>
+              </a:lnSpc>
+              <a:spcBef>
+                <a:spcPts val="0"/>
+              </a:spcBef>
+              <a:spcAft>
+                <a:spcPts val="0"/>
+              </a:spcAft>
+              <a:buClr>
+                <a:schemeClr val="dk1"/>
+              </a:buClr>
+              <a:buSzPts val="1100"/>
+              <a:buChar char="●"/>
+            </a:pPr>
+            <a:r>
+              <a:rPr lang="ru">
+                <a:solidFill>
+                  <a:schemeClr val="dk1"/>
+                </a:solidFill>
+              </a:rPr>
+              <a:t>кластер </a:t>
+            </a:r>
+            <a:r>
+              <a:rPr b="1" lang="ru">
+                <a:solidFill>
+                  <a:schemeClr val="dk1"/>
+                </a:solidFill>
+              </a:rPr>
+              <a:t>4</a:t>
+            </a:r>
+            <a:r>
+              <a:rPr lang="ru">
+                <a:solidFill>
+                  <a:schemeClr val="dk1"/>
+                </a:solidFill>
+              </a:rPr>
+              <a:t> — “рутинные”: средний churn около </a:t>
+            </a:r>
+            <a:r>
+              <a:rPr b="1" lang="ru">
+                <a:solidFill>
+                  <a:schemeClr val="dk1"/>
+                </a:solidFill>
+              </a:rPr>
+              <a:t>31%</a:t>
+            </a:r>
+            <a:r>
+              <a:rPr lang="ru">
+                <a:solidFill>
+                  <a:schemeClr val="dk1"/>
+                </a:solidFill>
+              </a:rPr>
+              <a:t>, регулярная активность, но ограниченный набор сценариев.</a:t>
+            </a:r>
+            <a:endParaRPr>
+              <a:solidFill>
+                <a:schemeClr val="dk1"/>
+              </a:solidFill>
+            </a:endParaRPr>
+          </a:p>
+          <a:p>
+            <a:pPr indent="0" lvl="0" marL="0" rtl="0" algn="l">
+              <a:lnSpc>
+                <a:spcPct val="115000"/>
+              </a:lnSpc>
+              <a:spcBef>
+                <a:spcPts val="1200"/>
+              </a:spcBef>
+              <a:spcAft>
+                <a:spcPts val="0"/>
+              </a:spcAft>
+              <a:buClr>
+                <a:schemeClr val="dk1"/>
+              </a:buClr>
+              <a:buSzPts val="1100"/>
+              <a:buFont typeface="Arial"/>
+              <a:buNone/>
+            </a:pPr>
+            <a:r>
+              <a:rPr lang="ru">
+                <a:solidFill>
+                  <a:schemeClr val="dk1"/>
+                </a:solidFill>
+              </a:rPr>
+              <a:t>Ключевой вывод: churn сильно зависит от типа поведения, поэтому удержание нужно строить сегментно — на следующих слайдах покажу рекомендации.</a:t>
+            </a:r>
+            <a:endParaRPr>
+              <a:solidFill>
+                <a:schemeClr val="dk1"/>
+              </a:solidFill>
+            </a:endParaRPr>
+          </a:p>
+          <a:p>
+            <a:pPr indent="0" lvl="0" marL="0" rtl="0" algn="l">
+              <a:spcBef>
+                <a:spcPts val="1200"/>
               </a:spcBef>
               <a:spcAft>
                 <a:spcPts val="0"/>
@@ -9493,7 +10718,7 @@
     <p:sldLayoutId id="2147483657" r:id="rId10"/>
     <p:sldLayoutId id="2147483658" r:id="rId11"/>
   </p:sldLayoutIdLst>
-  <p:hf dt="0" ftr="0" hdr="0" sldNum="0"/>
+  <p:hf dt="0" ftr="0" hdr="0"/>
   <p:txStyles>
     <p:titleStyle>
       <a:defPPr lvl="0" marR="0" rtl="0" algn="l">
@@ -10254,8 +11479,8 @@
         </p:nvSpPr>
         <p:spPr>
           <a:xfrm>
-            <a:off x="5083950" y="3924925"/>
-            <a:ext cx="3470700" cy="1188300"/>
+            <a:off x="4872225" y="4180025"/>
+            <a:ext cx="4206900" cy="926400"/>
           </a:xfrm>
           <a:prstGeom prst="rect">
             <a:avLst/>
@@ -10294,7 +11519,11 @@
             </a:pPr>
             <a:r>
               <a:rPr lang="ru"/>
-              <a:t>Феде Василий Васильевич - капитан</a:t>
+              <a:t>Феде Василий Васильевич - </a:t>
+            </a:r>
+            <a:r>
+              <a:rPr lang="ru"/>
+              <a:t>аналитика/ML/EDA, капитан</a:t>
             </a:r>
             <a:endParaRPr/>
           </a:p>
@@ -10324,29 +11553,7 @@
               <a:buNone/>
             </a:pPr>
             <a:r>
-              <a:rPr lang="ru" sz="900">
-                <a:solidFill>
-                  <a:srgbClr val="FFFFFF"/>
-                </a:solidFill>
-                <a:highlight>
-                  <a:srgbClr val="222224"/>
-                </a:highlight>
-                <a:uFill>
-                  <a:noFill/>
-                </a:uFill>
-                <a:latin typeface="Arial"/>
-                <a:ea typeface="Arial"/>
-                <a:cs typeface="Arial"/>
-                <a:sym typeface="Arial"/>
-                <a:hlinkClick r:id="rId3">
-                  <a:extLst>
-                    <a:ext uri="{A12FA001-AC4F-418D-AE19-62706E023703}">
-                      <ahyp:hlinkClr val="tx"/>
-                    </a:ext>
-                  </a:extLst>
-                </a:hlinkClick>
-              </a:rPr>
-              <a:t>И швец, и жнец, и на дуде игрец</a:t>
+              <a:t/>
             </a:r>
             <a:endParaRPr sz="400"/>
           </a:p>
@@ -10365,7 +11572,7 @@
   <p:cSld>
     <p:spTree>
       <p:nvGrpSpPr>
-        <p:cNvPr id="210" name="Shape 210"/>
+        <p:cNvPr id="219" name="Shape 219"/>
         <p:cNvGrpSpPr/>
         <p:nvPr/>
       </p:nvGrpSpPr>
@@ -10379,7 +11586,7 @@
       </p:grpSpPr>
       <p:sp>
         <p:nvSpPr>
-          <p:cNvPr id="211" name="Google Shape;211;p22"/>
+          <p:cNvPr id="220" name="Google Shape;220;p22"/>
           <p:cNvSpPr txBox="1"/>
           <p:nvPr>
             <p:ph type="title"/>
@@ -10419,7 +11626,7 @@
       </p:sp>
       <p:sp>
         <p:nvSpPr>
-          <p:cNvPr id="212" name="Google Shape;212;p22"/>
+          <p:cNvPr id="221" name="Google Shape;221;p22"/>
           <p:cNvSpPr txBox="1"/>
           <p:nvPr/>
         </p:nvSpPr>
@@ -10609,7 +11816,7 @@
       </p:sp>
       <p:pic>
         <p:nvPicPr>
-          <p:cNvPr id="213" name="Google Shape;213;p22"/>
+          <p:cNvPr id="222" name="Google Shape;222;p22"/>
           <p:cNvPicPr preferRelativeResize="0"/>
           <p:nvPr/>
         </p:nvPicPr>
@@ -10635,6 +11842,46 @@
           </a:ln>
         </p:spPr>
       </p:pic>
+      <p:sp>
+        <p:nvSpPr>
+          <p:cNvPr id="223" name="Google Shape;223;p22"/>
+          <p:cNvSpPr txBox="1"/>
+          <p:nvPr>
+            <p:ph idx="12" type="sldNum"/>
+          </p:nvPr>
+        </p:nvSpPr>
+        <p:spPr>
+          <a:xfrm>
+            <a:off x="8472458" y="4663217"/>
+            <a:ext cx="548700" cy="393600"/>
+          </a:xfrm>
+          <a:prstGeom prst="rect">
+            <a:avLst/>
+          </a:prstGeom>
+        </p:spPr>
+        <p:txBody>
+          <a:bodyPr anchorCtr="0" anchor="ctr" bIns="91425" lIns="91425" spcFirstLastPara="1" rIns="91425" wrap="square" tIns="91425">
+            <a:normAutofit/>
+          </a:bodyPr>
+          <a:lstStyle/>
+          <a:p>
+            <a:pPr indent="0" lvl="0" marL="0" rtl="0" algn="r">
+              <a:spcBef>
+                <a:spcPts val="0"/>
+              </a:spcBef>
+              <a:spcAft>
+                <a:spcPts val="0"/>
+              </a:spcAft>
+              <a:buNone/>
+            </a:pPr>
+            <a:fld id="{00000000-1234-1234-1234-123412341234}" type="slidenum">
+              <a:rPr lang="ru"/>
+              <a:t>‹#›</a:t>
+            </a:fld>
+            <a:endParaRPr/>
+          </a:p>
+        </p:txBody>
+      </p:sp>
     </p:spTree>
   </p:cSld>
   <p:clrMapOvr>
@@ -10648,7 +11895,7 @@
   <p:cSld>
     <p:spTree>
       <p:nvGrpSpPr>
-        <p:cNvPr id="217" name="Shape 217"/>
+        <p:cNvPr id="227" name="Shape 227"/>
         <p:cNvGrpSpPr/>
         <p:nvPr/>
       </p:nvGrpSpPr>
@@ -10662,7 +11909,7 @@
       </p:grpSpPr>
       <p:sp>
         <p:nvSpPr>
-          <p:cNvPr id="218" name="Google Shape;218;p23"/>
+          <p:cNvPr id="228" name="Google Shape;228;p23"/>
           <p:cNvSpPr txBox="1"/>
           <p:nvPr>
             <p:ph type="title"/>
@@ -10702,12 +11949,12 @@
       </p:sp>
       <p:graphicFrame>
         <p:nvGraphicFramePr>
-          <p:cNvPr id="219" name="Google Shape;219;p23"/>
+          <p:cNvPr id="229" name="Google Shape;229;p23"/>
           <p:cNvGraphicFramePr/>
           <p:nvPr/>
         </p:nvGraphicFramePr>
         <p:xfrm>
-          <a:off x="33325" y="1028750"/>
+          <a:off x="33338" y="1464650"/>
           <a:ext cx="3000000" cy="3000000"/>
         </p:xfrm>
         <a:graphic>
@@ -10715,16 +11962,16 @@
             <a:tbl>
               <a:tblPr>
                 <a:noFill/>
-                <a:tableStyleId>{19EE41FD-720F-436E-9831-AB71BA6AF535}</a:tableStyleId>
+                <a:tableStyleId>{2B831B5D-39E3-4911-B885-35A50F9407B5}</a:tableStyleId>
               </a:tblPr>
               <a:tblGrid>
-                <a:gridCol w="1230825"/>
-                <a:gridCol w="1526050"/>
-                <a:gridCol w="3101000"/>
-                <a:gridCol w="1600200"/>
-                <a:gridCol w="1619250"/>
+                <a:gridCol w="1177625"/>
+                <a:gridCol w="1460100"/>
+                <a:gridCol w="2966975"/>
+                <a:gridCol w="1531050"/>
+                <a:gridCol w="1549275"/>
               </a:tblGrid>
-              <a:tr h="200025">
+              <a:tr h="633375">
                 <a:tc>
                   <a:txBody>
                     <a:bodyPr/>
@@ -11121,7 +12368,7 @@
                   </a:tcPr>
                 </a:tc>
               </a:tr>
-              <a:tr h="1095375">
+              <a:tr h="1319600">
                 <a:tc>
                   <a:txBody>
                     <a:bodyPr/>
@@ -11539,7 +12786,7 @@
                   </a:tcPr>
                 </a:tc>
               </a:tr>
-              <a:tr h="914400">
+              <a:tr h="1101575">
                 <a:tc>
                   <a:txBody>
                     <a:bodyPr/>
@@ -11957,798 +13204,50 @@
                   </a:tcPr>
                 </a:tc>
               </a:tr>
-              <a:tr h="742950">
-                <a:tc>
-                  <a:txBody>
-                    <a:bodyPr/>
-                    <a:lstStyle/>
-                    <a:p>
-                      <a:pPr indent="0" lvl="0" marL="0" rtl="0" algn="l">
-                        <a:spcBef>
-                          <a:spcPts val="0"/>
-                        </a:spcBef>
-                        <a:spcAft>
-                          <a:spcPts val="0"/>
-                        </a:spcAft>
-                        <a:buNone/>
-                      </a:pPr>
-                      <a:r>
-                        <a:rPr b="1" lang="ru" sz="1000">
-                          <a:solidFill>
-                            <a:schemeClr val="lt1"/>
-                          </a:solidFill>
-                          <a:latin typeface="Lato"/>
-                          <a:ea typeface="Lato"/>
-                          <a:cs typeface="Lato"/>
-                          <a:sym typeface="Lato"/>
-                        </a:rPr>
-                        <a:t>Кластер 4</a:t>
-                      </a:r>
-                      <a:r>
-                        <a:rPr lang="ru" sz="1000">
-                          <a:solidFill>
-                            <a:schemeClr val="lt1"/>
-                          </a:solidFill>
-                          <a:latin typeface="Lato"/>
-                          <a:ea typeface="Lato"/>
-                          <a:cs typeface="Lato"/>
-                          <a:sym typeface="Lato"/>
-                        </a:rPr>
-                        <a:t> (“рутинные”)</a:t>
-                      </a:r>
-                      <a:endParaRPr sz="1000">
-                        <a:solidFill>
-                          <a:schemeClr val="lt1"/>
-                        </a:solidFill>
-                        <a:latin typeface="Lato"/>
-                        <a:ea typeface="Lato"/>
-                        <a:cs typeface="Lato"/>
-                        <a:sym typeface="Lato"/>
-                      </a:endParaRPr>
-                    </a:p>
-                  </a:txBody>
-                  <a:tcPr marT="91425" marB="91425" marR="91425" marL="91425">
-                    <a:lnL cap="flat" cmpd="sng" w="9525">
-                      <a:solidFill>
-                        <a:schemeClr val="lt1"/>
-                      </a:solidFill>
-                      <a:prstDash val="solid"/>
-                      <a:round/>
-                      <a:headEnd len="sm" w="sm" type="none"/>
-                      <a:tailEnd len="sm" w="sm" type="none"/>
-                    </a:lnL>
-                    <a:lnR cap="flat" cmpd="sng" w="9525">
-                      <a:solidFill>
-                        <a:schemeClr val="lt1"/>
-                      </a:solidFill>
-                      <a:prstDash val="solid"/>
-                      <a:round/>
-                      <a:headEnd len="sm" w="sm" type="none"/>
-                      <a:tailEnd len="sm" w="sm" type="none"/>
-                    </a:lnR>
-                    <a:lnT cap="flat" cmpd="sng" w="9525">
-                      <a:solidFill>
-                        <a:schemeClr val="lt1"/>
-                      </a:solidFill>
-                      <a:prstDash val="solid"/>
-                      <a:round/>
-                      <a:headEnd len="sm" w="sm" type="none"/>
-                      <a:tailEnd len="sm" w="sm" type="none"/>
-                    </a:lnT>
-                    <a:lnB cap="flat" cmpd="sng" w="9525">
-                      <a:solidFill>
-                        <a:schemeClr val="lt1"/>
-                      </a:solidFill>
-                      <a:prstDash val="solid"/>
-                      <a:round/>
-                      <a:headEnd len="sm" w="sm" type="none"/>
-                      <a:tailEnd len="sm" w="sm" type="none"/>
-                    </a:lnB>
-                  </a:tcPr>
-                </a:tc>
-                <a:tc>
-                  <a:txBody>
-                    <a:bodyPr/>
-                    <a:lstStyle/>
-                    <a:p>
-                      <a:pPr indent="0" lvl="0" marL="0" rtl="0" algn="l">
-                        <a:spcBef>
-                          <a:spcPts val="0"/>
-                        </a:spcBef>
-                        <a:spcAft>
-                          <a:spcPts val="0"/>
-                        </a:spcAft>
-                        <a:buNone/>
-                      </a:pPr>
-                      <a:r>
-                        <a:rPr lang="ru" sz="1000">
-                          <a:solidFill>
-                            <a:schemeClr val="lt1"/>
-                          </a:solidFill>
-                          <a:latin typeface="Lato"/>
-                          <a:ea typeface="Lato"/>
-                          <a:cs typeface="Lato"/>
-                          <a:sym typeface="Lato"/>
-                        </a:rPr>
-                        <a:t>Долго живут, регулярно заходят, но используют узкий набор функций</a:t>
-                      </a:r>
-                      <a:endParaRPr sz="1000">
-                        <a:solidFill>
-                          <a:schemeClr val="lt1"/>
-                        </a:solidFill>
-                        <a:latin typeface="Lato"/>
-                        <a:ea typeface="Lato"/>
-                        <a:cs typeface="Lato"/>
-                        <a:sym typeface="Lato"/>
-                      </a:endParaRPr>
-                    </a:p>
-                  </a:txBody>
-                  <a:tcPr marT="91425" marB="91425" marR="91425" marL="91425">
-                    <a:lnL cap="flat" cmpd="sng" w="9525">
-                      <a:solidFill>
-                        <a:schemeClr val="lt1"/>
-                      </a:solidFill>
-                      <a:prstDash val="solid"/>
-                      <a:round/>
-                      <a:headEnd len="sm" w="sm" type="none"/>
-                      <a:tailEnd len="sm" w="sm" type="none"/>
-                    </a:lnL>
-                    <a:lnR cap="flat" cmpd="sng" w="9525">
-                      <a:solidFill>
-                        <a:schemeClr val="lt1"/>
-                      </a:solidFill>
-                      <a:prstDash val="solid"/>
-                      <a:round/>
-                      <a:headEnd len="sm" w="sm" type="none"/>
-                      <a:tailEnd len="sm" w="sm" type="none"/>
-                    </a:lnR>
-                    <a:lnT cap="flat" cmpd="sng" w="9525">
-                      <a:solidFill>
-                        <a:schemeClr val="lt1"/>
-                      </a:solidFill>
-                      <a:prstDash val="solid"/>
-                      <a:round/>
-                      <a:headEnd len="sm" w="sm" type="none"/>
-                      <a:tailEnd len="sm" w="sm" type="none"/>
-                    </a:lnT>
-                    <a:lnB cap="flat" cmpd="sng" w="9525">
-                      <a:solidFill>
-                        <a:schemeClr val="lt1"/>
-                      </a:solidFill>
-                      <a:prstDash val="solid"/>
-                      <a:round/>
-                      <a:headEnd len="sm" w="sm" type="none"/>
-                      <a:tailEnd len="sm" w="sm" type="none"/>
-                    </a:lnB>
-                  </a:tcPr>
-                </a:tc>
-                <a:tc>
-                  <a:txBody>
-                    <a:bodyPr/>
-                    <a:lstStyle/>
-                    <a:p>
-                      <a:pPr indent="0" lvl="0" marL="0" rtl="0" algn="l">
-                        <a:spcBef>
-                          <a:spcPts val="0"/>
-                        </a:spcBef>
-                        <a:spcAft>
-                          <a:spcPts val="0"/>
-                        </a:spcAft>
-                        <a:buNone/>
-                      </a:pPr>
-                      <a:r>
-                        <a:rPr lang="ru" sz="1000">
-                          <a:solidFill>
-                            <a:schemeClr val="lt1"/>
-                          </a:solidFill>
-                          <a:latin typeface="Lato"/>
-                          <a:ea typeface="Lato"/>
-                          <a:cs typeface="Lato"/>
-                          <a:sym typeface="Lato"/>
-                        </a:rPr>
-                        <a:t>1) “Быстрые действия” и виджеты (платёж/показания/статус заявки) 2) Персональные ярлыки (избранные разделы)</a:t>
-                      </a:r>
-                      <a:endParaRPr sz="1000">
-                        <a:solidFill>
-                          <a:schemeClr val="lt1"/>
-                        </a:solidFill>
-                        <a:latin typeface="Lato"/>
-                        <a:ea typeface="Lato"/>
-                        <a:cs typeface="Lato"/>
-                        <a:sym typeface="Lato"/>
-                      </a:endParaRPr>
-                    </a:p>
-                  </a:txBody>
-                  <a:tcPr marT="91425" marB="91425" marR="91425" marL="91425">
-                    <a:lnL cap="flat" cmpd="sng" w="9525">
-                      <a:solidFill>
-                        <a:schemeClr val="lt1"/>
-                      </a:solidFill>
-                      <a:prstDash val="solid"/>
-                      <a:round/>
-                      <a:headEnd len="sm" w="sm" type="none"/>
-                      <a:tailEnd len="sm" w="sm" type="none"/>
-                    </a:lnL>
-                    <a:lnR cap="flat" cmpd="sng" w="9525">
-                      <a:solidFill>
-                        <a:schemeClr val="lt1"/>
-                      </a:solidFill>
-                      <a:prstDash val="solid"/>
-                      <a:round/>
-                      <a:headEnd len="sm" w="sm" type="none"/>
-                      <a:tailEnd len="sm" w="sm" type="none"/>
-                    </a:lnR>
-                    <a:lnT cap="flat" cmpd="sng" w="9525">
-                      <a:solidFill>
-                        <a:schemeClr val="lt1"/>
-                      </a:solidFill>
-                      <a:prstDash val="solid"/>
-                      <a:round/>
-                      <a:headEnd len="sm" w="sm" type="none"/>
-                      <a:tailEnd len="sm" w="sm" type="none"/>
-                    </a:lnT>
-                    <a:lnB cap="flat" cmpd="sng" w="9525">
-                      <a:solidFill>
-                        <a:schemeClr val="lt1"/>
-                      </a:solidFill>
-                      <a:prstDash val="solid"/>
-                      <a:round/>
-                      <a:headEnd len="sm" w="sm" type="none"/>
-                      <a:tailEnd len="sm" w="sm" type="none"/>
-                    </a:lnB>
-                  </a:tcPr>
-                </a:tc>
-                <a:tc>
-                  <a:txBody>
-                    <a:bodyPr/>
-                    <a:lstStyle/>
-                    <a:p>
-                      <a:pPr indent="0" lvl="0" marL="0" rtl="0" algn="l">
-                        <a:spcBef>
-                          <a:spcPts val="0"/>
-                        </a:spcBef>
-                        <a:spcAft>
-                          <a:spcPts val="0"/>
-                        </a:spcAft>
-                        <a:buNone/>
-                      </a:pPr>
-                      <a:r>
-                        <a:rPr lang="ru" sz="1000">
-                          <a:solidFill>
-                            <a:schemeClr val="lt1"/>
-                          </a:solidFill>
-                          <a:latin typeface="Lato"/>
-                          <a:ea typeface="Lato"/>
-                          <a:cs typeface="Lato"/>
-                          <a:sym typeface="Lato"/>
-                        </a:rPr>
-                        <a:t>Напоминания по регулярным действиям (аккуратно, без спама)</a:t>
-                      </a:r>
-                      <a:endParaRPr sz="1000">
-                        <a:solidFill>
-                          <a:schemeClr val="lt1"/>
-                        </a:solidFill>
-                        <a:latin typeface="Lato"/>
-                        <a:ea typeface="Lato"/>
-                        <a:cs typeface="Lato"/>
-                        <a:sym typeface="Lato"/>
-                      </a:endParaRPr>
-                    </a:p>
-                  </a:txBody>
-                  <a:tcPr marT="91425" marB="91425" marR="91425" marL="91425">
-                    <a:lnL cap="flat" cmpd="sng" w="9525">
-                      <a:solidFill>
-                        <a:schemeClr val="lt1"/>
-                      </a:solidFill>
-                      <a:prstDash val="solid"/>
-                      <a:round/>
-                      <a:headEnd len="sm" w="sm" type="none"/>
-                      <a:tailEnd len="sm" w="sm" type="none"/>
-                    </a:lnL>
-                    <a:lnR cap="flat" cmpd="sng" w="9525">
-                      <a:solidFill>
-                        <a:schemeClr val="lt1"/>
-                      </a:solidFill>
-                      <a:prstDash val="solid"/>
-                      <a:round/>
-                      <a:headEnd len="sm" w="sm" type="none"/>
-                      <a:tailEnd len="sm" w="sm" type="none"/>
-                    </a:lnR>
-                    <a:lnT cap="flat" cmpd="sng" w="9525">
-                      <a:solidFill>
-                        <a:schemeClr val="lt1"/>
-                      </a:solidFill>
-                      <a:prstDash val="solid"/>
-                      <a:round/>
-                      <a:headEnd len="sm" w="sm" type="none"/>
-                      <a:tailEnd len="sm" w="sm" type="none"/>
-                    </a:lnT>
-                    <a:lnB cap="flat" cmpd="sng" w="9525">
-                      <a:solidFill>
-                        <a:schemeClr val="lt1"/>
-                      </a:solidFill>
-                      <a:prstDash val="solid"/>
-                      <a:round/>
-                      <a:headEnd len="sm" w="sm" type="none"/>
-                      <a:tailEnd len="sm" w="sm" type="none"/>
-                    </a:lnB>
-                  </a:tcPr>
-                </a:tc>
-                <a:tc>
-                  <a:txBody>
-                    <a:bodyPr/>
-                    <a:lstStyle/>
-                    <a:p>
-                      <a:pPr indent="0" lvl="0" marL="0" rtl="0" algn="l">
-                        <a:spcBef>
-                          <a:spcPts val="0"/>
-                        </a:spcBef>
-                        <a:spcAft>
-                          <a:spcPts val="0"/>
-                        </a:spcAft>
-                        <a:buNone/>
-                      </a:pPr>
-                      <a:r>
-                        <a:rPr lang="ru" sz="1000">
-                          <a:solidFill>
-                            <a:schemeClr val="lt1"/>
-                          </a:solidFill>
-                          <a:latin typeface="Lato"/>
-                          <a:ea typeface="Lato"/>
-                          <a:cs typeface="Lato"/>
-                          <a:sym typeface="Lato"/>
-                        </a:rPr>
-                        <a:t>Частота визитов, конверсия в регулярные действия, снижение churn</a:t>
-                      </a:r>
-                      <a:endParaRPr sz="1000">
-                        <a:solidFill>
-                          <a:schemeClr val="lt1"/>
-                        </a:solidFill>
-                        <a:latin typeface="Lato"/>
-                        <a:ea typeface="Lato"/>
-                        <a:cs typeface="Lato"/>
-                        <a:sym typeface="Lato"/>
-                      </a:endParaRPr>
-                    </a:p>
-                  </a:txBody>
-                  <a:tcPr marT="91425" marB="91425" marR="91425" marL="91425">
-                    <a:lnL cap="flat" cmpd="sng" w="9525">
-                      <a:solidFill>
-                        <a:schemeClr val="lt1"/>
-                      </a:solidFill>
-                      <a:prstDash val="solid"/>
-                      <a:round/>
-                      <a:headEnd len="sm" w="sm" type="none"/>
-                      <a:tailEnd len="sm" w="sm" type="none"/>
-                    </a:lnL>
-                    <a:lnR cap="flat" cmpd="sng" w="9525">
-                      <a:solidFill>
-                        <a:schemeClr val="lt1"/>
-                      </a:solidFill>
-                      <a:prstDash val="solid"/>
-                      <a:round/>
-                      <a:headEnd len="sm" w="sm" type="none"/>
-                      <a:tailEnd len="sm" w="sm" type="none"/>
-                    </a:lnR>
-                    <a:lnT cap="flat" cmpd="sng" w="9525">
-                      <a:solidFill>
-                        <a:schemeClr val="lt1"/>
-                      </a:solidFill>
-                      <a:prstDash val="solid"/>
-                      <a:round/>
-                      <a:headEnd len="sm" w="sm" type="none"/>
-                      <a:tailEnd len="sm" w="sm" type="none"/>
-                    </a:lnT>
-                    <a:lnB cap="flat" cmpd="sng" w="9525">
-                      <a:solidFill>
-                        <a:schemeClr val="lt1"/>
-                      </a:solidFill>
-                      <a:prstDash val="solid"/>
-                      <a:round/>
-                      <a:headEnd len="sm" w="sm" type="none"/>
-                      <a:tailEnd len="sm" w="sm" type="none"/>
-                    </a:lnB>
-                  </a:tcPr>
-                </a:tc>
-              </a:tr>
-              <a:tr h="742950">
-                <a:tc>
-                  <a:txBody>
-                    <a:bodyPr/>
-                    <a:lstStyle/>
-                    <a:p>
-                      <a:pPr indent="0" lvl="0" marL="0" rtl="0" algn="l">
-                        <a:spcBef>
-                          <a:spcPts val="0"/>
-                        </a:spcBef>
-                        <a:spcAft>
-                          <a:spcPts val="0"/>
-                        </a:spcAft>
-                        <a:buNone/>
-                      </a:pPr>
-                      <a:r>
-                        <a:rPr b="1" lang="ru" sz="1000">
-                          <a:solidFill>
-                            <a:schemeClr val="lt1"/>
-                          </a:solidFill>
-                          <a:latin typeface="Lato"/>
-                          <a:ea typeface="Lato"/>
-                          <a:cs typeface="Lato"/>
-                          <a:sym typeface="Lato"/>
-                        </a:rPr>
-                        <a:t>Кластер 2</a:t>
-                      </a:r>
-                      <a:r>
-                        <a:rPr lang="ru" sz="1000">
-                          <a:solidFill>
-                            <a:schemeClr val="lt1"/>
-                          </a:solidFill>
-                          <a:latin typeface="Lato"/>
-                          <a:ea typeface="Lato"/>
-                          <a:cs typeface="Lato"/>
-                          <a:sym typeface="Lato"/>
-                        </a:rPr>
-                        <a:t> (“power users”, ядро)</a:t>
-                      </a:r>
-                      <a:endParaRPr sz="1000">
-                        <a:solidFill>
-                          <a:schemeClr val="lt1"/>
-                        </a:solidFill>
-                        <a:latin typeface="Lato"/>
-                        <a:ea typeface="Lato"/>
-                        <a:cs typeface="Lato"/>
-                        <a:sym typeface="Lato"/>
-                      </a:endParaRPr>
-                    </a:p>
-                  </a:txBody>
-                  <a:tcPr marT="91425" marB="91425" marR="91425" marL="91425">
-                    <a:lnL cap="flat" cmpd="sng" w="9525">
-                      <a:solidFill>
-                        <a:schemeClr val="lt1"/>
-                      </a:solidFill>
-                      <a:prstDash val="solid"/>
-                      <a:round/>
-                      <a:headEnd len="sm" w="sm" type="none"/>
-                      <a:tailEnd len="sm" w="sm" type="none"/>
-                    </a:lnL>
-                    <a:lnR cap="flat" cmpd="sng" w="9525">
-                      <a:solidFill>
-                        <a:schemeClr val="lt1"/>
-                      </a:solidFill>
-                      <a:prstDash val="solid"/>
-                      <a:round/>
-                      <a:headEnd len="sm" w="sm" type="none"/>
-                      <a:tailEnd len="sm" w="sm" type="none"/>
-                    </a:lnR>
-                    <a:lnT cap="flat" cmpd="sng" w="9525">
-                      <a:solidFill>
-                        <a:schemeClr val="lt1"/>
-                      </a:solidFill>
-                      <a:prstDash val="solid"/>
-                      <a:round/>
-                      <a:headEnd len="sm" w="sm" type="none"/>
-                      <a:tailEnd len="sm" w="sm" type="none"/>
-                    </a:lnT>
-                    <a:lnB cap="flat" cmpd="sng" w="9525">
-                      <a:solidFill>
-                        <a:schemeClr val="lt1"/>
-                      </a:solidFill>
-                      <a:prstDash val="solid"/>
-                      <a:round/>
-                      <a:headEnd len="sm" w="sm" type="none"/>
-                      <a:tailEnd len="sm" w="sm" type="none"/>
-                    </a:lnB>
-                  </a:tcPr>
-                </a:tc>
-                <a:tc>
-                  <a:txBody>
-                    <a:bodyPr/>
-                    <a:lstStyle/>
-                    <a:p>
-                      <a:pPr indent="0" lvl="0" marL="0" rtl="0" algn="l">
-                        <a:spcBef>
-                          <a:spcPts val="0"/>
-                        </a:spcBef>
-                        <a:spcAft>
-                          <a:spcPts val="0"/>
-                        </a:spcAft>
-                        <a:buNone/>
-                      </a:pPr>
-                      <a:r>
-                        <a:rPr lang="ru" sz="1000">
-                          <a:solidFill>
-                            <a:schemeClr val="lt1"/>
-                          </a:solidFill>
-                          <a:latin typeface="Lato"/>
-                          <a:ea typeface="Lato"/>
-                          <a:cs typeface="Lato"/>
-                          <a:sym typeface="Lato"/>
-                        </a:rPr>
-                        <a:t>Много сессий/функций, низкий churn</a:t>
-                      </a:r>
-                      <a:endParaRPr sz="1000">
-                        <a:solidFill>
-                          <a:schemeClr val="lt1"/>
-                        </a:solidFill>
-                        <a:latin typeface="Lato"/>
-                        <a:ea typeface="Lato"/>
-                        <a:cs typeface="Lato"/>
-                        <a:sym typeface="Lato"/>
-                      </a:endParaRPr>
-                    </a:p>
-                  </a:txBody>
-                  <a:tcPr marT="91425" marB="91425" marR="91425" marL="91425">
-                    <a:lnL cap="flat" cmpd="sng" w="9525">
-                      <a:solidFill>
-                        <a:schemeClr val="lt1"/>
-                      </a:solidFill>
-                      <a:prstDash val="solid"/>
-                      <a:round/>
-                      <a:headEnd len="sm" w="sm" type="none"/>
-                      <a:tailEnd len="sm" w="sm" type="none"/>
-                    </a:lnL>
-                    <a:lnR cap="flat" cmpd="sng" w="9525">
-                      <a:solidFill>
-                        <a:schemeClr val="lt1"/>
-                      </a:solidFill>
-                      <a:prstDash val="solid"/>
-                      <a:round/>
-                      <a:headEnd len="sm" w="sm" type="none"/>
-                      <a:tailEnd len="sm" w="sm" type="none"/>
-                    </a:lnR>
-                    <a:lnT cap="flat" cmpd="sng" w="9525">
-                      <a:solidFill>
-                        <a:schemeClr val="lt1"/>
-                      </a:solidFill>
-                      <a:prstDash val="solid"/>
-                      <a:round/>
-                      <a:headEnd len="sm" w="sm" type="none"/>
-                      <a:tailEnd len="sm" w="sm" type="none"/>
-                    </a:lnT>
-                    <a:lnB cap="flat" cmpd="sng" w="9525">
-                      <a:solidFill>
-                        <a:schemeClr val="lt1"/>
-                      </a:solidFill>
-                      <a:prstDash val="solid"/>
-                      <a:round/>
-                      <a:headEnd len="sm" w="sm" type="none"/>
-                      <a:tailEnd len="sm" w="sm" type="none"/>
-                    </a:lnB>
-                  </a:tcPr>
-                </a:tc>
-                <a:tc>
-                  <a:txBody>
-                    <a:bodyPr/>
-                    <a:lstStyle/>
-                    <a:p>
-                      <a:pPr indent="0" lvl="0" marL="0" rtl="0" algn="l">
-                        <a:spcBef>
-                          <a:spcPts val="0"/>
-                        </a:spcBef>
-                        <a:spcAft>
-                          <a:spcPts val="0"/>
-                        </a:spcAft>
-                        <a:buNone/>
-                      </a:pPr>
-                      <a:r>
-                        <a:rPr lang="ru" sz="1000">
-                          <a:solidFill>
-                            <a:schemeClr val="lt1"/>
-                          </a:solidFill>
-                          <a:latin typeface="Lato"/>
-                          <a:ea typeface="Lato"/>
-                          <a:cs typeface="Lato"/>
-                          <a:sym typeface="Lato"/>
-                        </a:rPr>
-                        <a:t>1) Продвинутая персонализация: настройки уведомлений, избранное 2) Программа лояльности/баллы 3) Ранний доступ к новым функциям</a:t>
-                      </a:r>
-                      <a:endParaRPr sz="1000">
-                        <a:solidFill>
-                          <a:schemeClr val="lt1"/>
-                        </a:solidFill>
-                        <a:latin typeface="Lato"/>
-                        <a:ea typeface="Lato"/>
-                        <a:cs typeface="Lato"/>
-                        <a:sym typeface="Lato"/>
-                      </a:endParaRPr>
-                    </a:p>
-                  </a:txBody>
-                  <a:tcPr marT="91425" marB="91425" marR="91425" marL="91425">
-                    <a:lnL cap="flat" cmpd="sng" w="9525">
-                      <a:solidFill>
-                        <a:schemeClr val="lt1"/>
-                      </a:solidFill>
-                      <a:prstDash val="solid"/>
-                      <a:round/>
-                      <a:headEnd len="sm" w="sm" type="none"/>
-                      <a:tailEnd len="sm" w="sm" type="none"/>
-                    </a:lnL>
-                    <a:lnR cap="flat" cmpd="sng" w="9525">
-                      <a:solidFill>
-                        <a:schemeClr val="lt1"/>
-                      </a:solidFill>
-                      <a:prstDash val="solid"/>
-                      <a:round/>
-                      <a:headEnd len="sm" w="sm" type="none"/>
-                      <a:tailEnd len="sm" w="sm" type="none"/>
-                    </a:lnR>
-                    <a:lnT cap="flat" cmpd="sng" w="9525">
-                      <a:solidFill>
-                        <a:schemeClr val="lt1"/>
-                      </a:solidFill>
-                      <a:prstDash val="solid"/>
-                      <a:round/>
-                      <a:headEnd len="sm" w="sm" type="none"/>
-                      <a:tailEnd len="sm" w="sm" type="none"/>
-                    </a:lnT>
-                    <a:lnB cap="flat" cmpd="sng" w="9525">
-                      <a:solidFill>
-                        <a:schemeClr val="lt1"/>
-                      </a:solidFill>
-                      <a:prstDash val="solid"/>
-                      <a:round/>
-                      <a:headEnd len="sm" w="sm" type="none"/>
-                      <a:tailEnd len="sm" w="sm" type="none"/>
-                    </a:lnB>
-                  </a:tcPr>
-                </a:tc>
-                <a:tc>
-                  <a:txBody>
-                    <a:bodyPr/>
-                    <a:lstStyle/>
-                    <a:p>
-                      <a:pPr indent="0" lvl="0" marL="0" rtl="0" algn="l">
-                        <a:spcBef>
-                          <a:spcPts val="0"/>
-                        </a:spcBef>
-                        <a:spcAft>
-                          <a:spcPts val="0"/>
-                        </a:spcAft>
-                        <a:buNone/>
-                      </a:pPr>
-                      <a:r>
-                        <a:rPr lang="ru" sz="1000">
-                          <a:solidFill>
-                            <a:schemeClr val="lt1"/>
-                          </a:solidFill>
-                          <a:latin typeface="Lato"/>
-                          <a:ea typeface="Lato"/>
-                          <a:cs typeface="Lato"/>
-                          <a:sym typeface="Lato"/>
-                        </a:rPr>
-                        <a:t>Персональные подборки фич/функций, опрос “что улучшить”</a:t>
-                      </a:r>
-                      <a:endParaRPr sz="1000">
-                        <a:solidFill>
-                          <a:schemeClr val="lt1"/>
-                        </a:solidFill>
-                        <a:latin typeface="Lato"/>
-                        <a:ea typeface="Lato"/>
-                        <a:cs typeface="Lato"/>
-                        <a:sym typeface="Lato"/>
-                      </a:endParaRPr>
-                    </a:p>
-                  </a:txBody>
-                  <a:tcPr marT="91425" marB="91425" marR="91425" marL="91425">
-                    <a:lnL cap="flat" cmpd="sng" w="9525">
-                      <a:solidFill>
-                        <a:schemeClr val="lt1"/>
-                      </a:solidFill>
-                      <a:prstDash val="solid"/>
-                      <a:round/>
-                      <a:headEnd len="sm" w="sm" type="none"/>
-                      <a:tailEnd len="sm" w="sm" type="none"/>
-                    </a:lnL>
-                    <a:lnR cap="flat" cmpd="sng" w="9525">
-                      <a:solidFill>
-                        <a:schemeClr val="lt1"/>
-                      </a:solidFill>
-                      <a:prstDash val="solid"/>
-                      <a:round/>
-                      <a:headEnd len="sm" w="sm" type="none"/>
-                      <a:tailEnd len="sm" w="sm" type="none"/>
-                    </a:lnR>
-                    <a:lnT cap="flat" cmpd="sng" w="9525">
-                      <a:solidFill>
-                        <a:schemeClr val="lt1"/>
-                      </a:solidFill>
-                      <a:prstDash val="solid"/>
-                      <a:round/>
-                      <a:headEnd len="sm" w="sm" type="none"/>
-                      <a:tailEnd len="sm" w="sm" type="none"/>
-                    </a:lnT>
-                    <a:lnB cap="flat" cmpd="sng" w="9525">
-                      <a:solidFill>
-                        <a:schemeClr val="lt1"/>
-                      </a:solidFill>
-                      <a:prstDash val="solid"/>
-                      <a:round/>
-                      <a:headEnd len="sm" w="sm" type="none"/>
-                      <a:tailEnd len="sm" w="sm" type="none"/>
-                    </a:lnB>
-                  </a:tcPr>
-                </a:tc>
-                <a:tc>
-                  <a:txBody>
-                    <a:bodyPr/>
-                    <a:lstStyle/>
-                    <a:p>
-                      <a:pPr indent="0" lvl="0" marL="0" rtl="0" algn="l">
-                        <a:spcBef>
-                          <a:spcPts val="0"/>
-                        </a:spcBef>
-                        <a:spcAft>
-                          <a:spcPts val="0"/>
-                        </a:spcAft>
-                        <a:buNone/>
-                      </a:pPr>
-                      <a:r>
-                        <a:rPr lang="ru" sz="1000">
-                          <a:solidFill>
-                            <a:schemeClr val="lt1"/>
-                          </a:solidFill>
-                          <a:latin typeface="Lato"/>
-                          <a:ea typeface="Lato"/>
-                          <a:cs typeface="Lato"/>
-                          <a:sym typeface="Lato"/>
-                        </a:rPr>
-                        <a:t>Retention D30/D60, NPS/оценки, удержание ядра</a:t>
-                      </a:r>
-                      <a:endParaRPr sz="1000">
-                        <a:solidFill>
-                          <a:schemeClr val="lt1"/>
-                        </a:solidFill>
-                        <a:latin typeface="Lato"/>
-                        <a:ea typeface="Lato"/>
-                        <a:cs typeface="Lato"/>
-                        <a:sym typeface="Lato"/>
-                      </a:endParaRPr>
-                    </a:p>
-                  </a:txBody>
-                  <a:tcPr marT="91425" marB="91425" marR="91425" marL="91425">
-                    <a:lnL cap="flat" cmpd="sng" w="9525">
-                      <a:solidFill>
-                        <a:schemeClr val="lt1"/>
-                      </a:solidFill>
-                      <a:prstDash val="solid"/>
-                      <a:round/>
-                      <a:headEnd len="sm" w="sm" type="none"/>
-                      <a:tailEnd len="sm" w="sm" type="none"/>
-                    </a:lnL>
-                    <a:lnR cap="flat" cmpd="sng" w="9525">
-                      <a:solidFill>
-                        <a:schemeClr val="lt1"/>
-                      </a:solidFill>
-                      <a:prstDash val="solid"/>
-                      <a:round/>
-                      <a:headEnd len="sm" w="sm" type="none"/>
-                      <a:tailEnd len="sm" w="sm" type="none"/>
-                    </a:lnR>
-                    <a:lnT cap="flat" cmpd="sng" w="9525">
-                      <a:solidFill>
-                        <a:schemeClr val="lt1"/>
-                      </a:solidFill>
-                      <a:prstDash val="solid"/>
-                      <a:round/>
-                      <a:headEnd len="sm" w="sm" type="none"/>
-                      <a:tailEnd len="sm" w="sm" type="none"/>
-                    </a:lnT>
-                    <a:lnB cap="flat" cmpd="sng" w="9525">
-                      <a:solidFill>
-                        <a:schemeClr val="lt1"/>
-                      </a:solidFill>
-                      <a:prstDash val="solid"/>
-                      <a:round/>
-                      <a:headEnd len="sm" w="sm" type="none"/>
-                      <a:tailEnd len="sm" w="sm" type="none"/>
-                    </a:lnB>
-                  </a:tcPr>
-                </a:tc>
-              </a:tr>
             </a:tbl>
           </a:graphicData>
         </a:graphic>
       </p:graphicFrame>
+      <p:sp>
+        <p:nvSpPr>
+          <p:cNvPr id="230" name="Google Shape;230;p23"/>
+          <p:cNvSpPr txBox="1"/>
+          <p:nvPr>
+            <p:ph idx="12" type="sldNum"/>
+          </p:nvPr>
+        </p:nvSpPr>
+        <p:spPr>
+          <a:xfrm>
+            <a:off x="8472458" y="4663217"/>
+            <a:ext cx="548700" cy="393600"/>
+          </a:xfrm>
+          <a:prstGeom prst="rect">
+            <a:avLst/>
+          </a:prstGeom>
+        </p:spPr>
+        <p:txBody>
+          <a:bodyPr anchorCtr="0" anchor="ctr" bIns="91425" lIns="91425" spcFirstLastPara="1" rIns="91425" wrap="square" tIns="91425">
+            <a:normAutofit/>
+          </a:bodyPr>
+          <a:lstStyle/>
+          <a:p>
+            <a:pPr indent="0" lvl="0" marL="0" rtl="0" algn="r">
+              <a:spcBef>
+                <a:spcPts val="0"/>
+              </a:spcBef>
+              <a:spcAft>
+                <a:spcPts val="0"/>
+              </a:spcAft>
+              <a:buNone/>
+            </a:pPr>
+            <a:fld id="{00000000-1234-1234-1234-123412341234}" type="slidenum">
+              <a:rPr lang="ru"/>
+              <a:t>‹#›</a:t>
+            </a:fld>
+            <a:endParaRPr/>
+          </a:p>
+        </p:txBody>
+      </p:sp>
     </p:spTree>
   </p:cSld>
   <p:clrMapOvr>
@@ -12762,7 +13261,7 @@
   <p:cSld>
     <p:spTree>
       <p:nvGrpSpPr>
-        <p:cNvPr id="223" name="Shape 223"/>
+        <p:cNvPr id="234" name="Shape 234"/>
         <p:cNvGrpSpPr/>
         <p:nvPr/>
       </p:nvGrpSpPr>
@@ -12776,7 +13275,7 @@
       </p:grpSpPr>
       <p:sp>
         <p:nvSpPr>
-          <p:cNvPr id="224" name="Google Shape;224;p24"/>
+          <p:cNvPr id="235" name="Google Shape;235;p24"/>
           <p:cNvSpPr txBox="1"/>
           <p:nvPr>
             <p:ph type="title"/>
@@ -12816,7 +13315,7 @@
       </p:sp>
       <p:sp>
         <p:nvSpPr>
-          <p:cNvPr id="225" name="Google Shape;225;p24"/>
+          <p:cNvPr id="236" name="Google Shape;236;p24"/>
           <p:cNvSpPr txBox="1"/>
           <p:nvPr/>
         </p:nvSpPr>
@@ -12852,7 +13351,7 @@
               <a:buNone/>
             </a:pPr>
             <a:r>
-              <a:rPr b="1" lang="ru" sz="1100">
+              <a:rPr b="1" lang="ru" sz="1200">
                 <a:solidFill>
                   <a:schemeClr val="lt1"/>
                 </a:solidFill>
@@ -12863,7 +13362,7 @@
               </a:rPr>
               <a:t>Блок 1 — Data enrichment </a:t>
             </a:r>
-            <a:endParaRPr b="1" sz="1100">
+            <a:endParaRPr b="1" sz="1200">
               <a:solidFill>
                 <a:schemeClr val="lt1"/>
               </a:solidFill>
@@ -12874,7 +13373,7 @@
             </a:endParaRPr>
           </a:p>
           <a:p>
-            <a:pPr indent="-298450" lvl="0" marL="457200" rtl="0" algn="l">
+            <a:pPr indent="-304800" lvl="0" marL="457200" rtl="0" algn="l">
               <a:lnSpc>
                 <a:spcPct val="100000"/>
               </a:lnSpc>
@@ -12887,11 +13386,11 @@
               <a:buClr>
                 <a:schemeClr val="lt1"/>
               </a:buClr>
-              <a:buSzPts val="1100"/>
+              <a:buSzPts val="1200"/>
               <a:buChar char="●"/>
             </a:pPr>
             <a:r>
-              <a:rPr b="1" lang="ru" sz="1100">
+              <a:rPr b="1" lang="ru" sz="1200">
                 <a:solidFill>
                   <a:schemeClr val="lt1"/>
                 </a:solidFill>
@@ -12903,7 +13402,7 @@
               <a:t>Yandex Weather API</a:t>
             </a:r>
             <a:r>
-              <a:rPr lang="ru" sz="1100">
+              <a:rPr lang="ru" sz="1200">
                 <a:solidFill>
                   <a:schemeClr val="lt1"/>
                 </a:solidFill>
@@ -12914,7 +13413,7 @@
               </a:rPr>
               <a:t>: добавить погодные фичи (осадки/снег/температура/ветер) по дням</a:t>
             </a:r>
-            <a:endParaRPr sz="1100">
+            <a:endParaRPr sz="1200">
               <a:solidFill>
                 <a:schemeClr val="lt1"/>
               </a:solidFill>
@@ -12925,7 +13424,7 @@
             </a:endParaRPr>
           </a:p>
           <a:p>
-            <a:pPr indent="-298450" lvl="0" marL="457200" rtl="0" algn="l">
+            <a:pPr indent="-304800" lvl="0" marL="457200" rtl="0" algn="l">
               <a:lnSpc>
                 <a:spcPct val="100000"/>
               </a:lnSpc>
@@ -12938,12 +13437,12 @@
               <a:buClr>
                 <a:schemeClr val="lt1"/>
               </a:buClr>
-              <a:buSzPts val="1100"/>
+              <a:buSzPts val="1200"/>
               <a:buFont typeface="Lato"/>
               <a:buChar char="●"/>
             </a:pPr>
             <a:r>
-              <a:rPr lang="ru" sz="1100">
+              <a:rPr lang="ru" sz="1200">
                 <a:solidFill>
                   <a:schemeClr val="lt1"/>
                 </a:solidFill>
@@ -12954,7 +13453,7 @@
               </a:rPr>
               <a:t>Проверить корреляции “погода ↔ заявки/обращения/всплески активности”</a:t>
             </a:r>
-            <a:endParaRPr sz="1100">
+            <a:endParaRPr sz="1200">
               <a:solidFill>
                 <a:schemeClr val="lt1"/>
               </a:solidFill>
@@ -12965,25 +13464,20 @@
             </a:endParaRPr>
           </a:p>
           <a:p>
-            <a:pPr indent="-298450" lvl="0" marL="457200" rtl="0" algn="l">
+            <a:pPr indent="0" lvl="0" marL="0" rtl="0" algn="l">
               <a:lnSpc>
                 <a:spcPct val="100000"/>
               </a:lnSpc>
               <a:spcBef>
-                <a:spcPts val="0"/>
-              </a:spcBef>
-              <a:spcAft>
-                <a:spcPts val="0"/>
-              </a:spcAft>
-              <a:buClr>
-                <a:schemeClr val="lt1"/>
-              </a:buClr>
-              <a:buSzPts val="1100"/>
-              <a:buFont typeface="Lato"/>
-              <a:buChar char="●"/>
+                <a:spcPts val="1400"/>
+              </a:spcBef>
+              <a:spcAft>
+                <a:spcPts val="0"/>
+              </a:spcAft>
+              <a:buNone/>
             </a:pPr>
             <a:r>
-              <a:rPr lang="ru" sz="1100">
+              <a:rPr b="1" lang="ru" sz="1200">
                 <a:solidFill>
                   <a:schemeClr val="lt1"/>
                 </a:solidFill>
@@ -12992,7 +13486,225 @@
                 <a:cs typeface="Lato"/>
                 <a:sym typeface="Lato"/>
               </a:rPr>
-              <a:t>Использовать погоду как объяснение пиков и как фичу для прогнозов</a:t>
+              <a:t>Блок 2 — Modeling </a:t>
+            </a:r>
+            <a:endParaRPr b="1" sz="1200">
+              <a:solidFill>
+                <a:schemeClr val="lt1"/>
+              </a:solidFill>
+              <a:latin typeface="Lato"/>
+              <a:ea typeface="Lato"/>
+              <a:cs typeface="Lato"/>
+              <a:sym typeface="Lato"/>
+            </a:endParaRPr>
+          </a:p>
+          <a:p>
+            <a:pPr indent="-304800" lvl="0" marL="457200" rtl="0" algn="l">
+              <a:lnSpc>
+                <a:spcPct val="100000"/>
+              </a:lnSpc>
+              <a:spcBef>
+                <a:spcPts val="1200"/>
+              </a:spcBef>
+              <a:spcAft>
+                <a:spcPts val="0"/>
+              </a:spcAft>
+              <a:buClr>
+                <a:schemeClr val="lt1"/>
+              </a:buClr>
+              <a:buSzPts val="1200"/>
+              <a:buChar char="●"/>
+            </a:pPr>
+            <a:r>
+              <a:rPr b="1" lang="ru" sz="1200">
+                <a:solidFill>
+                  <a:schemeClr val="lt1"/>
+                </a:solidFill>
+                <a:latin typeface="Lato"/>
+                <a:ea typeface="Lato"/>
+                <a:cs typeface="Lato"/>
+                <a:sym typeface="Lato"/>
+              </a:rPr>
+              <a:t>Последовательности действий (HMM / LSTM / Transformer)</a:t>
+            </a:r>
+            <a:r>
+              <a:rPr lang="ru" sz="1200">
+                <a:solidFill>
+                  <a:schemeClr val="lt1"/>
+                </a:solidFill>
+                <a:latin typeface="Lato"/>
+                <a:ea typeface="Lato"/>
+                <a:cs typeface="Lato"/>
+                <a:sym typeface="Lato"/>
+              </a:rPr>
+              <a:t>: не только агрегаты, а “как пользователь ходит по экраном” → лучше ловит сценарии ухода</a:t>
+            </a:r>
+            <a:endParaRPr sz="1200">
+              <a:solidFill>
+                <a:schemeClr val="lt1"/>
+              </a:solidFill>
+              <a:latin typeface="Lato"/>
+              <a:ea typeface="Lato"/>
+              <a:cs typeface="Lato"/>
+              <a:sym typeface="Lato"/>
+            </a:endParaRPr>
+          </a:p>
+          <a:p>
+            <a:pPr indent="-304800" lvl="0" marL="457200" rtl="0" algn="l">
+              <a:lnSpc>
+                <a:spcPct val="100000"/>
+              </a:lnSpc>
+              <a:spcBef>
+                <a:spcPts val="0"/>
+              </a:spcBef>
+              <a:spcAft>
+                <a:spcPts val="0"/>
+              </a:spcAft>
+              <a:buClr>
+                <a:schemeClr val="lt1"/>
+              </a:buClr>
+              <a:buSzPts val="1200"/>
+              <a:buChar char="●"/>
+            </a:pPr>
+            <a:r>
+              <a:rPr b="1" lang="ru" sz="1200">
+                <a:solidFill>
+                  <a:schemeClr val="lt1"/>
+                </a:solidFill>
+                <a:latin typeface="Lato"/>
+                <a:ea typeface="Lato"/>
+                <a:cs typeface="Lato"/>
+                <a:sym typeface="Lato"/>
+              </a:rPr>
+              <a:t>GMM (Gaussian Mixture Models)</a:t>
+            </a:r>
+            <a:r>
+              <a:rPr lang="ru" sz="1200">
+                <a:solidFill>
+                  <a:schemeClr val="lt1"/>
+                </a:solidFill>
+                <a:latin typeface="Lato"/>
+                <a:ea typeface="Lato"/>
+                <a:cs typeface="Lato"/>
+                <a:sym typeface="Lato"/>
+              </a:rPr>
+              <a:t> дас вероятности принадлежности к сегментам</a:t>
+            </a:r>
+            <a:endParaRPr sz="1200">
+              <a:solidFill>
+                <a:schemeClr val="lt1"/>
+              </a:solidFill>
+              <a:latin typeface="Lato"/>
+              <a:ea typeface="Lato"/>
+              <a:cs typeface="Lato"/>
+              <a:sym typeface="Lato"/>
+            </a:endParaRPr>
+          </a:p>
+          <a:p>
+            <a:pPr indent="-304800" lvl="0" marL="457200" rtl="0" algn="l">
+              <a:lnSpc>
+                <a:spcPct val="100000"/>
+              </a:lnSpc>
+              <a:spcBef>
+                <a:spcPts val="0"/>
+              </a:spcBef>
+              <a:spcAft>
+                <a:spcPts val="0"/>
+              </a:spcAft>
+              <a:buClr>
+                <a:schemeClr val="lt1"/>
+              </a:buClr>
+              <a:buSzPts val="1200"/>
+              <a:buChar char="●"/>
+            </a:pPr>
+            <a:r>
+              <a:rPr b="1" lang="ru" sz="1200">
+                <a:solidFill>
+                  <a:schemeClr val="lt1"/>
+                </a:solidFill>
+                <a:latin typeface="Lato"/>
+                <a:ea typeface="Lato"/>
+                <a:cs typeface="Lato"/>
+                <a:sym typeface="Lato"/>
+              </a:rPr>
+              <a:t>Spectral clustering</a:t>
+            </a:r>
+            <a:endParaRPr sz="1200">
+              <a:solidFill>
+                <a:schemeClr val="lt1"/>
+              </a:solidFill>
+              <a:latin typeface="Lato"/>
+              <a:ea typeface="Lato"/>
+              <a:cs typeface="Lato"/>
+              <a:sym typeface="Lato"/>
+            </a:endParaRPr>
+          </a:p>
+          <a:p>
+            <a:pPr indent="-304800" lvl="0" marL="457200" rtl="0" algn="l">
+              <a:lnSpc>
+                <a:spcPct val="100000"/>
+              </a:lnSpc>
+              <a:spcBef>
+                <a:spcPts val="0"/>
+              </a:spcBef>
+              <a:spcAft>
+                <a:spcPts val="0"/>
+              </a:spcAft>
+              <a:buClr>
+                <a:schemeClr val="lt1"/>
+              </a:buClr>
+              <a:buSzPts val="1200"/>
+              <a:buChar char="●"/>
+            </a:pPr>
+            <a:r>
+              <a:rPr b="1" lang="ru" sz="1200">
+                <a:solidFill>
+                  <a:schemeClr val="lt1"/>
+                </a:solidFill>
+                <a:latin typeface="Lato"/>
+                <a:ea typeface="Lato"/>
+                <a:cs typeface="Lato"/>
+                <a:sym typeface="Lato"/>
+              </a:rPr>
+              <a:t>SVM</a:t>
+            </a:r>
+            <a:r>
+              <a:rPr lang="ru" sz="1200">
+                <a:solidFill>
+                  <a:schemeClr val="lt1"/>
+                </a:solidFill>
+                <a:latin typeface="Lato"/>
+                <a:ea typeface="Lato"/>
+                <a:cs typeface="Lato"/>
+                <a:sym typeface="Lato"/>
+              </a:rPr>
+              <a:t> — не кластеризация, но может служить классификатором для назначения сегмента новым пользователям.</a:t>
+            </a:r>
+            <a:endParaRPr b="1" sz="1200">
+              <a:solidFill>
+                <a:schemeClr val="lt1"/>
+              </a:solidFill>
+              <a:latin typeface="Lato"/>
+              <a:ea typeface="Lato"/>
+              <a:cs typeface="Lato"/>
+              <a:sym typeface="Lato"/>
+            </a:endParaRPr>
+          </a:p>
+          <a:p>
+            <a:pPr indent="0" lvl="0" marL="0" rtl="0" algn="l">
+              <a:lnSpc>
+                <a:spcPct val="100000"/>
+              </a:lnSpc>
+              <a:spcBef>
+                <a:spcPts val="1200"/>
+              </a:spcBef>
+              <a:spcAft>
+                <a:spcPts val="0"/>
+              </a:spcAft>
+              <a:buNone/>
+            </a:pPr>
+            <a:r>
+              <a:t/>
             </a:r>
             <a:endParaRPr sz="1100">
               <a:solidFill>
@@ -13010,7 +13722,7 @@
                 <a:spcPct val="100000"/>
               </a:lnSpc>
               <a:spcBef>
-                <a:spcPts val="1400"/>
+                <a:spcPts val="1200"/>
               </a:spcBef>
               <a:spcAft>
                 <a:spcPts val="0"/>
@@ -13018,67 +13730,7 @@
               <a:buNone/>
             </a:pPr>
             <a:r>
-              <a:rPr b="1" lang="ru" sz="1100">
-                <a:solidFill>
-                  <a:schemeClr val="lt1"/>
-                </a:solidFill>
-                <a:latin typeface="Lato"/>
-                <a:ea typeface="Lato"/>
-                <a:cs typeface="Lato"/>
-                <a:sym typeface="Lato"/>
-              </a:rPr>
-              <a:t>Блок 2 — Modeling </a:t>
-            </a:r>
-            <a:endParaRPr b="1" sz="1100">
-              <a:solidFill>
-                <a:schemeClr val="lt1"/>
-              </a:solidFill>
-              <a:latin typeface="Lato"/>
-              <a:ea typeface="Lato"/>
-              <a:cs typeface="Lato"/>
-              <a:sym typeface="Lato"/>
-            </a:endParaRPr>
-          </a:p>
-          <a:p>
-            <a:pPr indent="-298450" lvl="0" marL="457200" rtl="0" algn="l">
-              <a:lnSpc>
-                <a:spcPct val="100000"/>
-              </a:lnSpc>
-              <a:spcBef>
-                <a:spcPts val="1200"/>
-              </a:spcBef>
-              <a:spcAft>
-                <a:spcPts val="0"/>
-              </a:spcAft>
-              <a:buClr>
-                <a:schemeClr val="lt1"/>
-              </a:buClr>
-              <a:buSzPts val="1100"/>
-              <a:buChar char="●"/>
-            </a:pPr>
-            <a:r>
-              <a:rPr b="1" lang="ru" sz="1100">
-                <a:solidFill>
-                  <a:schemeClr val="lt1"/>
-                </a:solidFill>
-                <a:latin typeface="Lato"/>
-                <a:ea typeface="Lato"/>
-                <a:cs typeface="Lato"/>
-                <a:sym typeface="Lato"/>
-              </a:rPr>
-              <a:t>Последовательности действий (HMM / LSTM / Transformer)</a:t>
-            </a:r>
-            <a:r>
-              <a:rPr lang="ru" sz="1100">
-                <a:solidFill>
-                  <a:schemeClr val="lt1"/>
-                </a:solidFill>
-                <a:latin typeface="Lato"/>
-                <a:ea typeface="Lato"/>
-                <a:cs typeface="Lato"/>
-                <a:sym typeface="Lato"/>
-              </a:rPr>
-              <a:t>: не только агрегаты, а “как пользователь ходит по экраном” → лучше ловит сценарии ухода</a:t>
+              <a:t/>
             </a:r>
             <a:endParaRPr sz="1100">
               <a:solidFill>
@@ -13090,311 +13742,45 @@
               <a:sym typeface="Lato"/>
             </a:endParaRPr>
           </a:p>
+        </p:txBody>
+      </p:sp>
+      <p:sp>
+        <p:nvSpPr>
+          <p:cNvPr id="237" name="Google Shape;237;p24"/>
+          <p:cNvSpPr txBox="1"/>
+          <p:nvPr>
+            <p:ph idx="12" type="sldNum"/>
+          </p:nvPr>
+        </p:nvSpPr>
+        <p:spPr>
+          <a:xfrm>
+            <a:off x="8472458" y="4663217"/>
+            <a:ext cx="548700" cy="393600"/>
+          </a:xfrm>
+          <a:prstGeom prst="rect">
+            <a:avLst/>
+          </a:prstGeom>
+        </p:spPr>
+        <p:txBody>
+          <a:bodyPr anchorCtr="0" anchor="ctr" bIns="91425" lIns="91425" spcFirstLastPara="1" rIns="91425" wrap="square" tIns="91425">
+            <a:normAutofit/>
+          </a:bodyPr>
+          <a:lstStyle/>
           <a:p>
-            <a:pPr indent="-298450" lvl="0" marL="457200" rtl="0" algn="l">
-              <a:lnSpc>
-                <a:spcPct val="100000"/>
-              </a:lnSpc>
-              <a:spcBef>
-                <a:spcPts val="0"/>
-              </a:spcBef>
-              <a:spcAft>
-                <a:spcPts val="0"/>
-              </a:spcAft>
-              <a:buClr>
-                <a:schemeClr val="lt1"/>
-              </a:buClr>
-              <a:buSzPts val="1100"/>
-              <a:buChar char="●"/>
+            <a:pPr indent="0" lvl="0" marL="0" rtl="0" algn="r">
+              <a:spcBef>
+                <a:spcPts val="0"/>
+              </a:spcBef>
+              <a:spcAft>
+                <a:spcPts val="0"/>
+              </a:spcAft>
+              <a:buNone/>
             </a:pPr>
-            <a:r>
-              <a:rPr b="1" lang="ru" sz="1100">
-                <a:solidFill>
-                  <a:schemeClr val="lt1"/>
-                </a:solidFill>
-                <a:latin typeface="Lato"/>
-                <a:ea typeface="Lato"/>
-                <a:cs typeface="Lato"/>
-                <a:sym typeface="Lato"/>
-              </a:rPr>
-              <a:t>GMM (Gaussian Mixture Models)</a:t>
-            </a:r>
-            <a:r>
-              <a:rPr lang="ru" sz="1100">
-                <a:solidFill>
-                  <a:schemeClr val="lt1"/>
-                </a:solidFill>
-                <a:latin typeface="Lato"/>
-                <a:ea typeface="Lato"/>
-                <a:cs typeface="Lato"/>
-                <a:sym typeface="Lato"/>
-              </a:rPr>
-              <a:t> дас вероятности принадлежности к сегментам</a:t>
-            </a:r>
-            <a:endParaRPr sz="1100">
-              <a:solidFill>
-                <a:schemeClr val="lt1"/>
-              </a:solidFill>
-              <a:latin typeface="Lato"/>
-              <a:ea typeface="Lato"/>
-              <a:cs typeface="Lato"/>
-              <a:sym typeface="Lato"/>
-            </a:endParaRPr>
-          </a:p>
-          <a:p>
-            <a:pPr indent="-298450" lvl="0" marL="457200" rtl="0" algn="l">
-              <a:lnSpc>
-                <a:spcPct val="100000"/>
-              </a:lnSpc>
-              <a:spcBef>
-                <a:spcPts val="0"/>
-              </a:spcBef>
-              <a:spcAft>
-                <a:spcPts val="0"/>
-              </a:spcAft>
-              <a:buClr>
-                <a:schemeClr val="lt1"/>
-              </a:buClr>
-              <a:buSzPts val="1100"/>
-              <a:buChar char="●"/>
-            </a:pPr>
-            <a:r>
-              <a:rPr b="1" lang="ru" sz="1100">
-                <a:solidFill>
-                  <a:schemeClr val="lt1"/>
-                </a:solidFill>
-                <a:latin typeface="Lato"/>
-                <a:ea typeface="Lato"/>
-                <a:cs typeface="Lato"/>
-                <a:sym typeface="Lato"/>
-              </a:rPr>
-              <a:t>Spectral clustering</a:t>
-            </a:r>
-            <a:endParaRPr sz="1100">
-              <a:solidFill>
-                <a:schemeClr val="lt1"/>
-              </a:solidFill>
-              <a:latin typeface="Lato"/>
-              <a:ea typeface="Lato"/>
-              <a:cs typeface="Lato"/>
-              <a:sym typeface="Lato"/>
-            </a:endParaRPr>
-          </a:p>
-          <a:p>
-            <a:pPr indent="-298450" lvl="0" marL="457200" rtl="0" algn="l">
-              <a:lnSpc>
-                <a:spcPct val="100000"/>
-              </a:lnSpc>
-              <a:spcBef>
-                <a:spcPts val="0"/>
-              </a:spcBef>
-              <a:spcAft>
-                <a:spcPts val="0"/>
-              </a:spcAft>
-              <a:buClr>
-                <a:schemeClr val="lt1"/>
-              </a:buClr>
-              <a:buSzPts val="1100"/>
-              <a:buChar char="●"/>
-            </a:pPr>
-            <a:r>
-              <a:rPr b="1" lang="ru" sz="1100">
-                <a:solidFill>
-                  <a:schemeClr val="lt1"/>
-                </a:solidFill>
-                <a:latin typeface="Lato"/>
-                <a:ea typeface="Lato"/>
-                <a:cs typeface="Lato"/>
-                <a:sym typeface="Lato"/>
-              </a:rPr>
-              <a:t>SVM</a:t>
-            </a:r>
-            <a:r>
-              <a:rPr lang="ru" sz="1100">
-                <a:solidFill>
-                  <a:schemeClr val="lt1"/>
-                </a:solidFill>
-                <a:latin typeface="Lato"/>
-                <a:ea typeface="Lato"/>
-                <a:cs typeface="Lato"/>
-                <a:sym typeface="Lato"/>
-              </a:rPr>
-              <a:t> — можно использовать </a:t>
-            </a:r>
-            <a:r>
-              <a:rPr b="1" lang="ru" sz="1100">
-                <a:solidFill>
-                  <a:schemeClr val="lt1"/>
-                </a:solidFill>
-                <a:latin typeface="Lato"/>
-                <a:ea typeface="Lato"/>
-                <a:cs typeface="Lato"/>
-                <a:sym typeface="Lato"/>
-              </a:rPr>
-              <a:t>после кластеризации</a:t>
-            </a:r>
-            <a:r>
-              <a:rPr lang="ru" sz="1100">
-                <a:solidFill>
-                  <a:schemeClr val="lt1"/>
-                </a:solidFill>
-                <a:latin typeface="Lato"/>
-                <a:ea typeface="Lato"/>
-                <a:cs typeface="Lato"/>
-                <a:sym typeface="Lato"/>
-              </a:rPr>
-              <a:t>, чтобы быстро назначать кластер новым пользователям</a:t>
-            </a:r>
-            <a:endParaRPr sz="1100">
-              <a:solidFill>
-                <a:schemeClr val="lt1"/>
-              </a:solidFill>
-              <a:latin typeface="Lato"/>
-              <a:ea typeface="Lato"/>
-              <a:cs typeface="Lato"/>
-              <a:sym typeface="Lato"/>
-            </a:endParaRPr>
-          </a:p>
-          <a:p>
-            <a:pPr indent="0" lvl="0" marL="0" rtl="0" algn="l">
-              <a:lnSpc>
-                <a:spcPct val="100000"/>
-              </a:lnSpc>
-              <a:spcBef>
-                <a:spcPts val="1400"/>
-              </a:spcBef>
-              <a:spcAft>
-                <a:spcPts val="0"/>
-              </a:spcAft>
-              <a:buNone/>
-            </a:pPr>
-            <a:r>
-              <a:rPr b="1" lang="ru" sz="1100">
-                <a:solidFill>
-                  <a:schemeClr val="lt1"/>
-                </a:solidFill>
-                <a:latin typeface="Lato"/>
-                <a:ea typeface="Lato"/>
-                <a:cs typeface="Lato"/>
-                <a:sym typeface="Lato"/>
-              </a:rPr>
-              <a:t>Блок 3 — Product validation </a:t>
-            </a:r>
-            <a:endParaRPr b="1" sz="1100">
-              <a:solidFill>
-                <a:schemeClr val="lt1"/>
-              </a:solidFill>
-              <a:latin typeface="Lato"/>
-              <a:ea typeface="Lato"/>
-              <a:cs typeface="Lato"/>
-              <a:sym typeface="Lato"/>
-            </a:endParaRPr>
-          </a:p>
-          <a:p>
-            <a:pPr indent="-298450" lvl="0" marL="457200" rtl="0" algn="l">
-              <a:lnSpc>
-                <a:spcPct val="100000"/>
-              </a:lnSpc>
-              <a:spcBef>
-                <a:spcPts val="1200"/>
-              </a:spcBef>
-              <a:spcAft>
-                <a:spcPts val="0"/>
-              </a:spcAft>
-              <a:buClr>
-                <a:schemeClr val="lt1"/>
-              </a:buClr>
-              <a:buSzPts val="1100"/>
-              <a:buFont typeface="Lato"/>
-              <a:buChar char="●"/>
-            </a:pPr>
-            <a:r>
-              <a:rPr lang="ru" sz="1100">
-                <a:solidFill>
-                  <a:schemeClr val="lt1"/>
-                </a:solidFill>
-                <a:latin typeface="Lato"/>
-                <a:ea typeface="Lato"/>
-                <a:cs typeface="Lato"/>
-                <a:sym typeface="Lato"/>
-              </a:rPr>
-              <a:t>A/B-тестировать рекомендации для high-risk сегментов (0/3/6): онбординг, быстрые маршруты, избранное</a:t>
-            </a:r>
-            <a:endParaRPr sz="1100">
-              <a:solidFill>
-                <a:schemeClr val="lt1"/>
-              </a:solidFill>
-              <a:latin typeface="Lato"/>
-              <a:ea typeface="Lato"/>
-              <a:cs typeface="Lato"/>
-              <a:sym typeface="Lato"/>
-            </a:endParaRPr>
-          </a:p>
-          <a:p>
-            <a:pPr indent="-298450" lvl="0" marL="457200" rtl="0" algn="l">
-              <a:lnSpc>
-                <a:spcPct val="100000"/>
-              </a:lnSpc>
-              <a:spcBef>
-                <a:spcPts val="0"/>
-              </a:spcBef>
-              <a:spcAft>
-                <a:spcPts val="0"/>
-              </a:spcAft>
-              <a:buClr>
-                <a:schemeClr val="lt1"/>
-              </a:buClr>
-              <a:buSzPts val="1100"/>
-              <a:buFont typeface="Lato"/>
-              <a:buChar char="●"/>
-            </a:pPr>
-            <a:r>
-              <a:rPr lang="ru" sz="1100">
-                <a:solidFill>
-                  <a:schemeClr val="lt1"/>
-                </a:solidFill>
-                <a:latin typeface="Lato"/>
-                <a:ea typeface="Lato"/>
-                <a:cs typeface="Lato"/>
-                <a:sym typeface="Lato"/>
-              </a:rPr>
-              <a:t>Метрики: Retention D7/D30, конверсия в ключевые сценарии, снижение “назад/блужданий”, доля решённых заявок/успешных платежей</a:t>
-            </a:r>
-            <a:endParaRPr sz="1100">
-              <a:solidFill>
-                <a:schemeClr val="lt1"/>
-              </a:solidFill>
-              <a:latin typeface="Lato"/>
-              <a:ea typeface="Lato"/>
-              <a:cs typeface="Lato"/>
-              <a:sym typeface="Lato"/>
-            </a:endParaRPr>
-          </a:p>
-          <a:p>
-            <a:pPr indent="0" lvl="0" marL="0" rtl="0" algn="l">
-              <a:lnSpc>
-                <a:spcPct val="100000"/>
-              </a:lnSpc>
-              <a:spcBef>
-                <a:spcPts val="1200"/>
-              </a:spcBef>
-              <a:spcAft>
-                <a:spcPts val="0"/>
-              </a:spcAft>
-              <a:buNone/>
-            </a:pPr>
-            <a:r>
-              <a:t/>
-            </a:r>
-            <a:endParaRPr sz="1100">
-              <a:solidFill>
-                <a:schemeClr val="lt1"/>
-              </a:solidFill>
-              <a:latin typeface="Lato"/>
-              <a:ea typeface="Lato"/>
-              <a:cs typeface="Lato"/>
-              <a:sym typeface="Lato"/>
-            </a:endParaRPr>
+            <a:fld id="{00000000-1234-1234-1234-123412341234}" type="slidenum">
+              <a:rPr lang="ru"/>
+              <a:t>‹#›</a:t>
+            </a:fld>
+            <a:endParaRPr/>
           </a:p>
         </p:txBody>
       </p:sp>
@@ -13587,63 +13973,55 @@
         </p:spPr>
         <p:txBody>
           <a:bodyPr anchorCtr="0" anchor="t" bIns="91425" lIns="91425" spcFirstLastPara="1" rIns="91425" wrap="square" tIns="91425">
-            <a:normAutofit/>
+            <a:normAutofit fontScale="92500" lnSpcReduction="20000"/>
           </a:bodyPr>
           <a:lstStyle/>
           <a:p>
-            <a:pPr indent="-330200" lvl="0" marL="457200" rtl="0" algn="l">
-              <a:spcBef>
-                <a:spcPts val="0"/>
-              </a:spcBef>
-              <a:spcAft>
-                <a:spcPts val="0"/>
-              </a:spcAft>
-              <a:buSzPts val="1600"/>
+            <a:pPr indent="-322580" lvl="0" marL="457200" rtl="0" algn="l">
+              <a:spcBef>
+                <a:spcPts val="0"/>
+              </a:spcBef>
+              <a:spcAft>
+                <a:spcPts val="0"/>
+              </a:spcAft>
+              <a:buSzPct val="100000"/>
               <a:buChar char="●"/>
             </a:pPr>
             <a:r>
               <a:rPr lang="ru" sz="1600"/>
               <a:t>Приложение: платежи, заявки, собрания, новости/чат, взаимодействие с УК</a:t>
             </a:r>
-            <a:br>
-              <a:rPr lang="ru" sz="1600"/>
-            </a:br>
             <a:endParaRPr sz="1600"/>
           </a:p>
           <a:p>
-            <a:pPr indent="-330200" lvl="0" marL="457200" rtl="0" algn="l">
-              <a:spcBef>
-                <a:spcPts val="0"/>
-              </a:spcBef>
-              <a:spcAft>
-                <a:spcPts val="0"/>
-              </a:spcAft>
-              <a:buSzPts val="1600"/>
-              <a:buChar char="●"/>
+            <a:pPr indent="0" lvl="0" marL="457200" rtl="0" algn="l">
+              <a:spcBef>
+                <a:spcPts val="1200"/>
+              </a:spcBef>
+              <a:spcAft>
+                <a:spcPts val="0"/>
+              </a:spcAft>
+              <a:buNone/>
             </a:pPr>
             <a:r>
-              <a:rPr lang="ru" sz="1600"/>
-              <a:t>Цель: выявить паттерны поведения, сегменты пользователей, прогнозировать отток пользователей ( активность более 30 дней -&gt; churn_30d)</a:t>
-            </a:r>
-            <a:br>
-              <a:rPr lang="ru" sz="1600"/>
-            </a:br>
+              <a:t/>
+            </a:r>
             <a:endParaRPr sz="1600"/>
           </a:p>
           <a:p>
-            <a:pPr indent="-330200" lvl="0" marL="457200" rtl="0" algn="l">
-              <a:spcBef>
-                <a:spcPts val="0"/>
-              </a:spcBef>
-              <a:spcAft>
-                <a:spcPts val="0"/>
-              </a:spcAft>
-              <a:buSzPts val="1600"/>
+            <a:pPr indent="-322580" lvl="0" marL="457200" rtl="0" algn="l">
+              <a:spcBef>
+                <a:spcPts val="1200"/>
+              </a:spcBef>
+              <a:spcAft>
+                <a:spcPts val="0"/>
+              </a:spcAft>
+              <a:buSzPct val="100000"/>
               <a:buChar char="●"/>
             </a:pPr>
             <a:r>
               <a:rPr lang="ru" sz="1600"/>
-              <a:t>Фокус проекта: EDA + сегментация + churn-модель (без NLP)</a:t>
+              <a:t>Бизнес-цель: увеличить охват и регулярное использование сервиса жильцами → выше эффективность использования городского бюджета</a:t>
             </a:r>
             <a:endParaRPr sz="1600"/>
           </a:p>
@@ -13653,12 +14031,61 @@
                 <a:spcPts val="1200"/>
               </a:spcBef>
               <a:spcAft>
+                <a:spcPts val="0"/>
+              </a:spcAft>
+              <a:buNone/>
+            </a:pPr>
+            <a:r>
+              <a:t/>
+            </a:r>
+            <a:endParaRPr sz="1600"/>
+          </a:p>
+          <a:p>
+            <a:pPr indent="-322580" lvl="0" marL="457200" rtl="0" algn="l">
+              <a:spcBef>
                 <a:spcPts val="1200"/>
-              </a:spcAft>
-              <a:buNone/>
+              </a:spcBef>
+              <a:spcAft>
+                <a:spcPts val="0"/>
+              </a:spcAft>
+              <a:buSzPct val="100000"/>
+              <a:buChar char="●"/>
             </a:pPr>
             <a:r>
+              <a:rPr lang="ru" sz="1600"/>
+              <a:t>Аналитическая цель: выявить паттерны поведения, сегменты пользователей, прогнозировать отток пользователей ( нет активности &gt; 30 дней -&gt; churn_30d)</a:t>
+            </a:r>
+            <a:endParaRPr sz="1600"/>
+          </a:p>
+          <a:p>
+            <a:pPr indent="0" lvl="0" marL="0" rtl="0" algn="l">
+              <a:spcBef>
+                <a:spcPts val="1200"/>
+              </a:spcBef>
+              <a:spcAft>
+                <a:spcPts val="0"/>
+              </a:spcAft>
+              <a:buNone/>
+            </a:pPr>
+            <a:r>
               <a:t/>
+            </a:r>
+            <a:endParaRPr sz="1600"/>
+          </a:p>
+          <a:p>
+            <a:pPr indent="-322580" lvl="0" marL="457200" rtl="0" algn="l">
+              <a:spcBef>
+                <a:spcPts val="1200"/>
+              </a:spcBef>
+              <a:spcAft>
+                <a:spcPts val="0"/>
+              </a:spcAft>
+              <a:buSzPct val="100000"/>
+              <a:buChar char="●"/>
+            </a:pPr>
+            <a:r>
+              <a:rPr lang="ru" sz="1600"/>
+              <a:t>Фокус проекта: EDA + сегментация + churn-модель </a:t>
             </a:r>
             <a:endParaRPr sz="1600"/>
           </a:p>
@@ -13680,8 +14107,8 @@
         </p:blipFill>
         <p:spPr>
           <a:xfrm>
-            <a:off x="5142725" y="3660356"/>
-            <a:ext cx="3408399" cy="1089225"/>
+            <a:off x="5586475" y="4060100"/>
+            <a:ext cx="3118951" cy="996725"/>
           </a:xfrm>
           <a:prstGeom prst="rect">
             <a:avLst/>
@@ -13699,6 +14126,46 @@
           </a:effectLst>
         </p:spPr>
       </p:pic>
+      <p:sp>
+        <p:nvSpPr>
+          <p:cNvPr id="146" name="Google Shape;146;p14"/>
+          <p:cNvSpPr txBox="1"/>
+          <p:nvPr>
+            <p:ph idx="12" type="sldNum"/>
+          </p:nvPr>
+        </p:nvSpPr>
+        <p:spPr>
+          <a:xfrm>
+            <a:off x="8472458" y="4663217"/>
+            <a:ext cx="548700" cy="393600"/>
+          </a:xfrm>
+          <a:prstGeom prst="rect">
+            <a:avLst/>
+          </a:prstGeom>
+        </p:spPr>
+        <p:txBody>
+          <a:bodyPr anchorCtr="0" anchor="ctr" bIns="91425" lIns="91425" spcFirstLastPara="1" rIns="91425" wrap="square" tIns="91425">
+            <a:normAutofit/>
+          </a:bodyPr>
+          <a:lstStyle/>
+          <a:p>
+            <a:pPr indent="0" lvl="0" marL="0" rtl="0" algn="r">
+              <a:spcBef>
+                <a:spcPts val="0"/>
+              </a:spcBef>
+              <a:spcAft>
+                <a:spcPts val="0"/>
+              </a:spcAft>
+              <a:buNone/>
+            </a:pPr>
+            <a:fld id="{00000000-1234-1234-1234-123412341234}" type="slidenum">
+              <a:rPr lang="ru"/>
+              <a:t>‹#›</a:t>
+            </a:fld>
+            <a:endParaRPr/>
+          </a:p>
+        </p:txBody>
+      </p:sp>
     </p:spTree>
   </p:cSld>
   <p:clrMapOvr>
@@ -13798,7 +14265,7 @@
   <p:cSld>
     <p:spTree>
       <p:nvGrpSpPr>
-        <p:cNvPr id="149" name="Shape 149"/>
+        <p:cNvPr id="150" name="Shape 150"/>
         <p:cNvGrpSpPr/>
         <p:nvPr/>
       </p:nvGrpSpPr>
@@ -13812,7 +14279,7 @@
       </p:grpSpPr>
       <p:sp>
         <p:nvSpPr>
-          <p:cNvPr id="150" name="Google Shape;150;p15"/>
+          <p:cNvPr id="151" name="Google Shape;151;p15"/>
           <p:cNvSpPr txBox="1"/>
           <p:nvPr>
             <p:ph type="title"/>
@@ -13852,7 +14319,7 @@
       </p:sp>
       <p:sp>
         <p:nvSpPr>
-          <p:cNvPr id="151" name="Google Shape;151;p15"/>
+          <p:cNvPr id="152" name="Google Shape;152;p15"/>
           <p:cNvSpPr txBox="1"/>
           <p:nvPr>
             <p:ph idx="4294967295" type="body"/>
@@ -13941,7 +14408,7 @@
             <a:endParaRPr b="1" sz="1100"/>
           </a:p>
           <a:p>
-            <a:pPr indent="0" lvl="0" marL="457200" rtl="0" algn="l">
+            <a:pPr indent="0" lvl="0" marL="0" rtl="0" algn="l">
               <a:spcBef>
                 <a:spcPts val="800"/>
               </a:spcBef>
@@ -13952,30 +14419,13 @@
             </a:pPr>
             <a:r>
               <a:t/>
-            </a:r>
-            <a:endParaRPr b="1" sz="1100"/>
-          </a:p>
-          <a:p>
-            <a:pPr indent="-298450" lvl="0" marL="457200" rtl="0" algn="l">
-              <a:spcBef>
-                <a:spcPts val="800"/>
-              </a:spcBef>
-              <a:spcAft>
-                <a:spcPts val="0"/>
-              </a:spcAft>
-              <a:buSzPts val="1100"/>
-              <a:buChar char="●"/>
-            </a:pPr>
-            <a:r>
-              <a:rPr lang="ru" sz="1100"/>
-              <a:t>Единица пользователя: устройство (user_id нет)</a:t>
             </a:r>
             <a:endParaRPr sz="1100"/>
           </a:p>
           <a:p>
             <a:pPr indent="-298450" lvl="0" marL="457200" rtl="0" algn="l">
               <a:spcBef>
-                <a:spcPts val="0"/>
+                <a:spcPts val="800"/>
               </a:spcBef>
               <a:spcAft>
                 <a:spcPts val="0"/>
@@ -13994,7 +14444,7 @@
             </a:r>
             <a:r>
               <a:rPr lang="ru" sz="1100"/>
-              <a:t> &gt; 30 дней</a:t>
+              <a:t> = нет событий &gt; 30 дней</a:t>
             </a:r>
             <a:endParaRPr sz="1600"/>
           </a:p>
@@ -14002,7 +14452,7 @@
       </p:sp>
       <p:sp>
         <p:nvSpPr>
-          <p:cNvPr id="152" name="Google Shape;152;p15"/>
+          <p:cNvPr id="153" name="Google Shape;153;p15"/>
           <p:cNvSpPr txBox="1"/>
           <p:nvPr>
             <p:ph idx="4294967295" type="body"/>
@@ -14034,29 +14484,27 @@
               <a:buChar char="●"/>
             </a:pPr>
             <a:r>
-              <a:rPr lang="ru" sz="1100">
-                <a:latin typeface="Arial"/>
-                <a:ea typeface="Arial"/>
-                <a:cs typeface="Arial"/>
-                <a:sym typeface="Arial"/>
-              </a:rPr>
-              <a:t>Парсинг времени, создание </a:t>
-            </a:r>
-            <a:r>
-              <a:rPr lang="ru" sz="1100">
-                <a:latin typeface="Roboto Mono"/>
-                <a:ea typeface="Roboto Mono"/>
-                <a:cs typeface="Roboto Mono"/>
-                <a:sym typeface="Roboto Mono"/>
-              </a:rPr>
-              <a:t>date/hour/weekday</a:t>
-            </a:r>
-            <a:endParaRPr sz="1100">
-              <a:latin typeface="Roboto Mono"/>
-              <a:ea typeface="Roboto Mono"/>
-              <a:cs typeface="Roboto Mono"/>
-              <a:sym typeface="Roboto Mono"/>
-            </a:endParaRPr>
+              <a:rPr lang="ru" sz="1100"/>
+              <a:t>Удалены дубликаты</a:t>
+            </a:r>
+            <a:endParaRPr sz="1100"/>
+          </a:p>
+          <a:p>
+            <a:pPr indent="-298450" lvl="0" marL="457200" rtl="0" algn="l">
+              <a:spcBef>
+                <a:spcPts val="0"/>
+              </a:spcBef>
+              <a:spcAft>
+                <a:spcPts val="0"/>
+              </a:spcAft>
+              <a:buSzPts val="1100"/>
+              <a:buChar char="●"/>
+            </a:pPr>
+            <a:r>
+              <a:rPr lang="ru" sz="1100"/>
+              <a:t>Обработка временных типов данных</a:t>
+            </a:r>
+            <a:endParaRPr sz="1100"/>
           </a:p>
           <a:p>
             <a:pPr indent="-298450" lvl="0" marL="457200" rtl="0" algn="l">
@@ -14106,13 +14554,17 @@
               <a:buChar char="●"/>
             </a:pPr>
             <a:r>
+              <a:rPr lang="ru" sz="1100"/>
+              <a:t>Категории приведены к типу</a:t>
+            </a:r>
+            <a:r>
               <a:rPr lang="ru" sz="1100">
                 <a:latin typeface="Arial"/>
                 <a:ea typeface="Arial"/>
                 <a:cs typeface="Arial"/>
                 <a:sym typeface="Arial"/>
               </a:rPr>
-              <a:t>Категории → </a:t>
+              <a:t> </a:t>
             </a:r>
             <a:r>
               <a:rPr lang="ru" sz="1100">
@@ -14146,6 +14598,46 @@
               <a:t>Работа с пропусками: “Действие” ~52% (не для всех событий фиксируется)</a:t>
             </a:r>
             <a:endParaRPr sz="1100"/>
+          </a:p>
+        </p:txBody>
+      </p:sp>
+      <p:sp>
+        <p:nvSpPr>
+          <p:cNvPr id="154" name="Google Shape;154;p15"/>
+          <p:cNvSpPr txBox="1"/>
+          <p:nvPr>
+            <p:ph idx="12" type="sldNum"/>
+          </p:nvPr>
+        </p:nvSpPr>
+        <p:spPr>
+          <a:xfrm>
+            <a:off x="8472458" y="4663217"/>
+            <a:ext cx="548700" cy="393600"/>
+          </a:xfrm>
+          <a:prstGeom prst="rect">
+            <a:avLst/>
+          </a:prstGeom>
+        </p:spPr>
+        <p:txBody>
+          <a:bodyPr anchorCtr="0" anchor="ctr" bIns="91425" lIns="91425" spcFirstLastPara="1" rIns="91425" wrap="square" tIns="91425">
+            <a:normAutofit/>
+          </a:bodyPr>
+          <a:lstStyle/>
+          <a:p>
+            <a:pPr indent="0" lvl="0" marL="0" rtl="0" algn="r">
+              <a:spcBef>
+                <a:spcPts val="0"/>
+              </a:spcBef>
+              <a:spcAft>
+                <a:spcPts val="0"/>
+              </a:spcAft>
+              <a:buNone/>
+            </a:pPr>
+            <a:fld id="{00000000-1234-1234-1234-123412341234}" type="slidenum">
+              <a:rPr lang="ru"/>
+              <a:t>‹#›</a:t>
+            </a:fld>
+            <a:endParaRPr/>
           </a:p>
         </p:txBody>
       </p:sp>
@@ -14162,7 +14654,7 @@
   <p:cSld>
     <p:spTree>
       <p:nvGrpSpPr>
-        <p:cNvPr id="156" name="Shape 156"/>
+        <p:cNvPr id="158" name="Shape 158"/>
         <p:cNvGrpSpPr/>
         <p:nvPr/>
       </p:nvGrpSpPr>
@@ -14176,7 +14668,7 @@
       </p:grpSpPr>
       <p:sp>
         <p:nvSpPr>
-          <p:cNvPr id="157" name="Google Shape;157;p16"/>
+          <p:cNvPr id="159" name="Google Shape;159;p16"/>
           <p:cNvSpPr txBox="1"/>
           <p:nvPr>
             <p:ph type="title"/>
@@ -14216,7 +14708,7 @@
       </p:sp>
       <p:pic>
         <p:nvPicPr>
-          <p:cNvPr id="158" name="Google Shape;158;p16"/>
+          <p:cNvPr id="160" name="Google Shape;160;p16"/>
           <p:cNvPicPr preferRelativeResize="0"/>
           <p:nvPr/>
         </p:nvPicPr>
@@ -14230,8 +14722,8 @@
         </p:blipFill>
         <p:spPr>
           <a:xfrm>
-            <a:off x="612050" y="935425"/>
-            <a:ext cx="3399949" cy="2249501"/>
+            <a:off x="1297500" y="3012395"/>
+            <a:ext cx="3089974" cy="2044418"/>
           </a:xfrm>
           <a:prstGeom prst="rect">
             <a:avLst/>
@@ -14244,7 +14736,7 @@
       </p:pic>
       <p:pic>
         <p:nvPicPr>
-          <p:cNvPr id="159" name="Google Shape;159;p16"/>
+          <p:cNvPr id="161" name="Google Shape;161;p16"/>
           <p:cNvPicPr preferRelativeResize="0"/>
           <p:nvPr/>
         </p:nvPicPr>
@@ -14258,8 +14750,8 @@
         </p:blipFill>
         <p:spPr>
           <a:xfrm>
-            <a:off x="5446917" y="921600"/>
-            <a:ext cx="3406382" cy="2249501"/>
+            <a:off x="4387475" y="3012395"/>
+            <a:ext cx="3089974" cy="2040554"/>
           </a:xfrm>
           <a:prstGeom prst="rect">
             <a:avLst/>
@@ -14272,7 +14764,7 @@
       </p:pic>
       <p:pic>
         <p:nvPicPr>
-          <p:cNvPr id="160" name="Google Shape;160;p16"/>
+          <p:cNvPr id="162" name="Google Shape;162;p16"/>
           <p:cNvPicPr preferRelativeResize="0"/>
           <p:nvPr/>
         </p:nvPicPr>
@@ -14286,8 +14778,8 @@
         </p:blipFill>
         <p:spPr>
           <a:xfrm>
-            <a:off x="3489350" y="3251300"/>
-            <a:ext cx="5363949" cy="1892200"/>
+            <a:off x="3914975" y="1011150"/>
+            <a:ext cx="5070624" cy="1788725"/>
           </a:xfrm>
           <a:prstGeom prst="rect">
             <a:avLst/>
@@ -14300,14 +14792,14 @@
       </p:pic>
       <p:sp>
         <p:nvSpPr>
-          <p:cNvPr id="161" name="Google Shape;161;p16"/>
+          <p:cNvPr id="163" name="Google Shape;163;p16"/>
           <p:cNvSpPr txBox="1"/>
           <p:nvPr/>
         </p:nvSpPr>
         <p:spPr>
           <a:xfrm>
-            <a:off x="102925" y="3251300"/>
-            <a:ext cx="3325200" cy="1827300"/>
+            <a:off x="153975" y="1185100"/>
+            <a:ext cx="3706500" cy="1827300"/>
           </a:xfrm>
           <a:prstGeom prst="rect">
             <a:avLst/>
@@ -14495,6 +14987,125 @@
               <a:sym typeface="Lato"/>
             </a:endParaRPr>
           </a:p>
+          <a:p>
+            <a:pPr indent="0" lvl="0" marL="0" rtl="0" algn="l">
+              <a:spcBef>
+                <a:spcPts val="0"/>
+              </a:spcBef>
+              <a:spcAft>
+                <a:spcPts val="0"/>
+              </a:spcAft>
+              <a:buNone/>
+            </a:pPr>
+            <a:r>
+              <a:t/>
+            </a:r>
+            <a:endParaRPr sz="1100">
+              <a:solidFill>
+                <a:schemeClr val="lt1"/>
+              </a:solidFill>
+              <a:latin typeface="Lato"/>
+              <a:ea typeface="Lato"/>
+              <a:cs typeface="Lato"/>
+              <a:sym typeface="Lato"/>
+            </a:endParaRPr>
+          </a:p>
+          <a:p>
+            <a:pPr indent="0" lvl="0" marL="0" rtl="0" algn="l">
+              <a:spcBef>
+                <a:spcPts val="0"/>
+              </a:spcBef>
+              <a:spcAft>
+                <a:spcPts val="0"/>
+              </a:spcAft>
+              <a:buNone/>
+            </a:pPr>
+            <a:r>
+              <a:rPr lang="ru" sz="1100">
+                <a:solidFill>
+                  <a:schemeClr val="lt1"/>
+                </a:solidFill>
+                <a:latin typeface="Lato"/>
+                <a:ea typeface="Lato"/>
+                <a:cs typeface="Lato"/>
+                <a:sym typeface="Lato"/>
+              </a:rPr>
+              <a:t>Полезная информация для </a:t>
+            </a:r>
+            <a:r>
+              <a:rPr lang="ru" sz="1100">
+                <a:solidFill>
+                  <a:schemeClr val="lt1"/>
+                </a:solidFill>
+                <a:latin typeface="Lato"/>
+                <a:ea typeface="Lato"/>
+                <a:cs typeface="Lato"/>
+                <a:sym typeface="Lato"/>
+              </a:rPr>
+              <a:t>коммуникации</a:t>
+            </a:r>
+            <a:r>
+              <a:rPr lang="ru" sz="1100">
+                <a:solidFill>
+                  <a:schemeClr val="lt1"/>
+                </a:solidFill>
+                <a:latin typeface="Lato"/>
+                <a:ea typeface="Lato"/>
+                <a:cs typeface="Lato"/>
+                <a:sym typeface="Lato"/>
+              </a:rPr>
+              <a:t> с пользователями</a:t>
+            </a:r>
+            <a:endParaRPr sz="1100">
+              <a:solidFill>
+                <a:schemeClr val="lt1"/>
+              </a:solidFill>
+              <a:latin typeface="Lato"/>
+              <a:ea typeface="Lato"/>
+              <a:cs typeface="Lato"/>
+              <a:sym typeface="Lato"/>
+            </a:endParaRPr>
+          </a:p>
+        </p:txBody>
+      </p:sp>
+      <p:sp>
+        <p:nvSpPr>
+          <p:cNvPr id="164" name="Google Shape;164;p16"/>
+          <p:cNvSpPr txBox="1"/>
+          <p:nvPr>
+            <p:ph idx="12" type="sldNum"/>
+          </p:nvPr>
+        </p:nvSpPr>
+        <p:spPr>
+          <a:xfrm>
+            <a:off x="8472458" y="4663217"/>
+            <a:ext cx="548700" cy="393600"/>
+          </a:xfrm>
+          <a:prstGeom prst="rect">
+            <a:avLst/>
+          </a:prstGeom>
+        </p:spPr>
+        <p:txBody>
+          <a:bodyPr anchorCtr="0" anchor="ctr" bIns="91425" lIns="91425" spcFirstLastPara="1" rIns="91425" wrap="square" tIns="91425">
+            <a:normAutofit/>
+          </a:bodyPr>
+          <a:lstStyle/>
+          <a:p>
+            <a:pPr indent="0" lvl="0" marL="0" rtl="0" algn="r">
+              <a:spcBef>
+                <a:spcPts val="0"/>
+              </a:spcBef>
+              <a:spcAft>
+                <a:spcPts val="0"/>
+              </a:spcAft>
+              <a:buNone/>
+            </a:pPr>
+            <a:fld id="{00000000-1234-1234-1234-123412341234}" type="slidenum">
+              <a:rPr lang="ru"/>
+              <a:t>‹#›</a:t>
+            </a:fld>
+            <a:endParaRPr/>
+          </a:p>
         </p:txBody>
       </p:sp>
     </p:spTree>
@@ -14510,7 +15121,7 @@
   <p:cSld>
     <p:spTree>
       <p:nvGrpSpPr>
-        <p:cNvPr id="165" name="Shape 165"/>
+        <p:cNvPr id="168" name="Shape 168"/>
         <p:cNvGrpSpPr/>
         <p:nvPr/>
       </p:nvGrpSpPr>
@@ -14524,7 +15135,7 @@
       </p:grpSpPr>
       <p:sp>
         <p:nvSpPr>
-          <p:cNvPr id="166" name="Google Shape;166;p17"/>
+          <p:cNvPr id="169" name="Google Shape;169;p17"/>
           <p:cNvSpPr txBox="1"/>
           <p:nvPr>
             <p:ph type="title"/>
@@ -14556,22 +15167,50 @@
             </a:pPr>
             <a:r>
               <a:rPr lang="ru"/>
-              <a:t>Продуктовые разделы + User-level </a:t>
+              <a:t>User-level </a:t>
             </a:r>
             <a:endParaRPr/>
           </a:p>
         </p:txBody>
       </p:sp>
+      <p:pic>
+        <p:nvPicPr>
+          <p:cNvPr id="170" name="Google Shape;170;p17"/>
+          <p:cNvPicPr preferRelativeResize="0"/>
+          <p:nvPr/>
+        </p:nvPicPr>
+        <p:blipFill>
+          <a:blip r:embed="rId3">
+            <a:alphaModFix/>
+          </a:blip>
+          <a:stretch>
+            <a:fillRect/>
+          </a:stretch>
+        </p:blipFill>
+        <p:spPr>
+          <a:xfrm>
+            <a:off x="2234225" y="982525"/>
+            <a:ext cx="4090524" cy="2701290"/>
+          </a:xfrm>
+          <a:prstGeom prst="rect">
+            <a:avLst/>
+          </a:prstGeom>
+          <a:noFill/>
+          <a:ln>
+            <a:noFill/>
+          </a:ln>
+        </p:spPr>
+      </p:pic>
       <p:sp>
         <p:nvSpPr>
-          <p:cNvPr id="167" name="Google Shape;167;p17"/>
+          <p:cNvPr id="171" name="Google Shape;171;p17"/>
           <p:cNvSpPr txBox="1"/>
           <p:nvPr/>
         </p:nvSpPr>
         <p:spPr>
           <a:xfrm>
-            <a:off x="75275" y="4105425"/>
-            <a:ext cx="3809100" cy="855600"/>
+            <a:off x="1943288" y="3929250"/>
+            <a:ext cx="4548900" cy="855600"/>
           </a:xfrm>
           <a:prstGeom prst="rect">
             <a:avLst/>
@@ -14606,7 +15245,7 @@
                 <a:cs typeface="Lato"/>
                 <a:sym typeface="Lato"/>
               </a:rPr>
-              <a:t>“Ещё” — главный хаб навигации (самая большая доля)</a:t>
+              <a:t>Сильная неоднородность: много пользователей с малым числом событий</a:t>
             </a:r>
             <a:br>
               <a:rPr lang="ru" sz="1100">
@@ -14649,121 +15288,7 @@
                 <a:cs typeface="Lato"/>
                 <a:sym typeface="Lato"/>
               </a:rPr>
-              <a:t>“Новая заявка / Заявки / Мой дом …” — ключевые сценарии</a:t>
-            </a:r>
-            <a:endParaRPr sz="1100">
-              <a:solidFill>
-                <a:schemeClr val="lt1"/>
-              </a:solidFill>
-              <a:latin typeface="Lato"/>
-              <a:ea typeface="Lato"/>
-              <a:cs typeface="Lato"/>
-              <a:sym typeface="Lato"/>
-            </a:endParaRPr>
-          </a:p>
-        </p:txBody>
-      </p:sp>
-      <p:pic>
-        <p:nvPicPr>
-          <p:cNvPr id="168" name="Google Shape;168;p17"/>
-          <p:cNvPicPr preferRelativeResize="0"/>
-          <p:nvPr/>
-        </p:nvPicPr>
-        <p:blipFill>
-          <a:blip r:embed="rId3">
-            <a:alphaModFix/>
-          </a:blip>
-          <a:stretch>
-            <a:fillRect/>
-          </a:stretch>
-        </p:blipFill>
-        <p:spPr>
-          <a:xfrm>
-            <a:off x="358950" y="1017800"/>
-            <a:ext cx="2943225" cy="2990850"/>
-          </a:xfrm>
-          <a:prstGeom prst="rect">
-            <a:avLst/>
-          </a:prstGeom>
-          <a:noFill/>
-          <a:ln>
-            <a:noFill/>
-          </a:ln>
-        </p:spPr>
-      </p:pic>
-      <p:pic>
-        <p:nvPicPr>
-          <p:cNvPr id="169" name="Google Shape;169;p17"/>
-          <p:cNvPicPr preferRelativeResize="0"/>
-          <p:nvPr/>
-        </p:nvPicPr>
-        <p:blipFill>
-          <a:blip r:embed="rId4">
-            <a:alphaModFix/>
-          </a:blip>
-          <a:stretch>
-            <a:fillRect/>
-          </a:stretch>
-        </p:blipFill>
-        <p:spPr>
-          <a:xfrm>
-            <a:off x="4465525" y="1017800"/>
-            <a:ext cx="4090524" cy="2701290"/>
-          </a:xfrm>
-          <a:prstGeom prst="rect">
-            <a:avLst/>
-          </a:prstGeom>
-          <a:noFill/>
-          <a:ln>
-            <a:noFill/>
-          </a:ln>
-        </p:spPr>
-      </p:pic>
-      <p:sp>
-        <p:nvSpPr>
-          <p:cNvPr id="170" name="Google Shape;170;p17"/>
-          <p:cNvSpPr txBox="1"/>
-          <p:nvPr/>
-        </p:nvSpPr>
-        <p:spPr>
-          <a:xfrm>
-            <a:off x="4264750" y="4105425"/>
-            <a:ext cx="4548900" cy="855600"/>
-          </a:xfrm>
-          <a:prstGeom prst="rect">
-            <a:avLst/>
-          </a:prstGeom>
-          <a:noFill/>
-          <a:ln>
-            <a:noFill/>
-          </a:ln>
-        </p:spPr>
-        <p:txBody>
-          <a:bodyPr anchorCtr="0" anchor="t" bIns="91425" lIns="91425" spcFirstLastPara="1" rIns="91425" wrap="square" tIns="91425">
-            <a:noAutofit/>
-          </a:bodyPr>
-          <a:lstStyle/>
-          <a:p>
-            <a:pPr indent="0" lvl="0" marL="0" rtl="0" algn="l">
-              <a:spcBef>
-                <a:spcPts val="0"/>
-              </a:spcBef>
-              <a:spcAft>
-                <a:spcPts val="0"/>
-              </a:spcAft>
-              <a:buNone/>
-            </a:pPr>
-            <a:r>
-              <a:rPr lang="ru" sz="1100">
-                <a:solidFill>
-                  <a:schemeClr val="lt1"/>
-                </a:solidFill>
-                <a:latin typeface="Lato"/>
-                <a:ea typeface="Lato"/>
-                <a:cs typeface="Lato"/>
-                <a:sym typeface="Lato"/>
-              </a:rPr>
-              <a:t>Сильная неоднородность: много пользователей с малым числом событий</a:t>
+              <a:t>Небольшой сегмент “power users” генерирует много действий</a:t>
             </a:r>
             <a:br>
               <a:rPr lang="ru" sz="1100">
@@ -14806,7 +15331,524 @@
                 <a:cs typeface="Lato"/>
                 <a:sym typeface="Lato"/>
               </a:rPr>
-              <a:t>Небольшой сегмент “power users” генерирует много действий</a:t>
+              <a:t>Это мотивирует сегментацию</a:t>
+            </a:r>
+            <a:endParaRPr sz="1100">
+              <a:solidFill>
+                <a:schemeClr val="lt1"/>
+              </a:solidFill>
+              <a:latin typeface="Lato"/>
+              <a:ea typeface="Lato"/>
+              <a:cs typeface="Lato"/>
+              <a:sym typeface="Lato"/>
+            </a:endParaRPr>
+          </a:p>
+          <a:p>
+            <a:pPr indent="0" lvl="0" marL="0" rtl="0" algn="l">
+              <a:spcBef>
+                <a:spcPts val="0"/>
+              </a:spcBef>
+              <a:spcAft>
+                <a:spcPts val="0"/>
+              </a:spcAft>
+              <a:buNone/>
+            </a:pPr>
+            <a:r>
+              <a:t/>
+            </a:r>
+            <a:endParaRPr sz="1100">
+              <a:solidFill>
+                <a:schemeClr val="lt1"/>
+              </a:solidFill>
+              <a:latin typeface="Lato"/>
+              <a:ea typeface="Lato"/>
+              <a:cs typeface="Lato"/>
+              <a:sym typeface="Lato"/>
+            </a:endParaRPr>
+          </a:p>
+        </p:txBody>
+      </p:sp>
+      <p:sp>
+        <p:nvSpPr>
+          <p:cNvPr id="172" name="Google Shape;172;p17"/>
+          <p:cNvSpPr txBox="1"/>
+          <p:nvPr>
+            <p:ph idx="12" type="sldNum"/>
+          </p:nvPr>
+        </p:nvSpPr>
+        <p:spPr>
+          <a:xfrm>
+            <a:off x="8472458" y="4663217"/>
+            <a:ext cx="548700" cy="393600"/>
+          </a:xfrm>
+          <a:prstGeom prst="rect">
+            <a:avLst/>
+          </a:prstGeom>
+        </p:spPr>
+        <p:txBody>
+          <a:bodyPr anchorCtr="0" anchor="ctr" bIns="91425" lIns="91425" spcFirstLastPara="1" rIns="91425" wrap="square" tIns="91425">
+            <a:normAutofit/>
+          </a:bodyPr>
+          <a:lstStyle/>
+          <a:p>
+            <a:pPr indent="0" lvl="0" marL="0" rtl="0" algn="r">
+              <a:spcBef>
+                <a:spcPts val="0"/>
+              </a:spcBef>
+              <a:spcAft>
+                <a:spcPts val="0"/>
+              </a:spcAft>
+              <a:buNone/>
+            </a:pPr>
+            <a:fld id="{00000000-1234-1234-1234-123412341234}" type="slidenum">
+              <a:rPr lang="ru"/>
+              <a:t>‹#›</a:t>
+            </a:fld>
+            <a:endParaRPr/>
+          </a:p>
+        </p:txBody>
+      </p:sp>
+    </p:spTree>
+  </p:cSld>
+  <p:clrMapOvr>
+    <a:masterClrMapping/>
+  </p:clrMapOvr>
+</p:sld>
+</file>
+
+<file path=ppt/slides/slide6.xml><?xml version="1.0" encoding="utf-8"?>
+<p:sld xmlns:a="http://schemas.openxmlformats.org/drawingml/2006/main" xmlns:r="http://schemas.openxmlformats.org/officeDocument/2006/relationships" xmlns:mc="http://schemas.openxmlformats.org/markup-compatibility/2006" xmlns:mv="urn:schemas-microsoft-com:mac:vml" xmlns:p="http://schemas.openxmlformats.org/presentationml/2006/main" xmlns:c="http://schemas.openxmlformats.org/drawingml/2006/chart" xmlns:dgm="http://schemas.openxmlformats.org/drawingml/2006/diagram" xmlns:o="urn:schemas-microsoft-com:office:office" xmlns:v="urn:schemas-microsoft-com:vml" xmlns:pvml="urn:schemas-microsoft-com:office:powerpoint" xmlns:com="http://schemas.openxmlformats.org/drawingml/2006/compatibility" xmlns:p14="http://schemas.microsoft.com/office/powerpoint/2010/main" xmlns:p15="http://schemas.microsoft.com/office/powerpoint/2012/main" xmlns:ahyp="http://schemas.microsoft.com/office/drawing/2018/hyperlinkcolor">
+  <p:cSld>
+    <p:spTree>
+      <p:nvGrpSpPr>
+        <p:cNvPr id="176" name="Shape 176"/>
+        <p:cNvGrpSpPr/>
+        <p:nvPr/>
+      </p:nvGrpSpPr>
+      <p:grpSpPr>
+        <a:xfrm>
+          <a:off x="0" y="0"/>
+          <a:ext cx="0" cy="0"/>
+          <a:chOff x="0" y="0"/>
+          <a:chExt cx="0" cy="0"/>
+        </a:xfrm>
+      </p:grpSpPr>
+      <p:sp>
+        <p:nvSpPr>
+          <p:cNvPr id="177" name="Google Shape;177;p18"/>
+          <p:cNvSpPr txBox="1"/>
+          <p:nvPr>
+            <p:ph type="title"/>
+          </p:nvPr>
+        </p:nvSpPr>
+        <p:spPr>
+          <a:xfrm>
+            <a:off x="1297500" y="393750"/>
+            <a:ext cx="7038900" cy="914100"/>
+          </a:xfrm>
+          <a:prstGeom prst="rect">
+            <a:avLst/>
+          </a:prstGeom>
+        </p:spPr>
+        <p:txBody>
+          <a:bodyPr anchorCtr="0" anchor="t" bIns="91425" lIns="91425" spcFirstLastPara="1" rIns="91425" wrap="square" tIns="91425">
+            <a:normAutofit/>
+          </a:bodyPr>
+          <a:lstStyle/>
+          <a:p>
+            <a:pPr indent="0" lvl="0" marL="0" rtl="0" algn="l">
+              <a:spcBef>
+                <a:spcPts val="0"/>
+              </a:spcBef>
+              <a:spcAft>
+                <a:spcPts val="0"/>
+              </a:spcAft>
+              <a:buNone/>
+            </a:pPr>
+            <a:r>
+              <a:rPr lang="ru"/>
+              <a:t>Churn definition + базовые различия</a:t>
+            </a:r>
+            <a:endParaRPr/>
+          </a:p>
+        </p:txBody>
+      </p:sp>
+      <p:sp>
+        <p:nvSpPr>
+          <p:cNvPr id="178" name="Google Shape;178;p18"/>
+          <p:cNvSpPr txBox="1"/>
+          <p:nvPr>
+            <p:ph idx="12" type="sldNum"/>
+          </p:nvPr>
+        </p:nvSpPr>
+        <p:spPr>
+          <a:xfrm>
+            <a:off x="8472458" y="4663217"/>
+            <a:ext cx="548700" cy="393600"/>
+          </a:xfrm>
+          <a:prstGeom prst="rect">
+            <a:avLst/>
+          </a:prstGeom>
+        </p:spPr>
+        <p:txBody>
+          <a:bodyPr anchorCtr="0" anchor="ctr" bIns="91425" lIns="91425" spcFirstLastPara="1" rIns="91425" wrap="square" tIns="91425">
+            <a:normAutofit/>
+          </a:bodyPr>
+          <a:lstStyle/>
+          <a:p>
+            <a:pPr indent="0" lvl="0" marL="0" rtl="0" algn="r">
+              <a:spcBef>
+                <a:spcPts val="0"/>
+              </a:spcBef>
+              <a:spcAft>
+                <a:spcPts val="0"/>
+              </a:spcAft>
+              <a:buNone/>
+            </a:pPr>
+            <a:fld id="{00000000-1234-1234-1234-123412341234}" type="slidenum">
+              <a:rPr lang="ru"/>
+              <a:t>‹#›</a:t>
+            </a:fld>
+            <a:endParaRPr/>
+          </a:p>
+        </p:txBody>
+      </p:sp>
+      <p:pic>
+        <p:nvPicPr>
+          <p:cNvPr id="179" name="Google Shape;179;p18"/>
+          <p:cNvPicPr preferRelativeResize="0"/>
+          <p:nvPr/>
+        </p:nvPicPr>
+        <p:blipFill>
+          <a:blip r:embed="rId3">
+            <a:alphaModFix/>
+          </a:blip>
+          <a:stretch>
+            <a:fillRect/>
+          </a:stretch>
+        </p:blipFill>
+        <p:spPr>
+          <a:xfrm>
+            <a:off x="132058" y="2982390"/>
+            <a:ext cx="2242040" cy="577757"/>
+          </a:xfrm>
+          <a:prstGeom prst="rect">
+            <a:avLst/>
+          </a:prstGeom>
+          <a:noFill/>
+          <a:ln>
+            <a:noFill/>
+          </a:ln>
+        </p:spPr>
+      </p:pic>
+      <p:pic>
+        <p:nvPicPr>
+          <p:cNvPr id="180" name="Google Shape;180;p18"/>
+          <p:cNvPicPr preferRelativeResize="0"/>
+          <p:nvPr/>
+        </p:nvPicPr>
+        <p:blipFill>
+          <a:blip r:embed="rId4">
+            <a:alphaModFix/>
+          </a:blip>
+          <a:stretch>
+            <a:fillRect/>
+          </a:stretch>
+        </p:blipFill>
+        <p:spPr>
+          <a:xfrm>
+            <a:off x="132048" y="3876435"/>
+            <a:ext cx="2144823" cy="577757"/>
+          </a:xfrm>
+          <a:prstGeom prst="rect">
+            <a:avLst/>
+          </a:prstGeom>
+          <a:noFill/>
+          <a:ln>
+            <a:noFill/>
+          </a:ln>
+        </p:spPr>
+      </p:pic>
+      <p:pic>
+        <p:nvPicPr>
+          <p:cNvPr id="181" name="Google Shape;181;p18"/>
+          <p:cNvPicPr preferRelativeResize="0"/>
+          <p:nvPr/>
+        </p:nvPicPr>
+        <p:blipFill>
+          <a:blip r:embed="rId5">
+            <a:alphaModFix/>
+          </a:blip>
+          <a:stretch>
+            <a:fillRect/>
+          </a:stretch>
+        </p:blipFill>
+        <p:spPr>
+          <a:xfrm>
+            <a:off x="5742281" y="1993878"/>
+            <a:ext cx="2961641" cy="1446237"/>
+          </a:xfrm>
+          <a:prstGeom prst="rect">
+            <a:avLst/>
+          </a:prstGeom>
+          <a:noFill/>
+          <a:ln>
+            <a:noFill/>
+          </a:ln>
+        </p:spPr>
+      </p:pic>
+      <p:pic>
+        <p:nvPicPr>
+          <p:cNvPr id="182" name="Google Shape;182;p18"/>
+          <p:cNvPicPr preferRelativeResize="0"/>
+          <p:nvPr/>
+        </p:nvPicPr>
+        <p:blipFill>
+          <a:blip r:embed="rId6">
+            <a:alphaModFix/>
+          </a:blip>
+          <a:stretch>
+            <a:fillRect/>
+          </a:stretch>
+        </p:blipFill>
+        <p:spPr>
+          <a:xfrm>
+            <a:off x="5742286" y="3440125"/>
+            <a:ext cx="2961639" cy="1446229"/>
+          </a:xfrm>
+          <a:prstGeom prst="rect">
+            <a:avLst/>
+          </a:prstGeom>
+          <a:noFill/>
+          <a:ln>
+            <a:noFill/>
+          </a:ln>
+        </p:spPr>
+      </p:pic>
+      <p:pic>
+        <p:nvPicPr>
+          <p:cNvPr id="183" name="Google Shape;183;p18"/>
+          <p:cNvPicPr preferRelativeResize="0"/>
+          <p:nvPr/>
+        </p:nvPicPr>
+        <p:blipFill>
+          <a:blip r:embed="rId7">
+            <a:alphaModFix/>
+          </a:blip>
+          <a:stretch>
+            <a:fillRect/>
+          </a:stretch>
+        </p:blipFill>
+        <p:spPr>
+          <a:xfrm>
+            <a:off x="2374100" y="1993875"/>
+            <a:ext cx="2961625" cy="1449306"/>
+          </a:xfrm>
+          <a:prstGeom prst="rect">
+            <a:avLst/>
+          </a:prstGeom>
+          <a:noFill/>
+          <a:ln>
+            <a:noFill/>
+          </a:ln>
+        </p:spPr>
+      </p:pic>
+      <p:pic>
+        <p:nvPicPr>
+          <p:cNvPr id="184" name="Google Shape;184;p18"/>
+          <p:cNvPicPr preferRelativeResize="0"/>
+          <p:nvPr/>
+        </p:nvPicPr>
+        <p:blipFill>
+          <a:blip r:embed="rId8">
+            <a:alphaModFix/>
+          </a:blip>
+          <a:stretch>
+            <a:fillRect/>
+          </a:stretch>
+        </p:blipFill>
+        <p:spPr>
+          <a:xfrm>
+            <a:off x="2374100" y="3443203"/>
+            <a:ext cx="2961644" cy="1449315"/>
+          </a:xfrm>
+          <a:prstGeom prst="rect">
+            <a:avLst/>
+          </a:prstGeom>
+          <a:noFill/>
+          <a:ln>
+            <a:noFill/>
+          </a:ln>
+        </p:spPr>
+      </p:pic>
+      <p:sp>
+        <p:nvSpPr>
+          <p:cNvPr id="185" name="Google Shape;185;p18"/>
+          <p:cNvSpPr txBox="1"/>
+          <p:nvPr/>
+        </p:nvSpPr>
+        <p:spPr>
+          <a:xfrm>
+            <a:off x="1057475" y="1189100"/>
+            <a:ext cx="7778700" cy="384900"/>
+          </a:xfrm>
+          <a:prstGeom prst="rect">
+            <a:avLst/>
+          </a:prstGeom>
+          <a:noFill/>
+          <a:ln>
+            <a:noFill/>
+          </a:ln>
+        </p:spPr>
+        <p:txBody>
+          <a:bodyPr anchorCtr="0" anchor="t" bIns="91425" lIns="91425" spcFirstLastPara="1" rIns="91425" wrap="square" tIns="91425">
+            <a:spAutoFit/>
+          </a:bodyPr>
+          <a:lstStyle/>
+          <a:p>
+            <a:pPr indent="0" lvl="0" marL="0" rtl="0" algn="l">
+              <a:spcBef>
+                <a:spcPts val="0"/>
+              </a:spcBef>
+              <a:spcAft>
+                <a:spcPts val="0"/>
+              </a:spcAft>
+              <a:buNone/>
+            </a:pPr>
+            <a:r>
+              <a:rPr lang="ru" sz="1300">
+                <a:solidFill>
+                  <a:schemeClr val="lt1"/>
+                </a:solidFill>
+                <a:latin typeface="Lato"/>
+                <a:ea typeface="Lato"/>
+                <a:cs typeface="Lato"/>
+                <a:sym typeface="Lato"/>
+              </a:rPr>
+              <a:t>Гипотеза: поведение активных пользователя для iOS и Android отличается значительно, а ушедших - нет </a:t>
+            </a:r>
+            <a:endParaRPr sz="1300">
+              <a:solidFill>
+                <a:schemeClr val="lt1"/>
+              </a:solidFill>
+              <a:latin typeface="Lato"/>
+              <a:ea typeface="Lato"/>
+              <a:cs typeface="Lato"/>
+              <a:sym typeface="Lato"/>
+            </a:endParaRPr>
+          </a:p>
+        </p:txBody>
+      </p:sp>
+    </p:spTree>
+  </p:cSld>
+  <p:clrMapOvr>
+    <a:masterClrMapping/>
+  </p:clrMapOvr>
+</p:sld>
+</file>
+
+<file path=ppt/slides/slide7.xml><?xml version="1.0" encoding="utf-8"?>
+<p:sld xmlns:a="http://schemas.openxmlformats.org/drawingml/2006/main" xmlns:r="http://schemas.openxmlformats.org/officeDocument/2006/relationships" xmlns:mc="http://schemas.openxmlformats.org/markup-compatibility/2006" xmlns:mv="urn:schemas-microsoft-com:mac:vml" xmlns:p="http://schemas.openxmlformats.org/presentationml/2006/main" xmlns:c="http://schemas.openxmlformats.org/drawingml/2006/chart" xmlns:dgm="http://schemas.openxmlformats.org/drawingml/2006/diagram" xmlns:o="urn:schemas-microsoft-com:office:office" xmlns:v="urn:schemas-microsoft-com:vml" xmlns:pvml="urn:schemas-microsoft-com:office:powerpoint" xmlns:com="http://schemas.openxmlformats.org/drawingml/2006/compatibility" xmlns:p14="http://schemas.microsoft.com/office/powerpoint/2010/main" xmlns:p15="http://schemas.microsoft.com/office/powerpoint/2012/main" xmlns:ahyp="http://schemas.microsoft.com/office/drawing/2018/hyperlinkcolor">
+  <p:cSld>
+    <p:spTree>
+      <p:nvGrpSpPr>
+        <p:cNvPr id="189" name="Shape 189"/>
+        <p:cNvGrpSpPr/>
+        <p:nvPr/>
+      </p:nvGrpSpPr>
+      <p:grpSpPr>
+        <a:xfrm>
+          <a:off x="0" y="0"/>
+          <a:ext cx="0" cy="0"/>
+          <a:chOff x="0" y="0"/>
+          <a:chExt cx="0" cy="0"/>
+        </a:xfrm>
+      </p:grpSpPr>
+      <p:sp>
+        <p:nvSpPr>
+          <p:cNvPr id="190" name="Google Shape;190;p19"/>
+          <p:cNvSpPr txBox="1"/>
+          <p:nvPr>
+            <p:ph type="title"/>
+          </p:nvPr>
+        </p:nvSpPr>
+        <p:spPr>
+          <a:xfrm>
+            <a:off x="1297500" y="393750"/>
+            <a:ext cx="7038900" cy="914100"/>
+          </a:xfrm>
+          <a:prstGeom prst="rect">
+            <a:avLst/>
+          </a:prstGeom>
+        </p:spPr>
+        <p:txBody>
+          <a:bodyPr anchorCtr="0" anchor="t" bIns="91425" lIns="91425" spcFirstLastPara="1" rIns="91425" wrap="square" tIns="91425">
+            <a:normAutofit/>
+          </a:bodyPr>
+          <a:lstStyle/>
+          <a:p>
+            <a:pPr indent="0" lvl="0" marL="0" rtl="0" algn="l">
+              <a:spcBef>
+                <a:spcPts val="0"/>
+              </a:spcBef>
+              <a:spcAft>
+                <a:spcPts val="0"/>
+              </a:spcAft>
+              <a:buNone/>
+            </a:pPr>
+            <a:r>
+              <a:rPr lang="ru"/>
+              <a:t>Customer Journey</a:t>
+            </a:r>
+            <a:endParaRPr/>
+          </a:p>
+        </p:txBody>
+      </p:sp>
+      <p:sp>
+        <p:nvSpPr>
+          <p:cNvPr id="191" name="Google Shape;191;p19"/>
+          <p:cNvSpPr txBox="1"/>
+          <p:nvPr/>
+        </p:nvSpPr>
+        <p:spPr>
+          <a:xfrm>
+            <a:off x="200800" y="3648575"/>
+            <a:ext cx="4830300" cy="971700"/>
+          </a:xfrm>
+          <a:prstGeom prst="rect">
+            <a:avLst/>
+          </a:prstGeom>
+          <a:noFill/>
+          <a:ln>
+            <a:noFill/>
+          </a:ln>
+        </p:spPr>
+        <p:txBody>
+          <a:bodyPr anchorCtr="0" anchor="t" bIns="91425" lIns="91425" spcFirstLastPara="1" rIns="91425" wrap="square" tIns="91425">
+            <a:noAutofit/>
+          </a:bodyPr>
+          <a:lstStyle/>
+          <a:p>
+            <a:pPr indent="0" lvl="0" marL="0" rtl="0" algn="l">
+              <a:spcBef>
+                <a:spcPts val="0"/>
+              </a:spcBef>
+              <a:spcAft>
+                <a:spcPts val="0"/>
+              </a:spcAft>
+              <a:buNone/>
+            </a:pPr>
+            <a:r>
+              <a:rPr lang="ru" sz="1100">
+                <a:solidFill>
+                  <a:schemeClr val="lt1"/>
+                </a:solidFill>
+                <a:latin typeface="Lato"/>
+                <a:ea typeface="Lato"/>
+                <a:cs typeface="Lato"/>
+                <a:sym typeface="Lato"/>
+              </a:rPr>
+              <a:t>“Ещё” — центр маршрутов</a:t>
             </a:r>
             <a:br>
               <a:rPr lang="ru" sz="1100">
@@ -14849,439 +15891,7 @@
                 <a:cs typeface="Lato"/>
                 <a:sym typeface="Lato"/>
               </a:rPr>
-              <a:t>Это мотивирует сегментацию</a:t>
-            </a:r>
-            <a:endParaRPr sz="1100">
-              <a:solidFill>
-                <a:schemeClr val="lt1"/>
-              </a:solidFill>
-              <a:latin typeface="Lato"/>
-              <a:ea typeface="Lato"/>
-              <a:cs typeface="Lato"/>
-              <a:sym typeface="Lato"/>
-            </a:endParaRPr>
-          </a:p>
-          <a:p>
-            <a:pPr indent="0" lvl="0" marL="0" rtl="0" algn="l">
-              <a:spcBef>
-                <a:spcPts val="0"/>
-              </a:spcBef>
-              <a:spcAft>
-                <a:spcPts val="0"/>
-              </a:spcAft>
-              <a:buNone/>
-            </a:pPr>
-            <a:r>
-              <a:t/>
-            </a:r>
-            <a:endParaRPr sz="1100">
-              <a:solidFill>
-                <a:schemeClr val="lt1"/>
-              </a:solidFill>
-              <a:latin typeface="Lato"/>
-              <a:ea typeface="Lato"/>
-              <a:cs typeface="Lato"/>
-              <a:sym typeface="Lato"/>
-            </a:endParaRPr>
-          </a:p>
-        </p:txBody>
-      </p:sp>
-    </p:spTree>
-  </p:cSld>
-  <p:clrMapOvr>
-    <a:masterClrMapping/>
-  </p:clrMapOvr>
-</p:sld>
-</file>
-
-<file path=ppt/slides/slide6.xml><?xml version="1.0" encoding="utf-8"?>
-<p:sld xmlns:a="http://schemas.openxmlformats.org/drawingml/2006/main" xmlns:r="http://schemas.openxmlformats.org/officeDocument/2006/relationships" xmlns:mc="http://schemas.openxmlformats.org/markup-compatibility/2006" xmlns:mv="urn:schemas-microsoft-com:mac:vml" xmlns:p="http://schemas.openxmlformats.org/presentationml/2006/main" xmlns:c="http://schemas.openxmlformats.org/drawingml/2006/chart" xmlns:dgm="http://schemas.openxmlformats.org/drawingml/2006/diagram" xmlns:o="urn:schemas-microsoft-com:office:office" xmlns:v="urn:schemas-microsoft-com:vml" xmlns:pvml="urn:schemas-microsoft-com:office:powerpoint" xmlns:com="http://schemas.openxmlformats.org/drawingml/2006/compatibility" xmlns:p14="http://schemas.microsoft.com/office/powerpoint/2010/main" xmlns:p15="http://schemas.microsoft.com/office/powerpoint/2012/main" xmlns:ahyp="http://schemas.microsoft.com/office/drawing/2018/hyperlinkcolor">
-  <p:cSld>
-    <p:spTree>
-      <p:nvGrpSpPr>
-        <p:cNvPr id="174" name="Shape 174"/>
-        <p:cNvGrpSpPr/>
-        <p:nvPr/>
-      </p:nvGrpSpPr>
-      <p:grpSpPr>
-        <a:xfrm>
-          <a:off x="0" y="0"/>
-          <a:ext cx="0" cy="0"/>
-          <a:chOff x="0" y="0"/>
-          <a:chExt cx="0" cy="0"/>
-        </a:xfrm>
-      </p:grpSpPr>
-      <p:sp>
-        <p:nvSpPr>
-          <p:cNvPr id="175" name="Google Shape;175;p18"/>
-          <p:cNvSpPr txBox="1"/>
-          <p:nvPr>
-            <p:ph type="title"/>
-          </p:nvPr>
-        </p:nvSpPr>
-        <p:spPr>
-          <a:xfrm>
-            <a:off x="1297500" y="393750"/>
-            <a:ext cx="7038900" cy="914100"/>
-          </a:xfrm>
-          <a:prstGeom prst="rect">
-            <a:avLst/>
-          </a:prstGeom>
-        </p:spPr>
-        <p:txBody>
-          <a:bodyPr anchorCtr="0" anchor="t" bIns="91425" lIns="91425" spcFirstLastPara="1" rIns="91425" wrap="square" tIns="91425">
-            <a:normAutofit/>
-          </a:bodyPr>
-          <a:lstStyle/>
-          <a:p>
-            <a:pPr indent="0" lvl="0" marL="0" rtl="0" algn="l">
-              <a:spcBef>
-                <a:spcPts val="0"/>
-              </a:spcBef>
-              <a:spcAft>
-                <a:spcPts val="0"/>
-              </a:spcAft>
-              <a:buNone/>
-            </a:pPr>
-            <a:r>
-              <a:rPr lang="ru"/>
-              <a:t>Churn definition + базовые различия</a:t>
-            </a:r>
-            <a:endParaRPr/>
-          </a:p>
-        </p:txBody>
-      </p:sp>
-      <p:sp>
-        <p:nvSpPr>
-          <p:cNvPr id="176" name="Google Shape;176;p18"/>
-          <p:cNvSpPr txBox="1"/>
-          <p:nvPr/>
-        </p:nvSpPr>
-        <p:spPr>
-          <a:xfrm>
-            <a:off x="241200" y="4278250"/>
-            <a:ext cx="7943400" cy="482400"/>
-          </a:xfrm>
-          <a:prstGeom prst="rect">
-            <a:avLst/>
-          </a:prstGeom>
-          <a:noFill/>
-          <a:ln>
-            <a:noFill/>
-          </a:ln>
-        </p:spPr>
-        <p:txBody>
-          <a:bodyPr anchorCtr="0" anchor="t" bIns="91425" lIns="91425" spcFirstLastPara="1" rIns="91425" wrap="square" tIns="91425">
-            <a:noAutofit/>
-          </a:bodyPr>
-          <a:lstStyle/>
-          <a:p>
-            <a:pPr indent="0" lvl="0" marL="0" rtl="0" algn="l">
-              <a:spcBef>
-                <a:spcPts val="0"/>
-              </a:spcBef>
-              <a:spcAft>
-                <a:spcPts val="0"/>
-              </a:spcAft>
-              <a:buNone/>
-            </a:pPr>
-            <a:r>
-              <a:rPr lang="ru" sz="1100">
-                <a:solidFill>
-                  <a:schemeClr val="lt1"/>
-                </a:solidFill>
-                <a:latin typeface="Lato"/>
-                <a:ea typeface="Lato"/>
-                <a:cs typeface="Lato"/>
-                <a:sym typeface="Lato"/>
-              </a:rPr>
-              <a:t>У ушедших ниже активность/сессии/разнообразие (в среднем)</a:t>
-            </a:r>
-            <a:endParaRPr sz="1100">
-              <a:solidFill>
-                <a:schemeClr val="lt1"/>
-              </a:solidFill>
-              <a:latin typeface="Lato"/>
-              <a:ea typeface="Lato"/>
-              <a:cs typeface="Lato"/>
-              <a:sym typeface="Lato"/>
-            </a:endParaRPr>
-          </a:p>
-          <a:p>
-            <a:pPr indent="0" lvl="0" marL="0" rtl="0" algn="l">
-              <a:spcBef>
-                <a:spcPts val="0"/>
-              </a:spcBef>
-              <a:spcAft>
-                <a:spcPts val="0"/>
-              </a:spcAft>
-              <a:buNone/>
-            </a:pPr>
-            <a:r>
-              <a:t/>
-            </a:r>
-            <a:endParaRPr sz="1100">
-              <a:solidFill>
-                <a:schemeClr val="lt1"/>
-              </a:solidFill>
-              <a:latin typeface="Lato"/>
-              <a:ea typeface="Lato"/>
-              <a:cs typeface="Lato"/>
-              <a:sym typeface="Lato"/>
-            </a:endParaRPr>
-          </a:p>
-        </p:txBody>
-      </p:sp>
-      <p:pic>
-        <p:nvPicPr>
-          <p:cNvPr id="177" name="Google Shape;177;p18"/>
-          <p:cNvPicPr preferRelativeResize="0"/>
-          <p:nvPr/>
-        </p:nvPicPr>
-        <p:blipFill>
-          <a:blip r:embed="rId3">
-            <a:alphaModFix/>
-          </a:blip>
-          <a:stretch>
-            <a:fillRect/>
-          </a:stretch>
-        </p:blipFill>
-        <p:spPr>
-          <a:xfrm>
-            <a:off x="1556725" y="1139488"/>
-            <a:ext cx="2781300" cy="666750"/>
-          </a:xfrm>
-          <a:prstGeom prst="rect">
-            <a:avLst/>
-          </a:prstGeom>
-          <a:noFill/>
-          <a:ln>
-            <a:noFill/>
-          </a:ln>
-        </p:spPr>
-      </p:pic>
-      <p:pic>
-        <p:nvPicPr>
-          <p:cNvPr id="178" name="Google Shape;178;p18"/>
-          <p:cNvPicPr preferRelativeResize="0"/>
-          <p:nvPr/>
-        </p:nvPicPr>
-        <p:blipFill>
-          <a:blip r:embed="rId4">
-            <a:alphaModFix/>
-          </a:blip>
-          <a:stretch>
-            <a:fillRect/>
-          </a:stretch>
-        </p:blipFill>
-        <p:spPr>
-          <a:xfrm>
-            <a:off x="127963" y="1996249"/>
-            <a:ext cx="2962692" cy="1956488"/>
-          </a:xfrm>
-          <a:prstGeom prst="rect">
-            <a:avLst/>
-          </a:prstGeom>
-          <a:noFill/>
-          <a:ln>
-            <a:noFill/>
-          </a:ln>
-        </p:spPr>
-      </p:pic>
-      <p:pic>
-        <p:nvPicPr>
-          <p:cNvPr id="179" name="Google Shape;179;p18"/>
-          <p:cNvPicPr preferRelativeResize="0"/>
-          <p:nvPr/>
-        </p:nvPicPr>
-        <p:blipFill>
-          <a:blip r:embed="rId5">
-            <a:alphaModFix/>
-          </a:blip>
-          <a:stretch>
-            <a:fillRect/>
-          </a:stretch>
-        </p:blipFill>
-        <p:spPr>
-          <a:xfrm>
-            <a:off x="3090671" y="1996249"/>
-            <a:ext cx="2962674" cy="1956488"/>
-          </a:xfrm>
-          <a:prstGeom prst="rect">
-            <a:avLst/>
-          </a:prstGeom>
-          <a:noFill/>
-          <a:ln>
-            <a:noFill/>
-          </a:ln>
-        </p:spPr>
-      </p:pic>
-      <p:pic>
-        <p:nvPicPr>
-          <p:cNvPr id="180" name="Google Shape;180;p18"/>
-          <p:cNvPicPr preferRelativeResize="0"/>
-          <p:nvPr/>
-        </p:nvPicPr>
-        <p:blipFill>
-          <a:blip r:embed="rId6">
-            <a:alphaModFix/>
-          </a:blip>
-          <a:stretch>
-            <a:fillRect/>
-          </a:stretch>
-        </p:blipFill>
-        <p:spPr>
-          <a:xfrm>
-            <a:off x="6053354" y="1996249"/>
-            <a:ext cx="2962692" cy="1956500"/>
-          </a:xfrm>
-          <a:prstGeom prst="rect">
-            <a:avLst/>
-          </a:prstGeom>
-          <a:noFill/>
-          <a:ln>
-            <a:noFill/>
-          </a:ln>
-        </p:spPr>
-      </p:pic>
-      <p:pic>
-        <p:nvPicPr>
-          <p:cNvPr id="181" name="Google Shape;181;p18"/>
-          <p:cNvPicPr preferRelativeResize="0"/>
-          <p:nvPr/>
-        </p:nvPicPr>
-        <p:blipFill>
-          <a:blip r:embed="rId7">
-            <a:alphaModFix/>
-          </a:blip>
-          <a:stretch>
-            <a:fillRect/>
-          </a:stretch>
-        </p:blipFill>
-        <p:spPr>
-          <a:xfrm>
-            <a:off x="5079300" y="1144263"/>
-            <a:ext cx="3714750" cy="657225"/>
-          </a:xfrm>
-          <a:prstGeom prst="rect">
-            <a:avLst/>
-          </a:prstGeom>
-          <a:noFill/>
-          <a:ln>
-            <a:noFill/>
-          </a:ln>
-        </p:spPr>
-      </p:pic>
-    </p:spTree>
-  </p:cSld>
-  <p:clrMapOvr>
-    <a:masterClrMapping/>
-  </p:clrMapOvr>
-</p:sld>
-</file>
-
-<file path=ppt/slides/slide7.xml><?xml version="1.0" encoding="utf-8"?>
-<p:sld xmlns:a="http://schemas.openxmlformats.org/drawingml/2006/main" xmlns:r="http://schemas.openxmlformats.org/officeDocument/2006/relationships" xmlns:mc="http://schemas.openxmlformats.org/markup-compatibility/2006" xmlns:mv="urn:schemas-microsoft-com:mac:vml" xmlns:p="http://schemas.openxmlformats.org/presentationml/2006/main" xmlns:c="http://schemas.openxmlformats.org/drawingml/2006/chart" xmlns:dgm="http://schemas.openxmlformats.org/drawingml/2006/diagram" xmlns:o="urn:schemas-microsoft-com:office:office" xmlns:v="urn:schemas-microsoft-com:vml" xmlns:pvml="urn:schemas-microsoft-com:office:powerpoint" xmlns:com="http://schemas.openxmlformats.org/drawingml/2006/compatibility" xmlns:p14="http://schemas.microsoft.com/office/powerpoint/2010/main" xmlns:p15="http://schemas.microsoft.com/office/powerpoint/2012/main" xmlns:ahyp="http://schemas.microsoft.com/office/drawing/2018/hyperlinkcolor">
-  <p:cSld>
-    <p:spTree>
-      <p:nvGrpSpPr>
-        <p:cNvPr id="185" name="Shape 185"/>
-        <p:cNvGrpSpPr/>
-        <p:nvPr/>
-      </p:nvGrpSpPr>
-      <p:grpSpPr>
-        <a:xfrm>
-          <a:off x="0" y="0"/>
-          <a:ext cx="0" cy="0"/>
-          <a:chOff x="0" y="0"/>
-          <a:chExt cx="0" cy="0"/>
-        </a:xfrm>
-      </p:grpSpPr>
-      <p:sp>
-        <p:nvSpPr>
-          <p:cNvPr id="186" name="Google Shape;186;p19"/>
-          <p:cNvSpPr txBox="1"/>
-          <p:nvPr>
-            <p:ph type="title"/>
-          </p:nvPr>
-        </p:nvSpPr>
-        <p:spPr>
-          <a:xfrm>
-            <a:off x="1297500" y="393750"/>
-            <a:ext cx="7038900" cy="914100"/>
-          </a:xfrm>
-          <a:prstGeom prst="rect">
-            <a:avLst/>
-          </a:prstGeom>
-        </p:spPr>
-        <p:txBody>
-          <a:bodyPr anchorCtr="0" anchor="t" bIns="91425" lIns="91425" spcFirstLastPara="1" rIns="91425" wrap="square" tIns="91425">
-            <a:normAutofit/>
-          </a:bodyPr>
-          <a:lstStyle/>
-          <a:p>
-            <a:pPr indent="0" lvl="0" marL="0" rtl="0" algn="l">
-              <a:spcBef>
-                <a:spcPts val="0"/>
-              </a:spcBef>
-              <a:spcAft>
-                <a:spcPts val="0"/>
-              </a:spcAft>
-              <a:buNone/>
-            </a:pPr>
-            <a:r>
-              <a:rPr lang="ru"/>
-              <a:t>Customer Journey</a:t>
-            </a:r>
-            <a:endParaRPr/>
-          </a:p>
-        </p:txBody>
-      </p:sp>
-      <p:sp>
-        <p:nvSpPr>
-          <p:cNvPr id="187" name="Google Shape;187;p19"/>
-          <p:cNvSpPr txBox="1"/>
-          <p:nvPr/>
-        </p:nvSpPr>
-        <p:spPr>
-          <a:xfrm>
-            <a:off x="261950" y="4077775"/>
-            <a:ext cx="7943400" cy="971700"/>
-          </a:xfrm>
-          <a:prstGeom prst="rect">
-            <a:avLst/>
-          </a:prstGeom>
-          <a:noFill/>
-          <a:ln>
-            <a:noFill/>
-          </a:ln>
-        </p:spPr>
-        <p:txBody>
-          <a:bodyPr anchorCtr="0" anchor="t" bIns="91425" lIns="91425" spcFirstLastPara="1" rIns="91425" wrap="square" tIns="91425">
-            <a:noAutofit/>
-          </a:bodyPr>
-          <a:lstStyle/>
-          <a:p>
-            <a:pPr indent="0" lvl="0" marL="0" rtl="0" algn="l">
-              <a:spcBef>
-                <a:spcPts val="0"/>
-              </a:spcBef>
-              <a:spcAft>
-                <a:spcPts val="0"/>
-              </a:spcAft>
-              <a:buNone/>
-            </a:pPr>
-            <a:r>
-              <a:rPr lang="ru" sz="1100">
-                <a:solidFill>
-                  <a:schemeClr val="lt1"/>
-                </a:solidFill>
-                <a:latin typeface="Lato"/>
-                <a:ea typeface="Lato"/>
-                <a:cs typeface="Lato"/>
-                <a:sym typeface="Lato"/>
-              </a:rPr>
-              <a:t>“Ещё” — центр маршрутов</a:t>
+              <a:t>Частые сценарии: “Ещё → Новая заявка / Заявки …”</a:t>
             </a:r>
             <a:br>
               <a:rPr lang="ru" sz="1100">
@@ -15324,49 +15934,6 @@
                 <a:cs typeface="Lato"/>
                 <a:sym typeface="Lato"/>
               </a:rPr>
-              <a:t>Частые сценарии: “Ещё → Новая заявка / Заявки …”</a:t>
-            </a:r>
-            <a:br>
-              <a:rPr lang="ru" sz="1100">
-                <a:solidFill>
-                  <a:schemeClr val="lt1"/>
-                </a:solidFill>
-                <a:latin typeface="Lato"/>
-                <a:ea typeface="Lato"/>
-                <a:cs typeface="Lato"/>
-                <a:sym typeface="Lato"/>
-              </a:rPr>
-            </a:br>
-            <a:endParaRPr sz="1100">
-              <a:solidFill>
-                <a:schemeClr val="lt1"/>
-              </a:solidFill>
-              <a:latin typeface="Lato"/>
-              <a:ea typeface="Lato"/>
-              <a:cs typeface="Lato"/>
-              <a:sym typeface="Lato"/>
-            </a:endParaRPr>
-          </a:p>
-          <a:p>
-            <a:pPr indent="0" lvl="0" marL="0" rtl="0" algn="l">
-              <a:spcBef>
-                <a:spcPts val="0"/>
-              </a:spcBef>
-              <a:spcAft>
-                <a:spcPts val="0"/>
-              </a:spcAft>
-              <a:buNone/>
-            </a:pPr>
-            <a:r>
-              <a:rPr lang="ru" sz="1100">
-                <a:solidFill>
-                  <a:schemeClr val="lt1"/>
-                </a:solidFill>
-                <a:latin typeface="Lato"/>
-                <a:ea typeface="Lato"/>
-                <a:cs typeface="Lato"/>
-                <a:sym typeface="Lato"/>
-              </a:rPr>
               <a:t>Гипотеза: часть пользователей “блуждает” (доля “назад” выше у churn)</a:t>
             </a:r>
             <a:endParaRPr sz="1100">
@@ -15429,7 +15996,7 @@
       </p:sp>
       <p:pic>
         <p:nvPicPr>
-          <p:cNvPr id="188" name="Google Shape;188;p19"/>
+          <p:cNvPr id="192" name="Google Shape;192;p19"/>
           <p:cNvPicPr preferRelativeResize="0"/>
           <p:nvPr/>
         </p:nvPicPr>
@@ -15443,8 +16010,76 @@
         </p:blipFill>
         <p:spPr>
           <a:xfrm>
-            <a:off x="200800" y="1460250"/>
-            <a:ext cx="4155497" cy="2465125"/>
+            <a:off x="200800" y="1307850"/>
+            <a:ext cx="3770301" cy="2236624"/>
+          </a:xfrm>
+          <a:prstGeom prst="rect">
+            <a:avLst/>
+          </a:prstGeom>
+          <a:noFill/>
+          <a:ln>
+            <a:noFill/>
+          </a:ln>
+        </p:spPr>
+      </p:pic>
+      <p:sp>
+        <p:nvSpPr>
+          <p:cNvPr id="193" name="Google Shape;193;p19"/>
+          <p:cNvSpPr txBox="1"/>
+          <p:nvPr>
+            <p:ph idx="12" type="sldNum"/>
+          </p:nvPr>
+        </p:nvSpPr>
+        <p:spPr>
+          <a:xfrm>
+            <a:off x="8472458" y="4663217"/>
+            <a:ext cx="548700" cy="393600"/>
+          </a:xfrm>
+          <a:prstGeom prst="rect">
+            <a:avLst/>
+          </a:prstGeom>
+        </p:spPr>
+        <p:txBody>
+          <a:bodyPr anchorCtr="0" anchor="ctr" bIns="91425" lIns="91425" spcFirstLastPara="1" rIns="91425" wrap="square" tIns="91425">
+            <a:normAutofit/>
+          </a:bodyPr>
+          <a:lstStyle/>
+          <a:p>
+            <a:pPr indent="0" lvl="0" marL="0" rtl="0" algn="r">
+              <a:spcBef>
+                <a:spcPts val="0"/>
+              </a:spcBef>
+              <a:spcAft>
+                <a:spcPts val="0"/>
+              </a:spcAft>
+              <a:buNone/>
+            </a:pPr>
+            <a:fld id="{00000000-1234-1234-1234-123412341234}" type="slidenum">
+              <a:rPr lang="ru"/>
+              <a:t>‹#›</a:t>
+            </a:fld>
+            <a:endParaRPr/>
+          </a:p>
+        </p:txBody>
+      </p:sp>
+      <p:pic>
+        <p:nvPicPr>
+          <p:cNvPr id="194" name="Google Shape;194;p19"/>
+          <p:cNvPicPr preferRelativeResize="0"/>
+          <p:nvPr/>
+        </p:nvPicPr>
+        <p:blipFill>
+          <a:blip r:embed="rId4">
+            <a:alphaModFix/>
+          </a:blip>
+          <a:stretch>
+            <a:fillRect/>
+          </a:stretch>
+        </p:blipFill>
+        <p:spPr>
+          <a:xfrm>
+            <a:off x="4199204" y="1220412"/>
+            <a:ext cx="4893046" cy="2411500"/>
           </a:xfrm>
           <a:prstGeom prst="rect">
             <a:avLst/>
@@ -15468,7 +16103,7 @@
   <p:cSld>
     <p:spTree>
       <p:nvGrpSpPr>
-        <p:cNvPr id="192" name="Shape 192"/>
+        <p:cNvPr id="198" name="Shape 198"/>
         <p:cNvGrpSpPr/>
         <p:nvPr/>
       </p:nvGrpSpPr>
@@ -15482,7 +16117,7 @@
       </p:grpSpPr>
       <p:sp>
         <p:nvSpPr>
-          <p:cNvPr id="193" name="Google Shape;193;p20"/>
+          <p:cNvPr id="199" name="Google Shape;199;p20"/>
           <p:cNvSpPr txBox="1"/>
           <p:nvPr>
             <p:ph type="title"/>
@@ -15522,7 +16157,7 @@
       </p:sp>
       <p:pic>
         <p:nvPicPr>
-          <p:cNvPr id="194" name="Google Shape;194;p20"/>
+          <p:cNvPr id="200" name="Google Shape;200;p20"/>
           <p:cNvPicPr preferRelativeResize="0"/>
           <p:nvPr/>
         </p:nvPicPr>
@@ -15550,7 +16185,7 @@
       </p:pic>
       <p:pic>
         <p:nvPicPr>
-          <p:cNvPr id="195" name="Google Shape;195;p20"/>
+          <p:cNvPr id="201" name="Google Shape;201;p20"/>
           <p:cNvPicPr preferRelativeResize="0"/>
           <p:nvPr/>
         </p:nvPicPr>
@@ -15576,37 +16211,9 @@
           </a:ln>
         </p:spPr>
       </p:pic>
-      <p:pic>
-        <p:nvPicPr>
-          <p:cNvPr id="196" name="Google Shape;196;p20"/>
-          <p:cNvPicPr preferRelativeResize="0"/>
-          <p:nvPr/>
-        </p:nvPicPr>
-        <p:blipFill>
-          <a:blip r:embed="rId5">
-            <a:alphaModFix/>
-          </a:blip>
-          <a:stretch>
-            <a:fillRect/>
-          </a:stretch>
-        </p:blipFill>
-        <p:spPr>
-          <a:xfrm>
-            <a:off x="5578276" y="900275"/>
-            <a:ext cx="3364799" cy="2512850"/>
-          </a:xfrm>
-          <a:prstGeom prst="rect">
-            <a:avLst/>
-          </a:prstGeom>
-          <a:noFill/>
-          <a:ln>
-            <a:noFill/>
-          </a:ln>
-        </p:spPr>
-      </p:pic>
       <p:sp>
         <p:nvSpPr>
-          <p:cNvPr id="197" name="Google Shape;197;p20"/>
+          <p:cNvPr id="202" name="Google Shape;202;p20"/>
           <p:cNvSpPr txBox="1"/>
           <p:nvPr/>
         </p:nvSpPr>
@@ -15894,16 +16501,14 @@
       </p:sp>
       <p:cxnSp>
         <p:nvCxnSpPr>
-          <p:cNvPr id="198" name="Google Shape;198;p20"/>
-          <p:cNvCxnSpPr>
-            <a:endCxn id="196" idx="1"/>
-          </p:cNvCxnSpPr>
+          <p:cNvPr id="203" name="Google Shape;203;p20"/>
+          <p:cNvCxnSpPr/>
           <p:nvPr/>
         </p:nvCxnSpPr>
         <p:spPr>
           <a:xfrm flipH="1" rot="10800000">
-            <a:off x="3808576" y="2156700"/>
-            <a:ext cx="1769700" cy="847800"/>
+            <a:off x="3808576" y="2386500"/>
+            <a:ext cx="1235400" cy="618000"/>
           </a:xfrm>
           <a:prstGeom prst="straightConnector1">
             <a:avLst/>
@@ -15920,11 +16525,202 @@
           </a:ln>
         </p:spPr>
       </p:cxnSp>
+      <p:sp>
+        <p:nvSpPr>
+          <p:cNvPr id="204" name="Google Shape;204;p20"/>
+          <p:cNvSpPr txBox="1"/>
+          <p:nvPr>
+            <p:ph idx="12" type="sldNum"/>
+          </p:nvPr>
+        </p:nvSpPr>
+        <p:spPr>
+          <a:xfrm>
+            <a:off x="8472458" y="4663217"/>
+            <a:ext cx="548700" cy="393600"/>
+          </a:xfrm>
+          <a:prstGeom prst="rect">
+            <a:avLst/>
+          </a:prstGeom>
+        </p:spPr>
+        <p:txBody>
+          <a:bodyPr anchorCtr="0" anchor="ctr" bIns="91425" lIns="91425" spcFirstLastPara="1" rIns="91425" wrap="square" tIns="91425">
+            <a:normAutofit/>
+          </a:bodyPr>
+          <a:lstStyle/>
+          <a:p>
+            <a:pPr indent="0" lvl="0" marL="0" rtl="0" algn="r">
+              <a:spcBef>
+                <a:spcPts val="0"/>
+              </a:spcBef>
+              <a:spcAft>
+                <a:spcPts val="0"/>
+              </a:spcAft>
+              <a:buNone/>
+            </a:pPr>
+            <a:fld id="{00000000-1234-1234-1234-123412341234}" type="slidenum">
+              <a:rPr lang="ru"/>
+              <a:t>‹#›</a:t>
+            </a:fld>
+            <a:endParaRPr/>
+          </a:p>
+        </p:txBody>
+      </p:sp>
+      <p:pic>
+        <p:nvPicPr>
+          <p:cNvPr id="205" name="Google Shape;205;p20" title="kmeans_pca3d_rotate.mp4">
+            <a:hlinkClick r:id="rId5"/>
+          </p:cNvPr>
+          <p:cNvPicPr preferRelativeResize="0"/>
+          <p:nvPr/>
+        </p:nvPicPr>
+        <p:blipFill>
+          <a:blip r:embed="rId6">
+            <a:alphaModFix/>
+          </a:blip>
+          <a:stretch>
+            <a:fillRect/>
+          </a:stretch>
+        </p:blipFill>
+        <p:spPr>
+          <a:xfrm>
+            <a:off x="5125825" y="934787"/>
+            <a:ext cx="3210575" cy="2478339"/>
+          </a:xfrm>
+          <a:prstGeom prst="rect">
+            <a:avLst/>
+          </a:prstGeom>
+          <a:noFill/>
+          <a:ln>
+            <a:noFill/>
+          </a:ln>
+        </p:spPr>
+      </p:pic>
     </p:spTree>
   </p:cSld>
   <p:clrMapOvr>
     <a:masterClrMapping/>
   </p:clrMapOvr>
+  <p:timing>
+    <p:tnLst>
+      <p:par>
+        <p:cTn dur="indefinite" nodeType="tmRoot" restart="never">
+          <p:childTnLst>
+            <p:seq concurrent="1" nextAc="seek">
+              <p:cTn dur="indefinite" id="2" nodeType="mainSeq">
+                <p:childTnLst>
+                  <p:par>
+                    <p:cTn fill="hold">
+                      <p:stCondLst>
+                        <p:cond delay="indefinite"/>
+                        <p:cond evt="onBegin" delay="0">
+                          <p:tn val="2"/>
+                        </p:cond>
+                      </p:stCondLst>
+                      <p:childTnLst>
+                        <p:par>
+                          <p:cTn fill="hold">
+                            <p:stCondLst>
+                              <p:cond delay="0"/>
+                            </p:stCondLst>
+                            <p:childTnLst>
+                              <p:par>
+                                <p:cTn fill="hold" nodeType="withEffect" presetClass="entr" presetID="10" presetSubtype="0">
+                                  <p:stCondLst>
+                                    <p:cond delay="0"/>
+                                  </p:stCondLst>
+                                  <p:childTnLst>
+                                    <p:set>
+                                      <p:cBhvr>
+                                        <p:cTn dur="1" fill="hold">
+                                          <p:stCondLst>
+                                            <p:cond delay="0"/>
+                                          </p:stCondLst>
+                                        </p:cTn>
+                                        <p:tgtEl>
+                                          <p:spTgt spid="205"/>
+                                        </p:tgtEl>
+                                        <p:attrNameLst>
+                                          <p:attrName>style.visibility</p:attrName>
+                                        </p:attrNameLst>
+                                      </p:cBhvr>
+                                      <p:to>
+                                        <p:strVal val="visible"/>
+                                      </p:to>
+                                    </p:set>
+                                    <p:animEffect filter="fade" transition="in">
+                                      <p:cBhvr>
+                                        <p:cTn dur="1000"/>
+                                        <p:tgtEl>
+                                          <p:spTgt spid="205"/>
+                                        </p:tgtEl>
+                                      </p:cBhvr>
+                                    </p:animEffect>
+                                  </p:childTnLst>
+                                </p:cTn>
+                              </p:par>
+                              <p:par>
+                                <p:cTn fill="hold" nodeType="withEffect" presetClass="entr" presetID="10" presetSubtype="0">
+                                  <p:stCondLst>
+                                    <p:cond delay="0"/>
+                                  </p:stCondLst>
+                                  <p:childTnLst>
+                                    <p:set>
+                                      <p:cBhvr>
+                                        <p:cTn dur="1" fill="hold">
+                                          <p:stCondLst>
+                                            <p:cond delay="0"/>
+                                          </p:stCondLst>
+                                        </p:cTn>
+                                        <p:tgtEl>
+                                          <p:spTgt spid="205"/>
+                                        </p:tgtEl>
+                                        <p:attrNameLst>
+                                          <p:attrName>style.visibility</p:attrName>
+                                        </p:attrNameLst>
+                                      </p:cBhvr>
+                                      <p:to>
+                                        <p:strVal val="visible"/>
+                                      </p:to>
+                                    </p:set>
+                                    <p:animEffect filter="fade" transition="in">
+                                      <p:cBhvr>
+                                        <p:cTn dur="1000"/>
+                                        <p:tgtEl>
+                                          <p:spTgt spid="205"/>
+                                        </p:tgtEl>
+                                      </p:cBhvr>
+                                    </p:animEffect>
+                                  </p:childTnLst>
+                                </p:cTn>
+                              </p:par>
+                            </p:childTnLst>
+                          </p:cTn>
+                        </p:par>
+                      </p:childTnLst>
+                    </p:cTn>
+                  </p:par>
+                </p:childTnLst>
+              </p:cTn>
+              <p:prevCondLst>
+                <p:cond evt="onPrev">
+                  <p:tgtEl>
+                    <p:sldTgt/>
+                  </p:tgtEl>
+                </p:cond>
+              </p:prevCondLst>
+              <p:nextCondLst>
+                <p:cond evt="onNext">
+                  <p:tgtEl>
+                    <p:sldTgt/>
+                  </p:tgtEl>
+                </p:cond>
+              </p:nextCondLst>
+            </p:seq>
+          </p:childTnLst>
+        </p:cTn>
+      </p:par>
+    </p:tnLst>
+  </p:timing>
 </p:sld>
 </file>
 
@@ -15933,7 +16729,7 @@
   <p:cSld>
     <p:spTree>
       <p:nvGrpSpPr>
-        <p:cNvPr id="202" name="Shape 202"/>
+        <p:cNvPr id="209" name="Shape 209"/>
         <p:cNvGrpSpPr/>
         <p:nvPr/>
       </p:nvGrpSpPr>
@@ -15947,7 +16743,7 @@
       </p:grpSpPr>
       <p:sp>
         <p:nvSpPr>
-          <p:cNvPr id="203" name="Google Shape;203;p21"/>
+          <p:cNvPr id="210" name="Google Shape;210;p21"/>
           <p:cNvSpPr txBox="1"/>
           <p:nvPr>
             <p:ph type="title"/>
@@ -15987,13 +16783,13 @@
       </p:sp>
       <p:sp>
         <p:nvSpPr>
-          <p:cNvPr id="204" name="Google Shape;204;p21"/>
+          <p:cNvPr id="211" name="Google Shape;211;p21"/>
           <p:cNvSpPr txBox="1"/>
           <p:nvPr/>
         </p:nvSpPr>
         <p:spPr>
           <a:xfrm>
-            <a:off x="297000" y="3951725"/>
+            <a:off x="297000" y="3730850"/>
             <a:ext cx="8550000" cy="1045200"/>
           </a:xfrm>
           <a:prstGeom prst="rect">
@@ -16093,7 +16889,7 @@
                 <a:cs typeface="Lato"/>
                 <a:sym typeface="Lato"/>
               </a:rPr>
-              <a:t>Кластер 4: “рутнные” → средний churn (~31%</a:t>
+              <a:t>Кластер 4: “рутинные” → средний churn (~31%)</a:t>
             </a:r>
             <a:endParaRPr sz="1100">
               <a:solidFill>
@@ -16117,6 +16913,61 @@
             </a:pPr>
             <a:r>
               <a:t/>
+            </a:r>
+            <a:endParaRPr sz="1100">
+              <a:solidFill>
+                <a:schemeClr val="lt1"/>
+              </a:solidFill>
+              <a:latin typeface="Lato"/>
+              <a:ea typeface="Lato"/>
+              <a:cs typeface="Lato"/>
+              <a:sym typeface="Lato"/>
+            </a:endParaRPr>
+          </a:p>
+          <a:p>
+            <a:pPr indent="0" lvl="0" marL="0" rtl="0" algn="l">
+              <a:spcBef>
+                <a:spcPts val="0"/>
+              </a:spcBef>
+              <a:spcAft>
+                <a:spcPts val="0"/>
+              </a:spcAft>
+              <a:buNone/>
+            </a:pPr>
+            <a:r>
+              <a:t/>
+            </a:r>
+            <a:endParaRPr sz="1100">
+              <a:solidFill>
+                <a:schemeClr val="lt1"/>
+              </a:solidFill>
+              <a:latin typeface="Lato"/>
+              <a:ea typeface="Lato"/>
+              <a:cs typeface="Lato"/>
+              <a:sym typeface="Lato"/>
+            </a:endParaRPr>
+          </a:p>
+          <a:p>
+            <a:pPr indent="0" lvl="0" marL="0" rtl="0" algn="l">
+              <a:spcBef>
+                <a:spcPts val="0"/>
+              </a:spcBef>
+              <a:spcAft>
+                <a:spcPts val="0"/>
+              </a:spcAft>
+              <a:buNone/>
+            </a:pPr>
+            <a:r>
+              <a:rPr lang="ru" sz="1100">
+                <a:solidFill>
+                  <a:schemeClr val="lt1"/>
+                </a:solidFill>
+                <a:latin typeface="Lato"/>
+                <a:ea typeface="Lato"/>
+                <a:cs typeface="Lato"/>
+                <a:sym typeface="Lato"/>
+              </a:rPr>
+              <a:t>Сегменты дают основу для персонализации: разные меры удержания для разных групп.</a:t>
             </a:r>
             <a:endParaRPr sz="1100">
               <a:solidFill>
@@ -16132,7 +16983,7 @@
       </p:sp>
       <p:pic>
         <p:nvPicPr>
-          <p:cNvPr id="205" name="Google Shape;205;p21"/>
+          <p:cNvPr id="212" name="Google Shape;212;p21"/>
           <p:cNvPicPr preferRelativeResize="0"/>
           <p:nvPr/>
         </p:nvPicPr>
@@ -16146,8 +16997,8 @@
         </p:blipFill>
         <p:spPr>
           <a:xfrm>
-            <a:off x="263050" y="1499100"/>
-            <a:ext cx="3800925" cy="2038485"/>
+            <a:off x="297000" y="1216074"/>
+            <a:ext cx="4496181" cy="2411350"/>
           </a:xfrm>
           <a:prstGeom prst="rect">
             <a:avLst/>
@@ -16160,7 +17011,7 @@
       </p:pic>
       <p:pic>
         <p:nvPicPr>
-          <p:cNvPr id="206" name="Google Shape;206;p21"/>
+          <p:cNvPr id="213" name="Google Shape;213;p21"/>
           <p:cNvPicPr preferRelativeResize="0"/>
           <p:nvPr/>
         </p:nvPicPr>
@@ -16186,6 +17037,223 @@
           </a:ln>
         </p:spPr>
       </p:pic>
+      <p:sp>
+        <p:nvSpPr>
+          <p:cNvPr id="214" name="Google Shape;214;p21"/>
+          <p:cNvSpPr txBox="1"/>
+          <p:nvPr/>
+        </p:nvSpPr>
+        <p:spPr>
+          <a:xfrm>
+            <a:off x="6087000" y="3993675"/>
+            <a:ext cx="2812200" cy="1045200"/>
+          </a:xfrm>
+          <a:prstGeom prst="rect">
+            <a:avLst/>
+          </a:prstGeom>
+          <a:noFill/>
+          <a:ln>
+            <a:noFill/>
+          </a:ln>
+        </p:spPr>
+        <p:txBody>
+          <a:bodyPr anchorCtr="0" anchor="t" bIns="91425" lIns="91425" spcFirstLastPara="1" rIns="91425" wrap="square" tIns="91425">
+            <a:noAutofit/>
+          </a:bodyPr>
+          <a:lstStyle/>
+          <a:p>
+            <a:pPr indent="0" lvl="0" marL="0" rtl="0" algn="l">
+              <a:spcBef>
+                <a:spcPts val="0"/>
+              </a:spcBef>
+              <a:spcAft>
+                <a:spcPts val="0"/>
+              </a:spcAft>
+              <a:buNone/>
+            </a:pPr>
+            <a:r>
+              <a:rPr lang="ru" sz="1100">
+                <a:solidFill>
+                  <a:schemeClr val="lt1"/>
+                </a:solidFill>
+                <a:latin typeface="Lato"/>
+                <a:ea typeface="Lato"/>
+                <a:cs typeface="Lato"/>
+                <a:sym typeface="Lato"/>
+              </a:rPr>
+              <a:t>0/3/6 — “одноразовые”</a:t>
+            </a:r>
+            <a:endParaRPr sz="1100">
+              <a:solidFill>
+                <a:schemeClr val="lt1"/>
+              </a:solidFill>
+              <a:latin typeface="Lato"/>
+              <a:ea typeface="Lato"/>
+              <a:cs typeface="Lato"/>
+              <a:sym typeface="Lato"/>
+            </a:endParaRPr>
+          </a:p>
+          <a:p>
+            <a:pPr indent="0" lvl="0" marL="0" rtl="0" algn="l">
+              <a:spcBef>
+                <a:spcPts val="0"/>
+              </a:spcBef>
+              <a:spcAft>
+                <a:spcPts val="0"/>
+              </a:spcAft>
+              <a:buNone/>
+            </a:pPr>
+            <a:r>
+              <a:rPr lang="ru" sz="1100">
+                <a:solidFill>
+                  <a:schemeClr val="lt1"/>
+                </a:solidFill>
+                <a:latin typeface="Lato"/>
+                <a:ea typeface="Lato"/>
+                <a:cs typeface="Lato"/>
+                <a:sym typeface="Lato"/>
+              </a:rPr>
+              <a:t>2 — “ядро/power”</a:t>
+            </a:r>
+            <a:endParaRPr sz="1100">
+              <a:solidFill>
+                <a:schemeClr val="lt1"/>
+              </a:solidFill>
+              <a:latin typeface="Lato"/>
+              <a:ea typeface="Lato"/>
+              <a:cs typeface="Lato"/>
+              <a:sym typeface="Lato"/>
+            </a:endParaRPr>
+          </a:p>
+          <a:p>
+            <a:pPr indent="0" lvl="0" marL="0" rtl="0" algn="l">
+              <a:spcBef>
+                <a:spcPts val="0"/>
+              </a:spcBef>
+              <a:spcAft>
+                <a:spcPts val="0"/>
+              </a:spcAft>
+              <a:buNone/>
+            </a:pPr>
+            <a:r>
+              <a:rPr lang="ru" sz="1100">
+                <a:solidFill>
+                  <a:schemeClr val="lt1"/>
+                </a:solidFill>
+                <a:latin typeface="Lato"/>
+                <a:ea typeface="Lato"/>
+                <a:cs typeface="Lato"/>
+                <a:sym typeface="Lato"/>
+              </a:rPr>
+              <a:t>4 — “рутинные”</a:t>
+            </a:r>
+            <a:endParaRPr sz="1100">
+              <a:solidFill>
+                <a:schemeClr val="lt1"/>
+              </a:solidFill>
+              <a:latin typeface="Lato"/>
+              <a:ea typeface="Lato"/>
+              <a:cs typeface="Lato"/>
+              <a:sym typeface="Lato"/>
+            </a:endParaRPr>
+          </a:p>
+          <a:p>
+            <a:pPr indent="0" lvl="0" marL="0" rtl="0" algn="l">
+              <a:spcBef>
+                <a:spcPts val="0"/>
+              </a:spcBef>
+              <a:spcAft>
+                <a:spcPts val="0"/>
+              </a:spcAft>
+              <a:buNone/>
+            </a:pPr>
+            <a:r>
+              <a:rPr lang="ru" sz="1100">
+                <a:solidFill>
+                  <a:schemeClr val="lt1"/>
+                </a:solidFill>
+                <a:latin typeface="Lato"/>
+                <a:ea typeface="Lato"/>
+                <a:cs typeface="Lato"/>
+                <a:sym typeface="Lato"/>
+              </a:rPr>
+              <a:t>5 — малый сегмент</a:t>
+            </a:r>
+            <a:endParaRPr sz="1100">
+              <a:solidFill>
+                <a:schemeClr val="lt1"/>
+              </a:solidFill>
+              <a:latin typeface="Lato"/>
+              <a:ea typeface="Lato"/>
+              <a:cs typeface="Lato"/>
+              <a:sym typeface="Lato"/>
+            </a:endParaRPr>
+          </a:p>
+          <a:p>
+            <a:pPr indent="0" lvl="0" marL="0" rtl="0" algn="l">
+              <a:spcBef>
+                <a:spcPts val="0"/>
+              </a:spcBef>
+              <a:spcAft>
+                <a:spcPts val="0"/>
+              </a:spcAft>
+              <a:buNone/>
+            </a:pPr>
+            <a:r>
+              <a:t/>
+            </a:r>
+            <a:endParaRPr sz="1100">
+              <a:solidFill>
+                <a:schemeClr val="lt1"/>
+              </a:solidFill>
+              <a:latin typeface="Lato"/>
+              <a:ea typeface="Lato"/>
+              <a:cs typeface="Lato"/>
+              <a:sym typeface="Lato"/>
+            </a:endParaRPr>
+          </a:p>
+        </p:txBody>
+      </p:sp>
+      <p:sp>
+        <p:nvSpPr>
+          <p:cNvPr id="215" name="Google Shape;215;p21"/>
+          <p:cNvSpPr txBox="1"/>
+          <p:nvPr>
+            <p:ph idx="12" type="sldNum"/>
+          </p:nvPr>
+        </p:nvSpPr>
+        <p:spPr>
+          <a:xfrm>
+            <a:off x="8472458" y="4663217"/>
+            <a:ext cx="548700" cy="393600"/>
+          </a:xfrm>
+          <a:prstGeom prst="rect">
+            <a:avLst/>
+          </a:prstGeom>
+        </p:spPr>
+        <p:txBody>
+          <a:bodyPr anchorCtr="0" anchor="ctr" bIns="91425" lIns="91425" spcFirstLastPara="1" rIns="91425" wrap="square" tIns="91425">
+            <a:normAutofit/>
+          </a:bodyPr>
+          <a:lstStyle/>
+          <a:p>
+            <a:pPr indent="0" lvl="0" marL="0" rtl="0" algn="r">
+              <a:spcBef>
+                <a:spcPts val="0"/>
+              </a:spcBef>
+              <a:spcAft>
+                <a:spcPts val="0"/>
+              </a:spcAft>
+              <a:buNone/>
+            </a:pPr>
+            <a:fld id="{00000000-1234-1234-1234-123412341234}" type="slidenum">
+              <a:rPr lang="ru"/>
+              <a:t>‹#›</a:t>
+            </a:fld>
+            <a:endParaRPr/>
+          </a:p>
+        </p:txBody>
+      </p:sp>
     </p:spTree>
   </p:cSld>
   <p:clrMapOvr>
@@ -16195,6 +17263,285 @@
 </file>
 
 <file path=ppt/theme/theme1.xml><?xml version="1.0" encoding="utf-8"?>
+<a:theme xmlns:a="http://schemas.openxmlformats.org/drawingml/2006/main" xmlns:r="http://schemas.openxmlformats.org/officeDocument/2006/relationships" name="Focus">
+  <a:themeElements>
+    <a:clrScheme name="Focus">
+      <a:dk1>
+        <a:srgbClr val="1B212C"/>
+      </a:dk1>
+      <a:lt1>
+        <a:srgbClr val="FFFFFF"/>
+      </a:lt1>
+      <a:dk2>
+        <a:srgbClr val="D9D9D9"/>
+      </a:dk2>
+      <a:lt2>
+        <a:srgbClr val="82C7A5"/>
+      </a:lt2>
+      <a:accent1>
+        <a:srgbClr val="0145AC"/>
+      </a:accent1>
+      <a:accent2>
+        <a:srgbClr val="EECE1A"/>
+      </a:accent2>
+      <a:accent3>
+        <a:srgbClr val="4E5567"/>
+      </a:accent3>
+      <a:accent4>
+        <a:srgbClr val="F4D6AD"/>
+      </a:accent4>
+      <a:accent5>
+        <a:srgbClr val="7890CD"/>
+      </a:accent5>
+      <a:accent6>
+        <a:srgbClr val="F15E22"/>
+      </a:accent6>
+      <a:hlink>
+        <a:srgbClr val="7890CD"/>
+      </a:hlink>
+      <a:folHlink>
+        <a:srgbClr val="7890CD"/>
+      </a:folHlink>
+    </a:clrScheme>
+    <a:fontScheme name="Office">
+      <a:majorFont>
+        <a:latin typeface="Arial"/>
+        <a:ea typeface=""/>
+        <a:cs typeface=""/>
+        <a:font script="Jpan" typeface="ＭＳ Ｐゴシック"/>
+        <a:font script="Hang" typeface="맑은 고딕"/>
+        <a:font script="Hans" typeface="宋体"/>
+        <a:font script="Hant" typeface="新細明體"/>
+        <a:font script="Arab" typeface="Times New Roman"/>
+        <a:font script="Hebr" typeface="Times New Roman"/>
+        <a:font script="Thai" typeface="Angsana New"/>
+        <a:font script="Ethi" typeface="Nyala"/>
+        <a:font script="Beng" typeface="Vrinda"/>
+        <a:font script="Gujr" typeface="Shruti"/>
+        <a:font script="Khmr" typeface="MoolBoran"/>
+        <a:font script="Knda" typeface="Tunga"/>
+        <a:font script="Guru" typeface="Raavi"/>
+        <a:font script="Cans" typeface="Euphemia"/>
+        <a:font script="Cher" typeface="Plantagenet Cherokee"/>
+        <a:font script="Yiii" typeface="Microsoft Yi Baiti"/>
+        <a:font script="Tibt" typeface="Microsoft Himalaya"/>
+        <a:font script="Thaa" typeface="MV Boli"/>
+        <a:font script="Deva" typeface="Mangal"/>
+        <a:font script="Telu" typeface="Gautami"/>
+        <a:font script="Taml" typeface="Latha"/>
+        <a:font script="Syrc" typeface="Estrangelo Edessa"/>
+        <a:font script="Orya" typeface="Kalinga"/>
+        <a:font script="Mlym" typeface="Kartika"/>
+        <a:font script="Laoo" typeface="DokChampa"/>
+        <a:font script="Sinh" typeface="Iskoola Pota"/>
+        <a:font script="Mong" typeface="Mongolian Baiti"/>
+        <a:font script="Viet" typeface="Times New Roman"/>
+        <a:font script="Uigh" typeface="Microsoft Uighur"/>
+        <a:font script="Geor" typeface="Sylfaen"/>
+      </a:majorFont>
+      <a:minorFont>
+        <a:latin typeface="Arial"/>
+        <a:ea typeface=""/>
+        <a:cs typeface=""/>
+        <a:font script="Jpan" typeface="ＭＳ Ｐゴシック"/>
+        <a:font script="Hang" typeface="맑은 고딕"/>
+        <a:font script="Hans" typeface="宋体"/>
+        <a:font script="Hant" typeface="新細明體"/>
+        <a:font script="Arab" typeface="Arial"/>
+        <a:font script="Hebr" typeface="Arial"/>
+        <a:font script="Thai" typeface="Cordia New"/>
+        <a:font script="Ethi" typeface="Nyala"/>
+        <a:font script="Beng" typeface="Vrinda"/>
+        <a:font script="Gujr" typeface="Shruti"/>
+        <a:font script="Khmr" typeface="DaunPenh"/>
+        <a:font script="Knda" typeface="Tunga"/>
+        <a:font script="Guru" typeface="Raavi"/>
+        <a:font script="Cans" typeface="Euphemia"/>
+        <a:font script="Cher" typeface="Plantagenet Cherokee"/>
+        <a:font script="Yiii" typeface="Microsoft Yi Baiti"/>
+        <a:font script="Tibt" typeface="Microsoft Himalaya"/>
+        <a:font script="Thaa" typeface="MV Boli"/>
+        <a:font script="Deva" typeface="Mangal"/>
+        <a:font script="Telu" typeface="Gautami"/>
+        <a:font script="Taml" typeface="Latha"/>
+        <a:font script="Syrc" typeface="Estrangelo Edessa"/>
+        <a:font script="Orya" typeface="Kalinga"/>
+        <a:font script="Mlym" typeface="Kartika"/>
+        <a:font script="Laoo" typeface="DokChampa"/>
+        <a:font script="Sinh" typeface="Iskoola Pota"/>
+        <a:font script="Mong" typeface="Mongolian Baiti"/>
+        <a:font script="Viet" typeface="Arial"/>
+        <a:font script="Uigh" typeface="Microsoft Uighur"/>
+        <a:font script="Geor" typeface="Sylfaen"/>
+      </a:minorFont>
+    </a:fontScheme>
+    <a:fmtScheme name="Office">
+      <a:fillStyleLst>
+        <a:solidFill>
+          <a:schemeClr val="phClr"/>
+        </a:solidFill>
+        <a:gradFill rotWithShape="1">
+          <a:gsLst>
+            <a:gs pos="0">
+              <a:schemeClr val="phClr">
+                <a:tint val="50000"/>
+                <a:satMod val="300000"/>
+              </a:schemeClr>
+            </a:gs>
+            <a:gs pos="35000">
+              <a:schemeClr val="phClr">
+                <a:tint val="37000"/>
+                <a:satMod val="300000"/>
+              </a:schemeClr>
+            </a:gs>
+            <a:gs pos="100000">
+              <a:schemeClr val="phClr">
+                <a:tint val="15000"/>
+                <a:satMod val="350000"/>
+              </a:schemeClr>
+            </a:gs>
+          </a:gsLst>
+          <a:lin ang="16200000" scaled="1"/>
+        </a:gradFill>
+        <a:gradFill rotWithShape="1">
+          <a:gsLst>
+            <a:gs pos="0">
+              <a:schemeClr val="phClr">
+                <a:tint val="100000"/>
+                <a:shade val="100000"/>
+                <a:satMod val="130000"/>
+              </a:schemeClr>
+            </a:gs>
+            <a:gs pos="100000">
+              <a:schemeClr val="phClr">
+                <a:tint val="50000"/>
+                <a:shade val="100000"/>
+                <a:satMod val="350000"/>
+              </a:schemeClr>
+            </a:gs>
+          </a:gsLst>
+          <a:lin ang="16200000" scaled="0"/>
+        </a:gradFill>
+      </a:fillStyleLst>
+      <a:lnStyleLst>
+        <a:ln w="9525" cap="flat" cmpd="sng" algn="ctr">
+          <a:solidFill>
+            <a:schemeClr val="phClr">
+              <a:shade val="95000"/>
+              <a:satMod val="105000"/>
+            </a:schemeClr>
+          </a:solidFill>
+          <a:prstDash val="solid"/>
+        </a:ln>
+        <a:ln w="25400" cap="flat" cmpd="sng" algn="ctr">
+          <a:solidFill>
+            <a:schemeClr val="phClr"/>
+          </a:solidFill>
+          <a:prstDash val="solid"/>
+        </a:ln>
+        <a:ln w="38100" cap="flat" cmpd="sng" algn="ctr">
+          <a:solidFill>
+            <a:schemeClr val="phClr"/>
+          </a:solidFill>
+          <a:prstDash val="solid"/>
+        </a:ln>
+      </a:lnStyleLst>
+      <a:effectStyleLst>
+        <a:effectStyle>
+          <a:effectLst>
+            <a:outerShdw blurRad="40000" dist="20000" dir="5400000" rotWithShape="0">
+              <a:srgbClr val="000000">
+                <a:alpha val="38000"/>
+              </a:srgbClr>
+            </a:outerShdw>
+          </a:effectLst>
+        </a:effectStyle>
+        <a:effectStyle>
+          <a:effectLst>
+            <a:outerShdw blurRad="40000" dist="23000" dir="5400000" rotWithShape="0">
+              <a:srgbClr val="000000">
+                <a:alpha val="35000"/>
+              </a:srgbClr>
+            </a:outerShdw>
+          </a:effectLst>
+        </a:effectStyle>
+        <a:effectStyle>
+          <a:effectLst>
+            <a:outerShdw blurRad="40000" dist="23000" dir="5400000" rotWithShape="0">
+              <a:srgbClr val="000000">
+                <a:alpha val="35000"/>
+              </a:srgbClr>
+            </a:outerShdw>
+          </a:effectLst>
+          <a:scene3d>
+            <a:camera prst="orthographicFront">
+              <a:rot lat="0" lon="0" rev="0"/>
+            </a:camera>
+            <a:lightRig rig="threePt" dir="t">
+              <a:rot lat="0" lon="0" rev="1200000"/>
+            </a:lightRig>
+          </a:scene3d>
+          <a:sp3d>
+            <a:bevelT w="63500" h="25400"/>
+          </a:sp3d>
+        </a:effectStyle>
+      </a:effectStyleLst>
+      <a:bgFillStyleLst>
+        <a:solidFill>
+          <a:schemeClr val="phClr"/>
+        </a:solidFill>
+        <a:gradFill rotWithShape="1">
+          <a:gsLst>
+            <a:gs pos="0">
+              <a:schemeClr val="phClr">
+                <a:tint val="40000"/>
+                <a:satMod val="350000"/>
+              </a:schemeClr>
+            </a:gs>
+            <a:gs pos="40000">
+              <a:schemeClr val="phClr">
+                <a:tint val="45000"/>
+                <a:shade val="99000"/>
+                <a:satMod val="350000"/>
+              </a:schemeClr>
+            </a:gs>
+            <a:gs pos="100000">
+              <a:schemeClr val="phClr">
+                <a:shade val="20000"/>
+                <a:satMod val="255000"/>
+              </a:schemeClr>
+            </a:gs>
+          </a:gsLst>
+          <a:path path="circle">
+            <a:fillToRect l="50000" t="-80000" r="50000" b="180000"/>
+          </a:path>
+        </a:gradFill>
+        <a:gradFill rotWithShape="1">
+          <a:gsLst>
+            <a:gs pos="0">
+              <a:schemeClr val="phClr">
+                <a:tint val="80000"/>
+                <a:satMod val="300000"/>
+              </a:schemeClr>
+            </a:gs>
+            <a:gs pos="100000">
+              <a:schemeClr val="phClr">
+                <a:shade val="30000"/>
+                <a:satMod val="200000"/>
+              </a:schemeClr>
+            </a:gs>
+          </a:gsLst>
+          <a:path path="circle">
+            <a:fillToRect l="50000" t="50000" r="50000" b="50000"/>
+          </a:path>
+        </a:gradFill>
+      </a:bgFillStyleLst>
+    </a:fmtScheme>
+  </a:themeElements>
+</a:theme>
+</file>
+
+<file path=ppt/theme/theme2.xml><?xml version="1.0" encoding="utf-8"?>
 <a:theme xmlns:a="http://schemas.openxmlformats.org/drawingml/2006/main" xmlns:r="http://schemas.openxmlformats.org/officeDocument/2006/relationships">
   <a:themeElements>
     <a:clrScheme name="Default">
@@ -16471,283 +17818,4 @@
     </a:fmtScheme>
   </a:themeElements>
 </a:theme>
-</file>
-
-<file path=ppt/theme/theme2.xml><?xml version="1.0" encoding="utf-8"?>
-<a:theme xmlns:a="http://schemas.openxmlformats.org/drawingml/2006/main" xmlns:r="http://schemas.openxmlformats.org/officeDocument/2006/relationships" name="Focus">
-  <a:themeElements>
-    <a:clrScheme name="Focus">
-      <a:dk1>
-        <a:srgbClr val="1B212C"/>
-      </a:dk1>
-      <a:lt1>
-        <a:srgbClr val="FFFFFF"/>
-      </a:lt1>
-      <a:dk2>
-        <a:srgbClr val="D9D9D9"/>
-      </a:dk2>
-      <a:lt2>
-        <a:srgbClr val="82C7A5"/>
-      </a:lt2>
-      <a:accent1>
-        <a:srgbClr val="0145AC"/>
-      </a:accent1>
-      <a:accent2>
-        <a:srgbClr val="EECE1A"/>
-      </a:accent2>
-      <a:accent3>
-        <a:srgbClr val="4E5567"/>
-      </a:accent3>
-      <a:accent4>
-        <a:srgbClr val="F4D6AD"/>
-      </a:accent4>
-      <a:accent5>
-        <a:srgbClr val="7890CD"/>
-      </a:accent5>
-      <a:accent6>
-        <a:srgbClr val="F15E22"/>
-      </a:accent6>
-      <a:hlink>
-        <a:srgbClr val="7890CD"/>
-      </a:hlink>
-      <a:folHlink>
-        <a:srgbClr val="7890CD"/>
-      </a:folHlink>
-    </a:clrScheme>
-    <a:fontScheme name="Office">
-      <a:majorFont>
-        <a:latin typeface="Arial"/>
-        <a:ea typeface=""/>
-        <a:cs typeface=""/>
-        <a:font script="Jpan" typeface="ＭＳ Ｐゴシック"/>
-        <a:font script="Hang" typeface="맑은 고딕"/>
-        <a:font script="Hans" typeface="宋体"/>
-        <a:font script="Hant" typeface="新細明體"/>
-        <a:font script="Arab" typeface="Times New Roman"/>
-        <a:font script="Hebr" typeface="Times New Roman"/>
-        <a:font script="Thai" typeface="Angsana New"/>
-        <a:font script="Ethi" typeface="Nyala"/>
-        <a:font script="Beng" typeface="Vrinda"/>
-        <a:font script="Gujr" typeface="Shruti"/>
-        <a:font script="Khmr" typeface="MoolBoran"/>
-        <a:font script="Knda" typeface="Tunga"/>
-        <a:font script="Guru" typeface="Raavi"/>
-        <a:font script="Cans" typeface="Euphemia"/>
-        <a:font script="Cher" typeface="Plantagenet Cherokee"/>
-        <a:font script="Yiii" typeface="Microsoft Yi Baiti"/>
-        <a:font script="Tibt" typeface="Microsoft Himalaya"/>
-        <a:font script="Thaa" typeface="MV Boli"/>
-        <a:font script="Deva" typeface="Mangal"/>
-        <a:font script="Telu" typeface="Gautami"/>
-        <a:font script="Taml" typeface="Latha"/>
-        <a:font script="Syrc" typeface="Estrangelo Edessa"/>
-        <a:font script="Orya" typeface="Kalinga"/>
-        <a:font script="Mlym" typeface="Kartika"/>
-        <a:font script="Laoo" typeface="DokChampa"/>
-        <a:font script="Sinh" typeface="Iskoola Pota"/>
-        <a:font script="Mong" typeface="Mongolian Baiti"/>
-        <a:font script="Viet" typeface="Times New Roman"/>
-        <a:font script="Uigh" typeface="Microsoft Uighur"/>
-        <a:font script="Geor" typeface="Sylfaen"/>
-      </a:majorFont>
-      <a:minorFont>
-        <a:latin typeface="Arial"/>
-        <a:ea typeface=""/>
-        <a:cs typeface=""/>
-        <a:font script="Jpan" typeface="ＭＳ Ｐゴシック"/>
-        <a:font script="Hang" typeface="맑은 고딕"/>
-        <a:font script="Hans" typeface="宋体"/>
-        <a:font script="Hant" typeface="新細明體"/>
-        <a:font script="Arab" typeface="Arial"/>
-        <a:font script="Hebr" typeface="Arial"/>
-        <a:font script="Thai" typeface="Cordia New"/>
-        <a:font script="Ethi" typeface="Nyala"/>
-        <a:font script="Beng" typeface="Vrinda"/>
-        <a:font script="Gujr" typeface="Shruti"/>
-        <a:font script="Khmr" typeface="DaunPenh"/>
-        <a:font script="Knda" typeface="Tunga"/>
-        <a:font script="Guru" typeface="Raavi"/>
-        <a:font script="Cans" typeface="Euphemia"/>
-        <a:font script="Cher" typeface="Plantagenet Cherokee"/>
-        <a:font script="Yiii" typeface="Microsoft Yi Baiti"/>
-        <a:font script="Tibt" typeface="Microsoft Himalaya"/>
-        <a:font script="Thaa" typeface="MV Boli"/>
-        <a:font script="Deva" typeface="Mangal"/>
-        <a:font script="Telu" typeface="Gautami"/>
-        <a:font script="Taml" typeface="Latha"/>
-        <a:font script="Syrc" typeface="Estrangelo Edessa"/>
-        <a:font script="Orya" typeface="Kalinga"/>
-        <a:font script="Mlym" typeface="Kartika"/>
-        <a:font script="Laoo" typeface="DokChampa"/>
-        <a:font script="Sinh" typeface="Iskoola Pota"/>
-        <a:font script="Mong" typeface="Mongolian Baiti"/>
-        <a:font script="Viet" typeface="Arial"/>
-        <a:font script="Uigh" typeface="Microsoft Uighur"/>
-        <a:font script="Geor" typeface="Sylfaen"/>
-      </a:minorFont>
-    </a:fontScheme>
-    <a:fmtScheme name="Office">
-      <a:fillStyleLst>
-        <a:solidFill>
-          <a:schemeClr val="phClr"/>
-        </a:solidFill>
-        <a:gradFill rotWithShape="1">
-          <a:gsLst>
-            <a:gs pos="0">
-              <a:schemeClr val="phClr">
-                <a:tint val="50000"/>
-                <a:satMod val="300000"/>
-              </a:schemeClr>
-            </a:gs>
-            <a:gs pos="35000">
-              <a:schemeClr val="phClr">
-                <a:tint val="37000"/>
-                <a:satMod val="300000"/>
-              </a:schemeClr>
-            </a:gs>
-            <a:gs pos="100000">
-              <a:schemeClr val="phClr">
-                <a:tint val="15000"/>
-                <a:satMod val="350000"/>
-              </a:schemeClr>
-            </a:gs>
-          </a:gsLst>
-          <a:lin ang="16200000" scaled="1"/>
-        </a:gradFill>
-        <a:gradFill rotWithShape="1">
-          <a:gsLst>
-            <a:gs pos="0">
-              <a:schemeClr val="phClr">
-                <a:tint val="100000"/>
-                <a:shade val="100000"/>
-                <a:satMod val="130000"/>
-              </a:schemeClr>
-            </a:gs>
-            <a:gs pos="100000">
-              <a:schemeClr val="phClr">
-                <a:tint val="50000"/>
-                <a:shade val="100000"/>
-                <a:satMod val="350000"/>
-              </a:schemeClr>
-            </a:gs>
-          </a:gsLst>
-          <a:lin ang="16200000" scaled="0"/>
-        </a:gradFill>
-      </a:fillStyleLst>
-      <a:lnStyleLst>
-        <a:ln w="9525" cap="flat" cmpd="sng" algn="ctr">
-          <a:solidFill>
-            <a:schemeClr val="phClr">
-              <a:shade val="95000"/>
-              <a:satMod val="105000"/>
-            </a:schemeClr>
-          </a:solidFill>
-          <a:prstDash val="solid"/>
-        </a:ln>
-        <a:ln w="25400" cap="flat" cmpd="sng" algn="ctr">
-          <a:solidFill>
-            <a:schemeClr val="phClr"/>
-          </a:solidFill>
-          <a:prstDash val="solid"/>
-        </a:ln>
-        <a:ln w="38100" cap="flat" cmpd="sng" algn="ctr">
-          <a:solidFill>
-            <a:schemeClr val="phClr"/>
-          </a:solidFill>
-          <a:prstDash val="solid"/>
-        </a:ln>
-      </a:lnStyleLst>
-      <a:effectStyleLst>
-        <a:effectStyle>
-          <a:effectLst>
-            <a:outerShdw blurRad="40000" dist="20000" dir="5400000" rotWithShape="0">
-              <a:srgbClr val="000000">
-                <a:alpha val="38000"/>
-              </a:srgbClr>
-            </a:outerShdw>
-          </a:effectLst>
-        </a:effectStyle>
-        <a:effectStyle>
-          <a:effectLst>
-            <a:outerShdw blurRad="40000" dist="23000" dir="5400000" rotWithShape="0">
-              <a:srgbClr val="000000">
-                <a:alpha val="35000"/>
-              </a:srgbClr>
-            </a:outerShdw>
-          </a:effectLst>
-        </a:effectStyle>
-        <a:effectStyle>
-          <a:effectLst>
-            <a:outerShdw blurRad="40000" dist="23000" dir="5400000" rotWithShape="0">
-              <a:srgbClr val="000000">
-                <a:alpha val="35000"/>
-              </a:srgbClr>
-            </a:outerShdw>
-          </a:effectLst>
-          <a:scene3d>
-            <a:camera prst="orthographicFront">
-              <a:rot lat="0" lon="0" rev="0"/>
-            </a:camera>
-            <a:lightRig rig="threePt" dir="t">
-              <a:rot lat="0" lon="0" rev="1200000"/>
-            </a:lightRig>
-          </a:scene3d>
-          <a:sp3d>
-            <a:bevelT w="63500" h="25400"/>
-          </a:sp3d>
-        </a:effectStyle>
-      </a:effectStyleLst>
-      <a:bgFillStyleLst>
-        <a:solidFill>
-          <a:schemeClr val="phClr"/>
-        </a:solidFill>
-        <a:gradFill rotWithShape="1">
-          <a:gsLst>
-            <a:gs pos="0">
-              <a:schemeClr val="phClr">
-                <a:tint val="40000"/>
-                <a:satMod val="350000"/>
-              </a:schemeClr>
-            </a:gs>
-            <a:gs pos="40000">
-              <a:schemeClr val="phClr">
-                <a:tint val="45000"/>
-                <a:shade val="99000"/>
-                <a:satMod val="350000"/>
-              </a:schemeClr>
-            </a:gs>
-            <a:gs pos="100000">
-              <a:schemeClr val="phClr">
-                <a:shade val="20000"/>
-                <a:satMod val="255000"/>
-              </a:schemeClr>
-            </a:gs>
-          </a:gsLst>
-          <a:path path="circle">
-            <a:fillToRect l="50000" t="-80000" r="50000" b="180000"/>
-          </a:path>
-        </a:gradFill>
-        <a:gradFill rotWithShape="1">
-          <a:gsLst>
-            <a:gs pos="0">
-              <a:schemeClr val="phClr">
-                <a:tint val="80000"/>
-                <a:satMod val="300000"/>
-              </a:schemeClr>
-            </a:gs>
-            <a:gs pos="100000">
-              <a:schemeClr val="phClr">
-                <a:shade val="30000"/>
-                <a:satMod val="200000"/>
-              </a:schemeClr>
-            </a:gs>
-          </a:gsLst>
-          <a:path path="circle">
-            <a:fillToRect l="50000" t="50000" r="50000" b="50000"/>
-          </a:path>
-        </a:gradFill>
-      </a:bgFillStyleLst>
-    </a:fmtScheme>
-  </a:themeElements>
-</a:theme>
 </file>